--- a/day1.pptx
+++ b/day1.pptx
@@ -5726,7 +5726,7 @@
           <a:p>
             <a:fld id="{16E5F246-0B7D-44DF-8C1B-EDFCA5DA626A}" type="datetimeFigureOut">
               <a:rPr lang="ru-RU" smtClean="0"/>
-              <a:t>05.07.2015</a:t>
+              <a:t>06.07.2015</a:t>
             </a:fld>
             <a:endParaRPr lang="ru-RU"/>
           </a:p>
@@ -7099,7 +7099,7 @@
           <a:p>
             <a:fld id="{ED7A5A9E-355E-4F5A-82F5-195339D13266}" type="datetimeFigureOut">
               <a:rPr lang="ru-RU" smtClean="0"/>
-              <a:t>05.07.2015</a:t>
+              <a:t>06.07.2015</a:t>
             </a:fld>
             <a:endParaRPr lang="ru-RU"/>
           </a:p>
@@ -7269,7 +7269,7 @@
           <a:p>
             <a:fld id="{ED7A5A9E-355E-4F5A-82F5-195339D13266}" type="datetimeFigureOut">
               <a:rPr lang="ru-RU" smtClean="0"/>
-              <a:t>05.07.2015</a:t>
+              <a:t>06.07.2015</a:t>
             </a:fld>
             <a:endParaRPr lang="ru-RU"/>
           </a:p>
@@ -7449,7 +7449,7 @@
           <a:p>
             <a:fld id="{ED7A5A9E-355E-4F5A-82F5-195339D13266}" type="datetimeFigureOut">
               <a:rPr lang="ru-RU" smtClean="0"/>
-              <a:t>05.07.2015</a:t>
+              <a:t>06.07.2015</a:t>
             </a:fld>
             <a:endParaRPr lang="ru-RU"/>
           </a:p>
@@ -7619,7 +7619,7 @@
           <a:p>
             <a:fld id="{ED7A5A9E-355E-4F5A-82F5-195339D13266}" type="datetimeFigureOut">
               <a:rPr lang="ru-RU" smtClean="0"/>
-              <a:t>05.07.2015</a:t>
+              <a:t>06.07.2015</a:t>
             </a:fld>
             <a:endParaRPr lang="ru-RU"/>
           </a:p>
@@ -7865,7 +7865,7 @@
           <a:p>
             <a:fld id="{ED7A5A9E-355E-4F5A-82F5-195339D13266}" type="datetimeFigureOut">
               <a:rPr lang="ru-RU" smtClean="0"/>
-              <a:t>05.07.2015</a:t>
+              <a:t>06.07.2015</a:t>
             </a:fld>
             <a:endParaRPr lang="ru-RU"/>
           </a:p>
@@ -8153,7 +8153,7 @@
           <a:p>
             <a:fld id="{ED7A5A9E-355E-4F5A-82F5-195339D13266}" type="datetimeFigureOut">
               <a:rPr lang="ru-RU" smtClean="0"/>
-              <a:t>05.07.2015</a:t>
+              <a:t>06.07.2015</a:t>
             </a:fld>
             <a:endParaRPr lang="ru-RU"/>
           </a:p>
@@ -8575,7 +8575,7 @@
           <a:p>
             <a:fld id="{ED7A5A9E-355E-4F5A-82F5-195339D13266}" type="datetimeFigureOut">
               <a:rPr lang="ru-RU" smtClean="0"/>
-              <a:t>05.07.2015</a:t>
+              <a:t>06.07.2015</a:t>
             </a:fld>
             <a:endParaRPr lang="ru-RU"/>
           </a:p>
@@ -8693,7 +8693,7 @@
           <a:p>
             <a:fld id="{ED7A5A9E-355E-4F5A-82F5-195339D13266}" type="datetimeFigureOut">
               <a:rPr lang="ru-RU" smtClean="0"/>
-              <a:t>05.07.2015</a:t>
+              <a:t>06.07.2015</a:t>
             </a:fld>
             <a:endParaRPr lang="ru-RU"/>
           </a:p>
@@ -8788,7 +8788,7 @@
           <a:p>
             <a:fld id="{ED7A5A9E-355E-4F5A-82F5-195339D13266}" type="datetimeFigureOut">
               <a:rPr lang="ru-RU" smtClean="0"/>
-              <a:t>05.07.2015</a:t>
+              <a:t>06.07.2015</a:t>
             </a:fld>
             <a:endParaRPr lang="ru-RU"/>
           </a:p>
@@ -9065,7 +9065,7 @@
           <a:p>
             <a:fld id="{ED7A5A9E-355E-4F5A-82F5-195339D13266}" type="datetimeFigureOut">
               <a:rPr lang="ru-RU" smtClean="0"/>
-              <a:t>05.07.2015</a:t>
+              <a:t>06.07.2015</a:t>
             </a:fld>
             <a:endParaRPr lang="ru-RU"/>
           </a:p>
@@ -9318,7 +9318,7 @@
           <a:p>
             <a:fld id="{ED7A5A9E-355E-4F5A-82F5-195339D13266}" type="datetimeFigureOut">
               <a:rPr lang="ru-RU" smtClean="0"/>
-              <a:t>05.07.2015</a:t>
+              <a:t>06.07.2015</a:t>
             </a:fld>
             <a:endParaRPr lang="ru-RU"/>
           </a:p>
@@ -9531,7 +9531,7 @@
           <a:p>
             <a:fld id="{ED7A5A9E-355E-4F5A-82F5-195339D13266}" type="datetimeFigureOut">
               <a:rPr lang="ru-RU" smtClean="0"/>
-              <a:t>05.07.2015</a:t>
+              <a:t>06.07.2015</a:t>
             </a:fld>
             <a:endParaRPr lang="ru-RU"/>
           </a:p>
@@ -10795,8 +10795,20 @@
           <a:p>
             <a:r>
               <a:rPr lang="ru-RU" dirty="0" smtClean="0"/>
-              <a:t>Ага, понятно, делаем!</a:t>
-            </a:r>
+              <a:t>Ага, понятно, делаем</a:t>
+            </a:r>
+            <a:r>
+              <a:rPr lang="ru-RU" dirty="0" smtClean="0"/>
+              <a:t>!</a:t>
+            </a:r>
+            <a:endParaRPr lang="en-US" dirty="0" smtClean="0"/>
+          </a:p>
+          <a:p>
+            <a:r>
+              <a:rPr lang="ru-RU" dirty="0" smtClean="0"/>
+              <a:t>Ой, кажется, я уже написал какой-то код</a:t>
+            </a:r>
+            <a:endParaRPr lang="ru-RU" dirty="0" smtClean="0"/>
           </a:p>
           <a:p>
             <a:r>
@@ -11074,6 +11086,55 @@
                                           <p:spTgt spid="3">
                                             <p:txEl>
                                               <p:pRg st="4" end="4"/>
+                                            </p:txEl>
+                                          </p:spTgt>
+                                        </p:tgtEl>
+                                        <p:attrNameLst>
+                                          <p:attrName>style.visibility</p:attrName>
+                                        </p:attrNameLst>
+                                      </p:cBhvr>
+                                      <p:to>
+                                        <p:strVal val="visible"/>
+                                      </p:to>
+                                    </p:set>
+                                  </p:childTnLst>
+                                </p:cTn>
+                              </p:par>
+                            </p:childTnLst>
+                          </p:cTn>
+                        </p:par>
+                      </p:childTnLst>
+                    </p:cTn>
+                  </p:par>
+                  <p:par>
+                    <p:cTn id="23" fill="hold">
+                      <p:stCondLst>
+                        <p:cond delay="indefinite"/>
+                      </p:stCondLst>
+                      <p:childTnLst>
+                        <p:par>
+                          <p:cTn id="24" fill="hold">
+                            <p:stCondLst>
+                              <p:cond delay="0"/>
+                            </p:stCondLst>
+                            <p:childTnLst>
+                              <p:par>
+                                <p:cTn id="25" presetID="1" presetClass="entr" presetSubtype="0" fill="hold" grpId="0" nodeType="clickEffect">
+                                  <p:stCondLst>
+                                    <p:cond delay="0"/>
+                                  </p:stCondLst>
+                                  <p:childTnLst>
+                                    <p:set>
+                                      <p:cBhvr>
+                                        <p:cTn id="26" dur="1" fill="hold">
+                                          <p:stCondLst>
+                                            <p:cond delay="0"/>
+                                          </p:stCondLst>
+                                        </p:cTn>
+                                        <p:tgtEl>
+                                          <p:spTgt spid="3">
+                                            <p:txEl>
+                                              <p:pRg st="5" end="5"/>
                                             </p:txEl>
                                           </p:spTgt>
                                         </p:tgtEl>
@@ -16548,7 +16609,7 @@
           <a:graphicData uri="http://schemas.openxmlformats.org/presentationml/2006/ole">
             <mc:AlternateContent xmlns:mc="http://schemas.openxmlformats.org/markup-compatibility/2006">
               <mc:Choice xmlns:v="urn:schemas-microsoft-com:vml" Requires="v">
-                <p:oleObj spid="_x0000_s1041" name="VISIO" r:id="rId4" imgW="2544803" imgH="251238" progId="Visio.Drawing.5">
+                <p:oleObj spid="_x0000_s1043" name="VISIO" r:id="rId4" imgW="2544803" imgH="251238" progId="Visio.Drawing.5">
                   <p:embed/>
                 </p:oleObj>
               </mc:Choice>
@@ -17230,13 +17291,7 @@
               <a:rPr lang="en-US" sz="1800" dirty="0">
                 <a:hlinkClick r:id="rId3"/>
               </a:rPr>
-              <a:t>://</a:t>
-            </a:r>
-            <a:r>
-              <a:rPr lang="en-US" sz="1800" dirty="0">
-                <a:hlinkClick r:id="rId3"/>
-              </a:rPr>
-              <a:t>www.pluralsight.com/courses/advanced-unit-testing</a:t>
+              <a:t>://www.pluralsight.com/courses/advanced-unit-testing</a:t>
             </a:r>
             <a:endParaRPr lang="en-US" sz="1800" dirty="0"/>
           </a:p>
@@ -17523,7 +17578,9 @@
         </p:nvSpPr>
         <p:spPr/>
         <p:txBody>
-          <a:bodyPr/>
+          <a:bodyPr>
+            <a:normAutofit/>
+          </a:bodyPr>
           <a:lstStyle/>
           <a:p>
             <a:r>
@@ -17542,11 +17599,17 @@
               <a:buAutoNum type="arabicPeriod"/>
             </a:pPr>
             <a:r>
-              <a:rPr lang="en-US" dirty="0" smtClean="0"/>
+              <a:rPr lang="en-US" sz="2400" dirty="0" smtClean="0">
+                <a:latin typeface="Consolas" panose="020B0609020204030204" pitchFamily="49" charset="0"/>
+                <a:cs typeface="Consolas" panose="020B0609020204030204" pitchFamily="49" charset="0"/>
+              </a:rPr>
               <a:t>PM&gt; Install-Package </a:t>
             </a:r>
             <a:r>
-              <a:rPr lang="en-US" dirty="0" err="1"/>
+              <a:rPr lang="en-US" sz="2400" dirty="0" err="1">
+                <a:latin typeface="Consolas" panose="020B0609020204030204" pitchFamily="49" charset="0"/>
+                <a:cs typeface="Consolas" panose="020B0609020204030204" pitchFamily="49" charset="0"/>
+              </a:rPr>
               <a:t>NUnit.Runners</a:t>
             </a:r>
             <a:r>
@@ -17568,46 +17631,79 @@
               <a:rPr lang="en-US" dirty="0" smtClean="0"/>
             </a:br>
             <a:r>
-              <a:rPr lang="en-US" dirty="0" smtClean="0"/>
+              <a:rPr lang="en-US" sz="2400" dirty="0" smtClean="0">
+                <a:latin typeface="Consolas" panose="020B0609020204030204" pitchFamily="49" charset="0"/>
+                <a:cs typeface="Consolas" panose="020B0609020204030204" pitchFamily="49" charset="0"/>
+              </a:rPr>
               <a:t>$(</a:t>
             </a:r>
             <a:r>
-              <a:rPr lang="en-US" dirty="0" err="1"/>
+              <a:rPr lang="en-US" sz="2400" dirty="0" err="1">
+                <a:latin typeface="Consolas" panose="020B0609020204030204" pitchFamily="49" charset="0"/>
+                <a:cs typeface="Consolas" panose="020B0609020204030204" pitchFamily="49" charset="0"/>
+              </a:rPr>
               <a:t>SolutionDir</a:t>
             </a:r>
             <a:r>
-              <a:rPr lang="en-US" dirty="0"/>
+              <a:rPr lang="en-US" sz="2400" dirty="0">
+                <a:latin typeface="Consolas" panose="020B0609020204030204" pitchFamily="49" charset="0"/>
+                <a:cs typeface="Consolas" panose="020B0609020204030204" pitchFamily="49" charset="0"/>
+              </a:rPr>
               <a:t>)packages\NUnit.Runners.2.6.4\tools\nunit-console.exe $(</a:t>
             </a:r>
             <a:r>
-              <a:rPr lang="en-US" dirty="0" err="1"/>
+              <a:rPr lang="en-US" sz="2400" dirty="0" err="1">
+                <a:latin typeface="Consolas" panose="020B0609020204030204" pitchFamily="49" charset="0"/>
+                <a:cs typeface="Consolas" panose="020B0609020204030204" pitchFamily="49" charset="0"/>
+              </a:rPr>
               <a:t>TargetPath</a:t>
             </a:r>
             <a:r>
-              <a:rPr lang="en-US" dirty="0"/>
+              <a:rPr lang="en-US" sz="2400" dirty="0">
+                <a:latin typeface="Consolas" panose="020B0609020204030204" pitchFamily="49" charset="0"/>
+                <a:cs typeface="Consolas" panose="020B0609020204030204" pitchFamily="49" charset="0"/>
+              </a:rPr>
               <a:t>) /</a:t>
             </a:r>
             <a:r>
-              <a:rPr lang="en-US" dirty="0" err="1"/>
+              <a:rPr lang="en-US" sz="2400" dirty="0" err="1">
+                <a:latin typeface="Consolas" panose="020B0609020204030204" pitchFamily="49" charset="0"/>
+                <a:cs typeface="Consolas" panose="020B0609020204030204" pitchFamily="49" charset="0"/>
+              </a:rPr>
               <a:t>nologo</a:t>
             </a:r>
             <a:r>
-              <a:rPr lang="en-US" dirty="0"/>
+              <a:rPr lang="en-US" sz="2400" dirty="0">
+                <a:latin typeface="Consolas" panose="020B0609020204030204" pitchFamily="49" charset="0"/>
+                <a:cs typeface="Consolas" panose="020B0609020204030204" pitchFamily="49" charset="0"/>
+              </a:rPr>
               <a:t> /exclude=</a:t>
             </a:r>
             <a:r>
-              <a:rPr lang="en-US" dirty="0" err="1"/>
+              <a:rPr lang="en-US" sz="2400" dirty="0" err="1">
+                <a:latin typeface="Consolas" panose="020B0609020204030204" pitchFamily="49" charset="0"/>
+                <a:cs typeface="Consolas" panose="020B0609020204030204" pitchFamily="49" charset="0"/>
+              </a:rPr>
               <a:t>LongRunning</a:t>
             </a:r>
             <a:r>
-              <a:rPr lang="en-US" dirty="0"/>
+              <a:rPr lang="en-US" sz="2400" dirty="0">
+                <a:latin typeface="Consolas" panose="020B0609020204030204" pitchFamily="49" charset="0"/>
+                <a:cs typeface="Consolas" panose="020B0609020204030204" pitchFamily="49" charset="0"/>
+              </a:rPr>
               <a:t> /</a:t>
             </a:r>
             <a:r>
-              <a:rPr lang="en-US" dirty="0" err="1" smtClean="0"/>
+              <a:rPr lang="en-US" sz="2400" dirty="0" err="1" smtClean="0">
+                <a:latin typeface="Consolas" panose="020B0609020204030204" pitchFamily="49" charset="0"/>
+                <a:cs typeface="Consolas" panose="020B0609020204030204" pitchFamily="49" charset="0"/>
+              </a:rPr>
               <a:t>nodots</a:t>
             </a:r>
-            <a:endParaRPr lang="en-US" dirty="0" smtClean="0"/>
+            <a:endParaRPr lang="en-US" sz="2400" dirty="0" smtClean="0">
+              <a:latin typeface="Consolas" panose="020B0609020204030204" pitchFamily="49" charset="0"/>
+              <a:cs typeface="Consolas" panose="020B0609020204030204" pitchFamily="49" charset="0"/>
+            </a:endParaRPr>
           </a:p>
           <a:p>
             <a:pPr marL="971550" lvl="1" indent="-514350">
@@ -17657,9 +17753,231 @@
   <p:timing>
     <p:tnLst>
       <p:par>
-        <p:cTn id="1" dur="indefinite" restart="never" nodeType="tmRoot"/>
+        <p:cTn id="1" dur="indefinite" restart="never" nodeType="tmRoot">
+          <p:childTnLst>
+            <p:seq concurrent="1" nextAc="seek">
+              <p:cTn id="2" dur="indefinite" nodeType="mainSeq">
+                <p:childTnLst>
+                  <p:par>
+                    <p:cTn id="3" fill="hold">
+                      <p:stCondLst>
+                        <p:cond delay="indefinite"/>
+                      </p:stCondLst>
+                      <p:childTnLst>
+                        <p:par>
+                          <p:cTn id="4" fill="hold">
+                            <p:stCondLst>
+                              <p:cond delay="0"/>
+                            </p:stCondLst>
+                            <p:childTnLst>
+                              <p:par>
+                                <p:cTn id="5" presetID="1" presetClass="entr" presetSubtype="0" fill="hold" grpId="0" nodeType="clickEffect">
+                                  <p:stCondLst>
+                                    <p:cond delay="0"/>
+                                  </p:stCondLst>
+                                  <p:childTnLst>
+                                    <p:set>
+                                      <p:cBhvr>
+                                        <p:cTn id="6" dur="1" fill="hold">
+                                          <p:stCondLst>
+                                            <p:cond delay="0"/>
+                                          </p:stCondLst>
+                                        </p:cTn>
+                                        <p:tgtEl>
+                                          <p:spTgt spid="3">
+                                            <p:txEl>
+                                              <p:pRg st="0" end="0"/>
+                                            </p:txEl>
+                                          </p:spTgt>
+                                        </p:tgtEl>
+                                        <p:attrNameLst>
+                                          <p:attrName>style.visibility</p:attrName>
+                                        </p:attrNameLst>
+                                      </p:cBhvr>
+                                      <p:to>
+                                        <p:strVal val="visible"/>
+                                      </p:to>
+                                    </p:set>
+                                  </p:childTnLst>
+                                </p:cTn>
+                              </p:par>
+                            </p:childTnLst>
+                          </p:cTn>
+                        </p:par>
+                      </p:childTnLst>
+                    </p:cTn>
+                  </p:par>
+                  <p:par>
+                    <p:cTn id="7" fill="hold">
+                      <p:stCondLst>
+                        <p:cond delay="indefinite"/>
+                      </p:stCondLst>
+                      <p:childTnLst>
+                        <p:par>
+                          <p:cTn id="8" fill="hold">
+                            <p:stCondLst>
+                              <p:cond delay="0"/>
+                            </p:stCondLst>
+                            <p:childTnLst>
+                              <p:par>
+                                <p:cTn id="9" presetID="1" presetClass="entr" presetSubtype="0" fill="hold" grpId="0" nodeType="clickEffect">
+                                  <p:stCondLst>
+                                    <p:cond delay="0"/>
+                                  </p:stCondLst>
+                                  <p:childTnLst>
+                                    <p:set>
+                                      <p:cBhvr>
+                                        <p:cTn id="10" dur="1" fill="hold">
+                                          <p:stCondLst>
+                                            <p:cond delay="0"/>
+                                          </p:stCondLst>
+                                        </p:cTn>
+                                        <p:tgtEl>
+                                          <p:spTgt spid="3">
+                                            <p:txEl>
+                                              <p:pRg st="1" end="1"/>
+                                            </p:txEl>
+                                          </p:spTgt>
+                                        </p:tgtEl>
+                                        <p:attrNameLst>
+                                          <p:attrName>style.visibility</p:attrName>
+                                        </p:attrNameLst>
+                                      </p:cBhvr>
+                                      <p:to>
+                                        <p:strVal val="visible"/>
+                                      </p:to>
+                                    </p:set>
+                                  </p:childTnLst>
+                                </p:cTn>
+                              </p:par>
+                            </p:childTnLst>
+                          </p:cTn>
+                        </p:par>
+                      </p:childTnLst>
+                    </p:cTn>
+                  </p:par>
+                  <p:par>
+                    <p:cTn id="11" fill="hold">
+                      <p:stCondLst>
+                        <p:cond delay="indefinite"/>
+                      </p:stCondLst>
+                      <p:childTnLst>
+                        <p:par>
+                          <p:cTn id="12" fill="hold">
+                            <p:stCondLst>
+                              <p:cond delay="0"/>
+                            </p:stCondLst>
+                            <p:childTnLst>
+                              <p:par>
+                                <p:cTn id="13" presetID="1" presetClass="entr" presetSubtype="0" fill="hold" grpId="0" nodeType="clickEffect">
+                                  <p:stCondLst>
+                                    <p:cond delay="0"/>
+                                  </p:stCondLst>
+                                  <p:childTnLst>
+                                    <p:set>
+                                      <p:cBhvr>
+                                        <p:cTn id="14" dur="1" fill="hold">
+                                          <p:stCondLst>
+                                            <p:cond delay="0"/>
+                                          </p:stCondLst>
+                                        </p:cTn>
+                                        <p:tgtEl>
+                                          <p:spTgt spid="3">
+                                            <p:txEl>
+                                              <p:pRg st="2" end="2"/>
+                                            </p:txEl>
+                                          </p:spTgt>
+                                        </p:tgtEl>
+                                        <p:attrNameLst>
+                                          <p:attrName>style.visibility</p:attrName>
+                                        </p:attrNameLst>
+                                      </p:cBhvr>
+                                      <p:to>
+                                        <p:strVal val="visible"/>
+                                      </p:to>
+                                    </p:set>
+                                  </p:childTnLst>
+                                </p:cTn>
+                              </p:par>
+                            </p:childTnLst>
+                          </p:cTn>
+                        </p:par>
+                      </p:childTnLst>
+                    </p:cTn>
+                  </p:par>
+                  <p:par>
+                    <p:cTn id="15" fill="hold">
+                      <p:stCondLst>
+                        <p:cond delay="indefinite"/>
+                      </p:stCondLst>
+                      <p:childTnLst>
+                        <p:par>
+                          <p:cTn id="16" fill="hold">
+                            <p:stCondLst>
+                              <p:cond delay="0"/>
+                            </p:stCondLst>
+                            <p:childTnLst>
+                              <p:par>
+                                <p:cTn id="17" presetID="1" presetClass="entr" presetSubtype="0" fill="hold" grpId="0" nodeType="clickEffect">
+                                  <p:stCondLst>
+                                    <p:cond delay="0"/>
+                                  </p:stCondLst>
+                                  <p:childTnLst>
+                                    <p:set>
+                                      <p:cBhvr>
+                                        <p:cTn id="18" dur="1" fill="hold">
+                                          <p:stCondLst>
+                                            <p:cond delay="0"/>
+                                          </p:stCondLst>
+                                        </p:cTn>
+                                        <p:tgtEl>
+                                          <p:spTgt spid="3">
+                                            <p:txEl>
+                                              <p:pRg st="3" end="3"/>
+                                            </p:txEl>
+                                          </p:spTgt>
+                                        </p:tgtEl>
+                                        <p:attrNameLst>
+                                          <p:attrName>style.visibility</p:attrName>
+                                        </p:attrNameLst>
+                                      </p:cBhvr>
+                                      <p:to>
+                                        <p:strVal val="visible"/>
+                                      </p:to>
+                                    </p:set>
+                                  </p:childTnLst>
+                                </p:cTn>
+                              </p:par>
+                            </p:childTnLst>
+                          </p:cTn>
+                        </p:par>
+                      </p:childTnLst>
+                    </p:cTn>
+                  </p:par>
+                </p:childTnLst>
+              </p:cTn>
+              <p:prevCondLst>
+                <p:cond evt="onPrev" delay="0">
+                  <p:tgtEl>
+                    <p:sldTgt/>
+                  </p:tgtEl>
+                </p:cond>
+              </p:prevCondLst>
+              <p:nextCondLst>
+                <p:cond evt="onNext" delay="0">
+                  <p:tgtEl>
+                    <p:sldTgt/>
+                  </p:tgtEl>
+                </p:cond>
+              </p:nextCondLst>
+            </p:seq>
+          </p:childTnLst>
+        </p:cTn>
       </p:par>
     </p:tnLst>
+    <p:bldLst>
+      <p:bldP spid="3" grpId="0" uiExpand="1" build="p"/>
+    </p:bldLst>
   </p:timing>
 </p:sld>
 </file>
@@ -17730,7 +18048,7 @@
         </p:spPr>
         <p:txBody>
           <a:bodyPr>
-            <a:normAutofit fontScale="92500" lnSpcReduction="10000"/>
+            <a:normAutofit lnSpcReduction="10000"/>
           </a:bodyPr>
           <a:lstStyle/>
           <a:p>
@@ -17810,8 +18128,21 @@
           <a:p>
             <a:r>
               <a:rPr lang="ru-RU" dirty="0" smtClean="0"/>
-              <a:t>Отлаживайте конкретный тест, запуская его в студии.</a:t>
-            </a:r>
+              <a:t>Отлаживайте конкретный тест, запуская </a:t>
+            </a:r>
+            <a:r>
+              <a:rPr lang="ru-RU" dirty="0" smtClean="0"/>
+              <a:t>в </a:t>
+            </a:r>
+            <a:r>
+              <a:rPr lang="en-US" dirty="0" smtClean="0"/>
+              <a:t>VS</a:t>
+            </a:r>
+            <a:r>
+              <a:rPr lang="ru-RU" dirty="0" smtClean="0"/>
+              <a:t>.</a:t>
+            </a:r>
+            <a:endParaRPr lang="ru-RU" dirty="0" smtClean="0"/>
           </a:p>
           <a:p>
             <a:r>

--- a/day1.pptx
+++ b/day1.pptx
@@ -2318,162 +2318,6 @@
       <dsp:cNvGrpSpPr/>
     </dsp:nvGrpSpPr>
     <dsp:grpSpPr/>
-    <dsp:sp modelId="{21D6B4D5-DD70-43F5-A4EC-DDD359DDF04C}">
-      <dsp:nvSpPr>
-        <dsp:cNvPr id="0" name=""/>
-        <dsp:cNvSpPr/>
-      </dsp:nvSpPr>
-      <dsp:spPr>
-        <a:xfrm>
-          <a:off x="242023" y="24621"/>
-          <a:ext cx="4501341" cy="4501341"/>
-        </a:xfrm>
-        <a:prstGeom prst="ellipse">
-          <a:avLst/>
-        </a:prstGeom>
-        <a:solidFill>
-          <a:schemeClr val="accent1">
-            <a:alpha val="50000"/>
-            <a:hueOff val="0"/>
-            <a:satOff val="0"/>
-            <a:lumOff val="0"/>
-            <a:alphaOff val="0"/>
-          </a:schemeClr>
-        </a:solidFill>
-        <a:ln w="25400" cap="flat" cmpd="sng" algn="ctr">
-          <a:solidFill>
-            <a:schemeClr val="lt1">
-              <a:hueOff val="0"/>
-              <a:satOff val="0"/>
-              <a:lumOff val="0"/>
-              <a:alphaOff val="0"/>
-            </a:schemeClr>
-          </a:solidFill>
-          <a:prstDash val="solid"/>
-        </a:ln>
-        <a:effectLst/>
-      </dsp:spPr>
-      <dsp:style>
-        <a:lnRef idx="2">
-          <a:scrgbClr r="0" g="0" b="0"/>
-        </a:lnRef>
-        <a:fillRef idx="1">
-          <a:scrgbClr r="0" g="0" b="0"/>
-        </a:fillRef>
-        <a:effectRef idx="0">
-          <a:scrgbClr r="0" g="0" b="0"/>
-        </a:effectRef>
-        <a:fontRef idx="minor">
-          <a:schemeClr val="tx1"/>
-        </a:fontRef>
-      </dsp:style>
-      <dsp:txBody>
-        <a:bodyPr spcFirstLastPara="0" vert="horz" wrap="square" lIns="0" tIns="0" rIns="0" bIns="0" numCol="1" spcCol="1270" anchor="ctr" anchorCtr="0">
-          <a:noAutofit/>
-        </a:bodyPr>
-        <a:lstStyle/>
-        <a:p>
-          <a:pPr lvl="0" algn="ctr" defTabSz="2889250">
-            <a:lnSpc>
-              <a:spcPct val="90000"/>
-            </a:lnSpc>
-            <a:spcBef>
-              <a:spcPct val="0"/>
-            </a:spcBef>
-            <a:spcAft>
-              <a:spcPct val="35000"/>
-            </a:spcAft>
-          </a:pPr>
-          <a:r>
-            <a:rPr lang="en-US" sz="6500" kern="1200" dirty="0" smtClean="0"/>
-            <a:t>DRY</a:t>
-          </a:r>
-          <a:endParaRPr lang="ru-RU" sz="6500" kern="1200" dirty="0"/>
-        </a:p>
-      </dsp:txBody>
-      <dsp:txXfrm>
-        <a:off x="870589" y="555426"/>
-        <a:ext cx="2595368" cy="3439731"/>
-      </dsp:txXfrm>
-    </dsp:sp>
-    <dsp:sp modelId="{A6AD5533-970C-405D-8CD0-3401F473AD79}">
-      <dsp:nvSpPr>
-        <dsp:cNvPr id="0" name=""/>
-        <dsp:cNvSpPr/>
-      </dsp:nvSpPr>
-      <dsp:spPr>
-        <a:xfrm>
-          <a:off x="3486234" y="12310"/>
-          <a:ext cx="4501341" cy="4501341"/>
-        </a:xfrm>
-        <a:prstGeom prst="ellipse">
-          <a:avLst/>
-        </a:prstGeom>
-        <a:solidFill>
-          <a:schemeClr val="accent1">
-            <a:alpha val="50000"/>
-            <a:hueOff val="0"/>
-            <a:satOff val="0"/>
-            <a:lumOff val="0"/>
-            <a:alphaOff val="0"/>
-          </a:schemeClr>
-        </a:solidFill>
-        <a:ln w="25400" cap="flat" cmpd="sng" algn="ctr">
-          <a:solidFill>
-            <a:schemeClr val="lt1">
-              <a:hueOff val="0"/>
-              <a:satOff val="0"/>
-              <a:lumOff val="0"/>
-              <a:alphaOff val="0"/>
-            </a:schemeClr>
-          </a:solidFill>
-          <a:prstDash val="solid"/>
-        </a:ln>
-        <a:effectLst/>
-      </dsp:spPr>
-      <dsp:style>
-        <a:lnRef idx="2">
-          <a:scrgbClr r="0" g="0" b="0"/>
-        </a:lnRef>
-        <a:fillRef idx="1">
-          <a:scrgbClr r="0" g="0" b="0"/>
-        </a:fillRef>
-        <a:effectRef idx="0">
-          <a:scrgbClr r="0" g="0" b="0"/>
-        </a:effectRef>
-        <a:fontRef idx="minor">
-          <a:schemeClr val="tx1"/>
-        </a:fontRef>
-      </dsp:style>
-      <dsp:txBody>
-        <a:bodyPr spcFirstLastPara="0" vert="horz" wrap="square" lIns="0" tIns="0" rIns="0" bIns="0" numCol="1" spcCol="1270" anchor="ctr" anchorCtr="0">
-          <a:noAutofit/>
-        </a:bodyPr>
-        <a:lstStyle/>
-        <a:p>
-          <a:pPr lvl="0" algn="ctr" defTabSz="2889250">
-            <a:lnSpc>
-              <a:spcPct val="90000"/>
-            </a:lnSpc>
-            <a:spcBef>
-              <a:spcPct val="0"/>
-            </a:spcBef>
-            <a:spcAft>
-              <a:spcPct val="35000"/>
-            </a:spcAft>
-          </a:pPr>
-          <a:r>
-            <a:rPr lang="en-US" sz="6500" kern="1200" dirty="0" smtClean="0"/>
-            <a:t>DAMP</a:t>
-          </a:r>
-          <a:endParaRPr lang="ru-RU" sz="6500" kern="1200" dirty="0"/>
-        </a:p>
-      </dsp:txBody>
-      <dsp:txXfrm>
-        <a:off x="4763642" y="543115"/>
-        <a:ext cx="2595368" cy="3439731"/>
-      </dsp:txXfrm>
-    </dsp:sp>
   </dsp:spTree>
 </dsp:drawing>
 </file>
@@ -9931,6 +9775,86 @@
           </a:p>
         </p:txBody>
       </p:sp>
+      <p:sp>
+        <p:nvSpPr>
+          <p:cNvPr id="3" name="Прямоугольник 2"/>
+          <p:cNvSpPr/>
+          <p:nvPr/>
+        </p:nvSpPr>
+        <p:spPr>
+          <a:xfrm>
+            <a:off x="3575188" y="3244334"/>
+            <a:ext cx="3546292" cy="1200329"/>
+          </a:xfrm>
+          <a:prstGeom prst="rect">
+            <a:avLst/>
+          </a:prstGeom>
+        </p:spPr>
+        <p:txBody>
+          <a:bodyPr wrap="none">
+            <a:spAutoFit/>
+          </a:bodyPr>
+          <a:lstStyle/>
+          <a:p>
+            <a:r>
+              <a:rPr lang="ru-RU" dirty="0" smtClean="0"/>
+              <a:t>Опрос: </a:t>
+            </a:r>
+            <a:r>
+              <a:rPr lang="ru-RU" dirty="0" smtClean="0">
+                <a:hlinkClick r:id="rId3"/>
+              </a:rPr>
+              <a:t>http</a:t>
+            </a:r>
+            <a:r>
+              <a:rPr lang="ru-RU" dirty="0">
+                <a:hlinkClick r:id="rId3"/>
+              </a:rPr>
+              <a:t>://</a:t>
+            </a:r>
+            <a:r>
+              <a:rPr lang="ru-RU" dirty="0" smtClean="0">
+                <a:hlinkClick r:id="rId3"/>
+              </a:rPr>
+              <a:t>bit.ly/k-tests</a:t>
+            </a:r>
+            <a:endParaRPr lang="ru-RU" dirty="0" smtClean="0"/>
+          </a:p>
+          <a:p>
+            <a:r>
+              <a:rPr lang="ru-RU" dirty="0" smtClean="0"/>
+              <a:t>Результаты: </a:t>
+            </a:r>
+            <a:r>
+              <a:rPr lang="en-US" dirty="0">
+                <a:hlinkClick r:id="rId4"/>
+              </a:rPr>
+              <a:t>http://</a:t>
+            </a:r>
+            <a:r>
+              <a:rPr lang="en-US" dirty="0" smtClean="0">
+                <a:hlinkClick r:id="rId4"/>
+              </a:rPr>
+              <a:t>bit.ly/k-tests-res</a:t>
+            </a:r>
+            <a:endParaRPr lang="ru-RU" smtClean="0"/>
+          </a:p>
+          <a:p>
+            <a:r>
+              <a:rPr lang="ru-RU" smtClean="0"/>
+              <a:t> </a:t>
+            </a:r>
+            <a:endParaRPr lang="ru-RU" dirty="0" smtClean="0"/>
+          </a:p>
+          <a:p>
+            <a:r>
+              <a:rPr lang="en-US" dirty="0" smtClean="0"/>
+              <a:t> </a:t>
+            </a:r>
+            <a:endParaRPr lang="ru-RU" dirty="0"/>
+          </a:p>
+        </p:txBody>
+      </p:sp>
     </p:spTree>
     <p:extLst>
       <p:ext uri="{BB962C8B-B14F-4D97-AF65-F5344CB8AC3E}">
@@ -10795,11 +10719,7 @@
           <a:p>
             <a:r>
               <a:rPr lang="ru-RU" dirty="0" smtClean="0"/>
-              <a:t>Ага, понятно, делаем</a:t>
-            </a:r>
-            <a:r>
-              <a:rPr lang="ru-RU" dirty="0" smtClean="0"/>
-              <a:t>!</a:t>
+              <a:t>Ага, понятно, делаем!</a:t>
             </a:r>
             <a:endParaRPr lang="en-US" dirty="0" smtClean="0"/>
           </a:p>
@@ -10808,7 +10728,6 @@
               <a:rPr lang="ru-RU" dirty="0" smtClean="0"/>
               <a:t>Ой, кажется, я уже написал какой-то код</a:t>
             </a:r>
-            <a:endParaRPr lang="ru-RU" dirty="0" smtClean="0"/>
           </a:p>
           <a:p>
             <a:r>
@@ -16609,7 +16528,7 @@
           <a:graphicData uri="http://schemas.openxmlformats.org/presentationml/2006/ole">
             <mc:AlternateContent xmlns:mc="http://schemas.openxmlformats.org/markup-compatibility/2006">
               <mc:Choice xmlns:v="urn:schemas-microsoft-com:vml" Requires="v">
-                <p:oleObj spid="_x0000_s1043" name="VISIO" r:id="rId4" imgW="2544803" imgH="251238" progId="Visio.Drawing.5">
+                <p:oleObj spid="_x0000_s1044" name="VISIO" r:id="rId4" imgW="2544803" imgH="251238" progId="Visio.Drawing.5">
                   <p:embed/>
                 </p:oleObj>
               </mc:Choice>
@@ -18128,11 +18047,7 @@
           <a:p>
             <a:r>
               <a:rPr lang="ru-RU" dirty="0" smtClean="0"/>
-              <a:t>Отлаживайте конкретный тест, запуская </a:t>
-            </a:r>
-            <a:r>
-              <a:rPr lang="ru-RU" dirty="0" smtClean="0"/>
-              <a:t>в </a:t>
+              <a:t>Отлаживайте конкретный тест, запуская в </a:t>
             </a:r>
             <a:r>
               <a:rPr lang="en-US" dirty="0" smtClean="0"/>
@@ -18142,7 +18057,6 @@
               <a:rPr lang="ru-RU" dirty="0" smtClean="0"/>
               <a:t>.</a:t>
             </a:r>
-            <a:endParaRPr lang="ru-RU" dirty="0" smtClean="0"/>
           </a:p>
           <a:p>
             <a:r>

--- a/day1.pptx
+++ b/day1.pptx
@@ -18,7 +18,7 @@
     <p:sldId id="319" r:id="rId9"/>
     <p:sldId id="346" r:id="rId10"/>
     <p:sldId id="345" r:id="rId11"/>
-    <p:sldId id="347" r:id="rId12"/>
+    <p:sldId id="355" r:id="rId12"/>
     <p:sldId id="332" r:id="rId13"/>
     <p:sldId id="330" r:id="rId14"/>
     <p:sldId id="333" r:id="rId15"/>
@@ -2318,6 +2318,162 @@
       <dsp:cNvGrpSpPr/>
     </dsp:nvGrpSpPr>
     <dsp:grpSpPr/>
+    <dsp:sp modelId="{21D6B4D5-DD70-43F5-A4EC-DDD359DDF04C}">
+      <dsp:nvSpPr>
+        <dsp:cNvPr id="0" name=""/>
+        <dsp:cNvSpPr/>
+      </dsp:nvSpPr>
+      <dsp:spPr>
+        <a:xfrm>
+          <a:off x="242023" y="24621"/>
+          <a:ext cx="4501341" cy="4501341"/>
+        </a:xfrm>
+        <a:prstGeom prst="ellipse">
+          <a:avLst/>
+        </a:prstGeom>
+        <a:solidFill>
+          <a:schemeClr val="accent1">
+            <a:alpha val="50000"/>
+            <a:hueOff val="0"/>
+            <a:satOff val="0"/>
+            <a:lumOff val="0"/>
+            <a:alphaOff val="0"/>
+          </a:schemeClr>
+        </a:solidFill>
+        <a:ln w="25400" cap="flat" cmpd="sng" algn="ctr">
+          <a:solidFill>
+            <a:schemeClr val="lt1">
+              <a:hueOff val="0"/>
+              <a:satOff val="0"/>
+              <a:lumOff val="0"/>
+              <a:alphaOff val="0"/>
+            </a:schemeClr>
+          </a:solidFill>
+          <a:prstDash val="solid"/>
+        </a:ln>
+        <a:effectLst/>
+      </dsp:spPr>
+      <dsp:style>
+        <a:lnRef idx="2">
+          <a:scrgbClr r="0" g="0" b="0"/>
+        </a:lnRef>
+        <a:fillRef idx="1">
+          <a:scrgbClr r="0" g="0" b="0"/>
+        </a:fillRef>
+        <a:effectRef idx="0">
+          <a:scrgbClr r="0" g="0" b="0"/>
+        </a:effectRef>
+        <a:fontRef idx="minor">
+          <a:schemeClr val="tx1"/>
+        </a:fontRef>
+      </dsp:style>
+      <dsp:txBody>
+        <a:bodyPr spcFirstLastPara="0" vert="horz" wrap="square" lIns="0" tIns="0" rIns="0" bIns="0" numCol="1" spcCol="1270" anchor="ctr" anchorCtr="0">
+          <a:noAutofit/>
+        </a:bodyPr>
+        <a:lstStyle/>
+        <a:p>
+          <a:pPr lvl="0" algn="ctr" defTabSz="2889250">
+            <a:lnSpc>
+              <a:spcPct val="90000"/>
+            </a:lnSpc>
+            <a:spcBef>
+              <a:spcPct val="0"/>
+            </a:spcBef>
+            <a:spcAft>
+              <a:spcPct val="35000"/>
+            </a:spcAft>
+          </a:pPr>
+          <a:r>
+            <a:rPr lang="en-US" sz="6500" kern="1200" dirty="0" smtClean="0"/>
+            <a:t>DRY</a:t>
+          </a:r>
+          <a:endParaRPr lang="ru-RU" sz="6500" kern="1200" dirty="0"/>
+        </a:p>
+      </dsp:txBody>
+      <dsp:txXfrm>
+        <a:off x="870589" y="555426"/>
+        <a:ext cx="2595368" cy="3439731"/>
+      </dsp:txXfrm>
+    </dsp:sp>
+    <dsp:sp modelId="{A6AD5533-970C-405D-8CD0-3401F473AD79}">
+      <dsp:nvSpPr>
+        <dsp:cNvPr id="0" name=""/>
+        <dsp:cNvSpPr/>
+      </dsp:nvSpPr>
+      <dsp:spPr>
+        <a:xfrm>
+          <a:off x="3486234" y="12310"/>
+          <a:ext cx="4501341" cy="4501341"/>
+        </a:xfrm>
+        <a:prstGeom prst="ellipse">
+          <a:avLst/>
+        </a:prstGeom>
+        <a:solidFill>
+          <a:schemeClr val="accent1">
+            <a:alpha val="50000"/>
+            <a:hueOff val="0"/>
+            <a:satOff val="0"/>
+            <a:lumOff val="0"/>
+            <a:alphaOff val="0"/>
+          </a:schemeClr>
+        </a:solidFill>
+        <a:ln w="25400" cap="flat" cmpd="sng" algn="ctr">
+          <a:solidFill>
+            <a:schemeClr val="lt1">
+              <a:hueOff val="0"/>
+              <a:satOff val="0"/>
+              <a:lumOff val="0"/>
+              <a:alphaOff val="0"/>
+            </a:schemeClr>
+          </a:solidFill>
+          <a:prstDash val="solid"/>
+        </a:ln>
+        <a:effectLst/>
+      </dsp:spPr>
+      <dsp:style>
+        <a:lnRef idx="2">
+          <a:scrgbClr r="0" g="0" b="0"/>
+        </a:lnRef>
+        <a:fillRef idx="1">
+          <a:scrgbClr r="0" g="0" b="0"/>
+        </a:fillRef>
+        <a:effectRef idx="0">
+          <a:scrgbClr r="0" g="0" b="0"/>
+        </a:effectRef>
+        <a:fontRef idx="minor">
+          <a:schemeClr val="tx1"/>
+        </a:fontRef>
+      </dsp:style>
+      <dsp:txBody>
+        <a:bodyPr spcFirstLastPara="0" vert="horz" wrap="square" lIns="0" tIns="0" rIns="0" bIns="0" numCol="1" spcCol="1270" anchor="ctr" anchorCtr="0">
+          <a:noAutofit/>
+        </a:bodyPr>
+        <a:lstStyle/>
+        <a:p>
+          <a:pPr lvl="0" algn="ctr" defTabSz="2889250">
+            <a:lnSpc>
+              <a:spcPct val="90000"/>
+            </a:lnSpc>
+            <a:spcBef>
+              <a:spcPct val="0"/>
+            </a:spcBef>
+            <a:spcAft>
+              <a:spcPct val="35000"/>
+            </a:spcAft>
+          </a:pPr>
+          <a:r>
+            <a:rPr lang="en-US" sz="6500" kern="1200" dirty="0" smtClean="0"/>
+            <a:t>DAMP</a:t>
+          </a:r>
+          <a:endParaRPr lang="ru-RU" sz="6500" kern="1200" dirty="0"/>
+        </a:p>
+      </dsp:txBody>
+      <dsp:txXfrm>
+        <a:off x="4763642" y="543115"/>
+        <a:ext cx="2595368" cy="3439731"/>
+      </dsp:txXfrm>
+    </dsp:sp>
   </dsp:spTree>
 </dsp:drawing>
 </file>
@@ -2330,6 +2486,580 @@
       <dsp:cNvGrpSpPr/>
     </dsp:nvGrpSpPr>
     <dsp:grpSpPr/>
+    <dsp:sp modelId="{6CFAF0B4-C71D-4C93-B29D-0F3ACEB46DAC}">
+      <dsp:nvSpPr>
+        <dsp:cNvPr id="0" name=""/>
+        <dsp:cNvSpPr/>
+      </dsp:nvSpPr>
+      <dsp:spPr>
+        <a:xfrm>
+          <a:off x="2673296" y="1430"/>
+          <a:ext cx="1566173" cy="1566173"/>
+        </a:xfrm>
+        <a:prstGeom prst="ellipse">
+          <a:avLst/>
+        </a:prstGeom>
+        <a:solidFill>
+          <a:schemeClr val="lt1">
+            <a:hueOff val="0"/>
+            <a:satOff val="0"/>
+            <a:lumOff val="0"/>
+            <a:alphaOff val="0"/>
+          </a:schemeClr>
+        </a:solidFill>
+        <a:ln w="25400" cap="flat" cmpd="sng" algn="ctr">
+          <a:solidFill>
+            <a:schemeClr val="accent6">
+              <a:shade val="80000"/>
+              <a:hueOff val="0"/>
+              <a:satOff val="0"/>
+              <a:lumOff val="0"/>
+              <a:alphaOff val="0"/>
+            </a:schemeClr>
+          </a:solidFill>
+          <a:prstDash val="solid"/>
+        </a:ln>
+        <a:effectLst/>
+      </dsp:spPr>
+      <dsp:style>
+        <a:lnRef idx="2">
+          <a:scrgbClr r="0" g="0" b="0"/>
+        </a:lnRef>
+        <a:fillRef idx="1">
+          <a:scrgbClr r="0" g="0" b="0"/>
+        </a:fillRef>
+        <a:effectRef idx="0">
+          <a:scrgbClr r="0" g="0" b="0"/>
+        </a:effectRef>
+        <a:fontRef idx="minor">
+          <a:schemeClr val="lt1"/>
+        </a:fontRef>
+      </dsp:style>
+      <dsp:txBody>
+        <a:bodyPr spcFirstLastPara="0" vert="horz" wrap="square" lIns="22860" tIns="22860" rIns="22860" bIns="22860" numCol="1" spcCol="1270" anchor="ctr" anchorCtr="0">
+          <a:noAutofit/>
+        </a:bodyPr>
+        <a:lstStyle/>
+        <a:p>
+          <a:pPr lvl="0" algn="ctr" defTabSz="800100">
+            <a:lnSpc>
+              <a:spcPct val="90000"/>
+            </a:lnSpc>
+            <a:spcBef>
+              <a:spcPct val="0"/>
+            </a:spcBef>
+            <a:spcAft>
+              <a:spcPct val="35000"/>
+            </a:spcAft>
+          </a:pPr>
+          <a:r>
+            <a:rPr lang="en-US" sz="1800" b="0" kern="1200" dirty="0" smtClean="0"/>
+            <a:t>Design</a:t>
+          </a:r>
+          <a:endParaRPr lang="ru-RU" sz="1800" b="0" kern="1200" dirty="0"/>
+        </a:p>
+      </dsp:txBody>
+      <dsp:txXfrm>
+        <a:off x="2902657" y="230791"/>
+        <a:ext cx="1107451" cy="1107451"/>
+      </dsp:txXfrm>
+    </dsp:sp>
+    <dsp:sp modelId="{6D3E105C-5DA2-4D30-8D94-9DF04996ED43}">
+      <dsp:nvSpPr>
+        <dsp:cNvPr id="0" name=""/>
+        <dsp:cNvSpPr/>
+      </dsp:nvSpPr>
+      <dsp:spPr>
+        <a:xfrm rot="2700000">
+          <a:off x="4071433" y="1343758"/>
+          <a:ext cx="416967" cy="528583"/>
+        </a:xfrm>
+        <a:prstGeom prst="rightArrow">
+          <a:avLst>
+            <a:gd name="adj1" fmla="val 60000"/>
+            <a:gd name="adj2" fmla="val 50000"/>
+          </a:avLst>
+        </a:prstGeom>
+        <a:solidFill>
+          <a:schemeClr val="accent6">
+            <a:tint val="60000"/>
+            <a:hueOff val="0"/>
+            <a:satOff val="0"/>
+            <a:lumOff val="0"/>
+            <a:alphaOff val="0"/>
+          </a:schemeClr>
+        </a:solidFill>
+        <a:ln>
+          <a:noFill/>
+        </a:ln>
+        <a:effectLst/>
+      </dsp:spPr>
+      <dsp:style>
+        <a:lnRef idx="0">
+          <a:scrgbClr r="0" g="0" b="0"/>
+        </a:lnRef>
+        <a:fillRef idx="1">
+          <a:scrgbClr r="0" g="0" b="0"/>
+        </a:fillRef>
+        <a:effectRef idx="0">
+          <a:scrgbClr r="0" g="0" b="0"/>
+        </a:effectRef>
+        <a:fontRef idx="minor">
+          <a:schemeClr val="lt1"/>
+        </a:fontRef>
+      </dsp:style>
+      <dsp:txBody>
+        <a:bodyPr spcFirstLastPara="0" vert="horz" wrap="square" lIns="0" tIns="0" rIns="0" bIns="0" numCol="1" spcCol="1270" anchor="ctr" anchorCtr="0">
+          <a:noAutofit/>
+        </a:bodyPr>
+        <a:lstStyle/>
+        <a:p>
+          <a:pPr lvl="0" algn="ctr" defTabSz="622300">
+            <a:lnSpc>
+              <a:spcPct val="90000"/>
+            </a:lnSpc>
+            <a:spcBef>
+              <a:spcPct val="0"/>
+            </a:spcBef>
+            <a:spcAft>
+              <a:spcPct val="35000"/>
+            </a:spcAft>
+          </a:pPr>
+          <a:endParaRPr lang="ru-RU" sz="1400" kern="1200"/>
+        </a:p>
+      </dsp:txBody>
+      <dsp:txXfrm>
+        <a:off x="4089752" y="1405249"/>
+        <a:ext cx="291877" cy="317149"/>
+      </dsp:txXfrm>
+    </dsp:sp>
+    <dsp:sp modelId="{2DF0FCB7-52AA-4542-9718-42FC9EEBFEA0}">
+      <dsp:nvSpPr>
+        <dsp:cNvPr id="0" name=""/>
+        <dsp:cNvSpPr/>
+      </dsp:nvSpPr>
+      <dsp:spPr>
+        <a:xfrm>
+          <a:off x="4337051" y="1665184"/>
+          <a:ext cx="1566173" cy="1566173"/>
+        </a:xfrm>
+        <a:prstGeom prst="ellipse">
+          <a:avLst/>
+        </a:prstGeom>
+        <a:solidFill>
+          <a:schemeClr val="accent2"/>
+        </a:solidFill>
+        <a:ln w="25400" cap="flat" cmpd="sng" algn="ctr">
+          <a:solidFill>
+            <a:schemeClr val="accent2">
+              <a:shade val="50000"/>
+            </a:schemeClr>
+          </a:solidFill>
+          <a:prstDash val="solid"/>
+        </a:ln>
+        <a:effectLst/>
+      </dsp:spPr>
+      <dsp:style>
+        <a:lnRef idx="2">
+          <a:schemeClr val="accent2">
+            <a:shade val="50000"/>
+          </a:schemeClr>
+        </a:lnRef>
+        <a:fillRef idx="1">
+          <a:schemeClr val="accent2"/>
+        </a:fillRef>
+        <a:effectRef idx="0">
+          <a:schemeClr val="accent2"/>
+        </a:effectRef>
+        <a:fontRef idx="minor">
+          <a:schemeClr val="lt1"/>
+        </a:fontRef>
+      </dsp:style>
+      <dsp:txBody>
+        <a:bodyPr spcFirstLastPara="0" vert="horz" wrap="square" lIns="22860" tIns="22860" rIns="22860" bIns="22860" numCol="1" spcCol="1270" anchor="ctr" anchorCtr="0">
+          <a:noAutofit/>
+        </a:bodyPr>
+        <a:lstStyle/>
+        <a:p>
+          <a:pPr lvl="0" algn="ctr" defTabSz="800100">
+            <a:lnSpc>
+              <a:spcPct val="90000"/>
+            </a:lnSpc>
+            <a:spcBef>
+              <a:spcPct val="0"/>
+            </a:spcBef>
+            <a:spcAft>
+              <a:spcPct val="35000"/>
+            </a:spcAft>
+          </a:pPr>
+          <a:r>
+            <a:rPr lang="en-US" sz="1800" b="0" kern="1200" dirty="0" smtClean="0"/>
+            <a:t>Test</a:t>
+          </a:r>
+          <a:endParaRPr lang="ru-RU" sz="1800" b="0" kern="1200" dirty="0"/>
+        </a:p>
+      </dsp:txBody>
+      <dsp:txXfrm>
+        <a:off x="4566412" y="1894545"/>
+        <a:ext cx="1107451" cy="1107451"/>
+      </dsp:txXfrm>
+    </dsp:sp>
+    <dsp:sp modelId="{7815476A-849A-446F-8EB7-4348A1D65EFF}">
+      <dsp:nvSpPr>
+        <dsp:cNvPr id="0" name=""/>
+        <dsp:cNvSpPr/>
+      </dsp:nvSpPr>
+      <dsp:spPr>
+        <a:xfrm rot="8100000">
+          <a:off x="4088122" y="3007513"/>
+          <a:ext cx="416967" cy="528583"/>
+        </a:xfrm>
+        <a:prstGeom prst="rightArrow">
+          <a:avLst>
+            <a:gd name="adj1" fmla="val 60000"/>
+            <a:gd name="adj2" fmla="val 50000"/>
+          </a:avLst>
+        </a:prstGeom>
+        <a:solidFill>
+          <a:schemeClr val="accent6">
+            <a:tint val="60000"/>
+            <a:hueOff val="0"/>
+            <a:satOff val="0"/>
+            <a:lumOff val="0"/>
+            <a:alphaOff val="0"/>
+          </a:schemeClr>
+        </a:solidFill>
+        <a:ln>
+          <a:noFill/>
+        </a:ln>
+        <a:effectLst/>
+      </dsp:spPr>
+      <dsp:style>
+        <a:lnRef idx="0">
+          <a:scrgbClr r="0" g="0" b="0"/>
+        </a:lnRef>
+        <a:fillRef idx="1">
+          <a:scrgbClr r="0" g="0" b="0"/>
+        </a:fillRef>
+        <a:effectRef idx="0">
+          <a:scrgbClr r="0" g="0" b="0"/>
+        </a:effectRef>
+        <a:fontRef idx="minor">
+          <a:schemeClr val="lt1"/>
+        </a:fontRef>
+      </dsp:style>
+      <dsp:txBody>
+        <a:bodyPr spcFirstLastPara="0" vert="horz" wrap="square" lIns="0" tIns="0" rIns="0" bIns="0" numCol="1" spcCol="1270" anchor="ctr" anchorCtr="0">
+          <a:noAutofit/>
+        </a:bodyPr>
+        <a:lstStyle/>
+        <a:p>
+          <a:pPr lvl="0" algn="ctr" defTabSz="622300">
+            <a:lnSpc>
+              <a:spcPct val="90000"/>
+            </a:lnSpc>
+            <a:spcBef>
+              <a:spcPct val="0"/>
+            </a:spcBef>
+            <a:spcAft>
+              <a:spcPct val="35000"/>
+            </a:spcAft>
+          </a:pPr>
+          <a:endParaRPr lang="ru-RU" sz="1400" kern="1200"/>
+        </a:p>
+      </dsp:txBody>
+      <dsp:txXfrm rot="10800000">
+        <a:off x="4194893" y="3069004"/>
+        <a:ext cx="291877" cy="317149"/>
+      </dsp:txXfrm>
+    </dsp:sp>
+    <dsp:sp modelId="{573D47CC-AE97-4FAA-8E6A-826D90755EB4}">
+      <dsp:nvSpPr>
+        <dsp:cNvPr id="0" name=""/>
+        <dsp:cNvSpPr/>
+      </dsp:nvSpPr>
+      <dsp:spPr>
+        <a:xfrm>
+          <a:off x="2673297" y="3328939"/>
+          <a:ext cx="1566173" cy="1566173"/>
+        </a:xfrm>
+        <a:prstGeom prst="ellipse">
+          <a:avLst/>
+        </a:prstGeom>
+        <a:solidFill>
+          <a:schemeClr val="lt1">
+            <a:hueOff val="0"/>
+            <a:satOff val="0"/>
+            <a:lumOff val="0"/>
+            <a:alphaOff val="0"/>
+          </a:schemeClr>
+        </a:solidFill>
+        <a:ln w="25400" cap="flat" cmpd="sng" algn="ctr">
+          <a:solidFill>
+            <a:schemeClr val="accent6">
+              <a:shade val="80000"/>
+              <a:hueOff val="0"/>
+              <a:satOff val="0"/>
+              <a:lumOff val="0"/>
+              <a:alphaOff val="0"/>
+            </a:schemeClr>
+          </a:solidFill>
+          <a:prstDash val="solid"/>
+        </a:ln>
+        <a:effectLst/>
+      </dsp:spPr>
+      <dsp:style>
+        <a:lnRef idx="2">
+          <a:scrgbClr r="0" g="0" b="0"/>
+        </a:lnRef>
+        <a:fillRef idx="1">
+          <a:scrgbClr r="0" g="0" b="0"/>
+        </a:fillRef>
+        <a:effectRef idx="0">
+          <a:scrgbClr r="0" g="0" b="0"/>
+        </a:effectRef>
+        <a:fontRef idx="minor">
+          <a:schemeClr val="lt1"/>
+        </a:fontRef>
+      </dsp:style>
+      <dsp:txBody>
+        <a:bodyPr spcFirstLastPara="0" vert="horz" wrap="square" lIns="22860" tIns="22860" rIns="22860" bIns="22860" numCol="1" spcCol="1270" anchor="ctr" anchorCtr="0">
+          <a:noAutofit/>
+        </a:bodyPr>
+        <a:lstStyle/>
+        <a:p>
+          <a:pPr lvl="0" algn="ctr" defTabSz="800100">
+            <a:lnSpc>
+              <a:spcPct val="90000"/>
+            </a:lnSpc>
+            <a:spcBef>
+              <a:spcPct val="0"/>
+            </a:spcBef>
+            <a:spcAft>
+              <a:spcPct val="35000"/>
+            </a:spcAft>
+          </a:pPr>
+          <a:r>
+            <a:rPr lang="en-US" sz="1800" b="0" kern="1200" dirty="0" smtClean="0"/>
+            <a:t>Implement</a:t>
+          </a:r>
+          <a:endParaRPr lang="ru-RU" sz="1800" b="0" kern="1200" dirty="0"/>
+        </a:p>
+      </dsp:txBody>
+      <dsp:txXfrm>
+        <a:off x="2902658" y="3558300"/>
+        <a:ext cx="1107451" cy="1107451"/>
+      </dsp:txXfrm>
+    </dsp:sp>
+    <dsp:sp modelId="{C53B6C48-0F28-4C30-8317-F4779C05F5E1}">
+      <dsp:nvSpPr>
+        <dsp:cNvPr id="0" name=""/>
+        <dsp:cNvSpPr/>
+      </dsp:nvSpPr>
+      <dsp:spPr>
+        <a:xfrm rot="13500000">
+          <a:off x="2424367" y="3024202"/>
+          <a:ext cx="416967" cy="528583"/>
+        </a:xfrm>
+        <a:prstGeom prst="rightArrow">
+          <a:avLst>
+            <a:gd name="adj1" fmla="val 60000"/>
+            <a:gd name="adj2" fmla="val 50000"/>
+          </a:avLst>
+        </a:prstGeom>
+        <a:solidFill>
+          <a:schemeClr val="accent6">
+            <a:tint val="60000"/>
+            <a:hueOff val="0"/>
+            <a:satOff val="0"/>
+            <a:lumOff val="0"/>
+            <a:alphaOff val="0"/>
+          </a:schemeClr>
+        </a:solidFill>
+        <a:ln>
+          <a:noFill/>
+        </a:ln>
+        <a:effectLst/>
+      </dsp:spPr>
+      <dsp:style>
+        <a:lnRef idx="0">
+          <a:scrgbClr r="0" g="0" b="0"/>
+        </a:lnRef>
+        <a:fillRef idx="1">
+          <a:scrgbClr r="0" g="0" b="0"/>
+        </a:fillRef>
+        <a:effectRef idx="0">
+          <a:scrgbClr r="0" g="0" b="0"/>
+        </a:effectRef>
+        <a:fontRef idx="minor">
+          <a:schemeClr val="lt1"/>
+        </a:fontRef>
+      </dsp:style>
+      <dsp:txBody>
+        <a:bodyPr spcFirstLastPara="0" vert="horz" wrap="square" lIns="0" tIns="0" rIns="0" bIns="0" numCol="1" spcCol="1270" anchor="ctr" anchorCtr="0">
+          <a:noAutofit/>
+        </a:bodyPr>
+        <a:lstStyle/>
+        <a:p>
+          <a:pPr lvl="0" algn="ctr" defTabSz="622300">
+            <a:lnSpc>
+              <a:spcPct val="90000"/>
+            </a:lnSpc>
+            <a:spcBef>
+              <a:spcPct val="0"/>
+            </a:spcBef>
+            <a:spcAft>
+              <a:spcPct val="35000"/>
+            </a:spcAft>
+          </a:pPr>
+          <a:endParaRPr lang="ru-RU" sz="1400" kern="1200"/>
+        </a:p>
+      </dsp:txBody>
+      <dsp:txXfrm rot="10800000">
+        <a:off x="2531138" y="3174145"/>
+        <a:ext cx="291877" cy="317149"/>
+      </dsp:txXfrm>
+    </dsp:sp>
+    <dsp:sp modelId="{11B4CBC4-AE1C-4904-826E-3BD4011B5EF6}">
+      <dsp:nvSpPr>
+        <dsp:cNvPr id="0" name=""/>
+        <dsp:cNvSpPr/>
+      </dsp:nvSpPr>
+      <dsp:spPr>
+        <a:xfrm>
+          <a:off x="1009542" y="1665185"/>
+          <a:ext cx="1566173" cy="1566173"/>
+        </a:xfrm>
+        <a:prstGeom prst="ellipse">
+          <a:avLst/>
+        </a:prstGeom>
+        <a:solidFill>
+          <a:schemeClr val="accent3"/>
+        </a:solidFill>
+        <a:ln w="25400" cap="flat" cmpd="sng" algn="ctr">
+          <a:solidFill>
+            <a:schemeClr val="accent3">
+              <a:shade val="50000"/>
+            </a:schemeClr>
+          </a:solidFill>
+          <a:prstDash val="solid"/>
+        </a:ln>
+        <a:effectLst/>
+      </dsp:spPr>
+      <dsp:style>
+        <a:lnRef idx="2">
+          <a:schemeClr val="accent3">
+            <a:shade val="50000"/>
+          </a:schemeClr>
+        </a:lnRef>
+        <a:fillRef idx="1">
+          <a:schemeClr val="accent3"/>
+        </a:fillRef>
+        <a:effectRef idx="0">
+          <a:schemeClr val="accent3"/>
+        </a:effectRef>
+        <a:fontRef idx="minor">
+          <a:schemeClr val="lt1"/>
+        </a:fontRef>
+      </dsp:style>
+      <dsp:txBody>
+        <a:bodyPr spcFirstLastPara="0" vert="horz" wrap="square" lIns="22860" tIns="22860" rIns="22860" bIns="22860" numCol="1" spcCol="1270" anchor="ctr" anchorCtr="0">
+          <a:noAutofit/>
+        </a:bodyPr>
+        <a:lstStyle/>
+        <a:p>
+          <a:pPr lvl="0" algn="ctr" defTabSz="800100">
+            <a:lnSpc>
+              <a:spcPct val="90000"/>
+            </a:lnSpc>
+            <a:spcBef>
+              <a:spcPct val="0"/>
+            </a:spcBef>
+            <a:spcAft>
+              <a:spcPct val="35000"/>
+            </a:spcAft>
+          </a:pPr>
+          <a:r>
+            <a:rPr lang="en-US" sz="1800" b="0" kern="1200" dirty="0" smtClean="0"/>
+            <a:t>Test</a:t>
+          </a:r>
+          <a:endParaRPr lang="ru-RU" sz="1800" b="0" kern="1200" dirty="0"/>
+        </a:p>
+      </dsp:txBody>
+      <dsp:txXfrm>
+        <a:off x="1238903" y="1894546"/>
+        <a:ext cx="1107451" cy="1107451"/>
+      </dsp:txXfrm>
+    </dsp:sp>
+    <dsp:sp modelId="{78BA696A-C46C-41C3-8979-C51CF44A04E2}">
+      <dsp:nvSpPr>
+        <dsp:cNvPr id="0" name=""/>
+        <dsp:cNvSpPr/>
+      </dsp:nvSpPr>
+      <dsp:spPr>
+        <a:xfrm rot="18900000">
+          <a:off x="2407678" y="1360447"/>
+          <a:ext cx="416967" cy="528583"/>
+        </a:xfrm>
+        <a:prstGeom prst="rightArrow">
+          <a:avLst>
+            <a:gd name="adj1" fmla="val 60000"/>
+            <a:gd name="adj2" fmla="val 50000"/>
+          </a:avLst>
+        </a:prstGeom>
+        <a:solidFill>
+          <a:schemeClr val="accent6">
+            <a:tint val="60000"/>
+            <a:hueOff val="0"/>
+            <a:satOff val="0"/>
+            <a:lumOff val="0"/>
+            <a:alphaOff val="0"/>
+          </a:schemeClr>
+        </a:solidFill>
+        <a:ln>
+          <a:noFill/>
+        </a:ln>
+        <a:effectLst/>
+      </dsp:spPr>
+      <dsp:style>
+        <a:lnRef idx="0">
+          <a:scrgbClr r="0" g="0" b="0"/>
+        </a:lnRef>
+        <a:fillRef idx="1">
+          <a:scrgbClr r="0" g="0" b="0"/>
+        </a:fillRef>
+        <a:effectRef idx="0">
+          <a:scrgbClr r="0" g="0" b="0"/>
+        </a:effectRef>
+        <a:fontRef idx="minor">
+          <a:schemeClr val="lt1"/>
+        </a:fontRef>
+      </dsp:style>
+      <dsp:txBody>
+        <a:bodyPr spcFirstLastPara="0" vert="horz" wrap="square" lIns="0" tIns="0" rIns="0" bIns="0" numCol="1" spcCol="1270" anchor="ctr" anchorCtr="0">
+          <a:noAutofit/>
+        </a:bodyPr>
+        <a:lstStyle/>
+        <a:p>
+          <a:pPr lvl="0" algn="ctr" defTabSz="622300">
+            <a:lnSpc>
+              <a:spcPct val="90000"/>
+            </a:lnSpc>
+            <a:spcBef>
+              <a:spcPct val="0"/>
+            </a:spcBef>
+            <a:spcAft>
+              <a:spcPct val="35000"/>
+            </a:spcAft>
+          </a:pPr>
+          <a:endParaRPr lang="ru-RU" sz="1400" kern="1200"/>
+        </a:p>
+      </dsp:txBody>
+      <dsp:txXfrm>
+        <a:off x="2425997" y="1510390"/>
+        <a:ext cx="291877" cy="317149"/>
+      </dsp:txXfrm>
+    </dsp:sp>
   </dsp:spTree>
 </dsp:drawing>
 </file>
@@ -9784,7 +10514,7 @@
         <p:spPr>
           <a:xfrm>
             <a:off x="3575188" y="3244334"/>
-            <a:ext cx="3546292" cy="1200329"/>
+            <a:ext cx="4409412" cy="1477328"/>
           </a:xfrm>
           <a:prstGeom prst="rect">
             <a:avLst/>
@@ -9837,11 +10567,22 @@
               </a:rPr>
               <a:t>bit.ly/k-tests-res</a:t>
             </a:r>
-            <a:endParaRPr lang="ru-RU" smtClean="0"/>
-          </a:p>
-          <a:p>
-            <a:r>
-              <a:rPr lang="ru-RU" smtClean="0"/>
+            <a:endParaRPr lang="en-US" dirty="0" smtClean="0"/>
+          </a:p>
+          <a:p>
+            <a:endParaRPr lang="en-US" dirty="0" smtClean="0">
+              <a:hlinkClick r:id="rId5"/>
+            </a:endParaRPr>
+          </a:p>
+          <a:p>
+            <a:r>
+              <a:rPr lang="en-US" dirty="0" smtClean="0">
+                <a:hlinkClick r:id="rId5"/>
+              </a:rPr>
+              <a:t>https://github.com/xoposhiy/testing-course</a:t>
+            </a:r>
+            <a:r>
+              <a:rPr lang="en-US" dirty="0" smtClean="0"/>
               <a:t> </a:t>
             </a:r>
             <a:endParaRPr lang="ru-RU" dirty="0" smtClean="0"/>
@@ -9982,46 +10723,25 @@
         </p:nvSpPr>
         <p:spPr/>
         <p:txBody>
-          <a:bodyPr>
-            <a:normAutofit fontScale="90000"/>
-          </a:bodyPr>
+          <a:bodyPr/>
           <a:lstStyle/>
           <a:p>
             <a:r>
               <a:rPr lang="ru-RU" dirty="0" smtClean="0"/>
-              <a:t>Проблемы</a:t>
-            </a:r>
-            <a:r>
-              <a:rPr lang="en-US" dirty="0" smtClean="0"/>
-              <a:t> </a:t>
-            </a:r>
-            <a:r>
-              <a:rPr lang="ru-RU" dirty="0" smtClean="0"/>
-              <a:t/>
-            </a:r>
-            <a:br>
-              <a:rPr lang="ru-RU" dirty="0" smtClean="0"/>
-            </a:br>
-            <a:r>
-              <a:rPr lang="en-US" sz="3100" dirty="0" smtClean="0"/>
-              <a:t>(</a:t>
-            </a:r>
-            <a:r>
-              <a:rPr lang="ru-RU" sz="3100" dirty="0" smtClean="0"/>
-              <a:t>результат анкеты)</a:t>
-            </a:r>
-            <a:endParaRPr lang="ru-RU" sz="3100" dirty="0"/>
+              <a:t>Проблемы тестов</a:t>
+            </a:r>
+            <a:endParaRPr lang="ru-RU" dirty="0"/>
           </a:p>
         </p:txBody>
       </p:sp>
       <p:sp>
         <p:nvSpPr>
-          <p:cNvPr id="3" name="Объект 2"/>
+          <p:cNvPr id="3" name="Текст 2"/>
           <p:cNvSpPr>
             <a:spLocks noGrp="1"/>
           </p:cNvSpPr>
           <p:nvPr>
-            <p:ph idx="1"/>
+            <p:ph type="body" idx="1"/>
           </p:nvPr>
         </p:nvSpPr>
         <p:spPr/>
@@ -10029,54 +10749,14 @@
           <a:bodyPr/>
           <a:lstStyle/>
           <a:p>
-            <a:pPr marL="514350" indent="-514350">
-              <a:buFont typeface="+mj-lt"/>
-              <a:buAutoNum type="arabicPeriod"/>
-            </a:pPr>
-            <a:r>
-              <a:rPr lang="ru-RU" dirty="0" smtClean="0"/>
-              <a:t>Код трудно тестируется</a:t>
-            </a:r>
-          </a:p>
-          <a:p>
-            <a:pPr marL="514350" indent="-514350">
-              <a:buFont typeface="+mj-lt"/>
-              <a:buAutoNum type="arabicPeriod"/>
-            </a:pPr>
-            <a:r>
-              <a:rPr lang="ru-RU" dirty="0" smtClean="0"/>
-              <a:t>Не вспоминаю про тесты в нужный момент</a:t>
-            </a:r>
-          </a:p>
-          <a:p>
-            <a:pPr marL="514350" indent="-514350">
-              <a:buFont typeface="+mj-lt"/>
-              <a:buAutoNum type="arabicPeriod"/>
-            </a:pPr>
-            <a:r>
-              <a:rPr lang="ru-RU" dirty="0" smtClean="0"/>
-              <a:t>Сложно поддерживать</a:t>
-            </a:r>
-          </a:p>
-          <a:p>
-            <a:pPr marL="514350" indent="-514350">
-              <a:buFont typeface="+mj-lt"/>
-              <a:buAutoNum type="arabicPeriod"/>
-            </a:pPr>
-            <a:r>
-              <a:rPr lang="ru-RU" dirty="0" smtClean="0"/>
-              <a:t>Трудно читать</a:t>
-            </a:r>
-          </a:p>
-          <a:p>
-            <a:endParaRPr lang="ru-RU" dirty="0"/>
+            <a:endParaRPr lang="ru-RU"/>
           </a:p>
         </p:txBody>
       </p:sp>
     </p:spTree>
     <p:extLst>
       <p:ext uri="{BB962C8B-B14F-4D97-AF65-F5344CB8AC3E}">
-        <p14:creationId xmlns:p14="http://schemas.microsoft.com/office/powerpoint/2010/main" val="3066498211"/>
+        <p14:creationId xmlns:p14="http://schemas.microsoft.com/office/powerpoint/2010/main" val="768694749"/>
       </p:ext>
     </p:extLst>
   </p:cSld>
@@ -11665,7 +12345,7 @@
         </p:blipFill>
         <p:spPr bwMode="auto">
           <a:xfrm>
-            <a:off x="-1130458" y="-5308"/>
+            <a:off x="-1130458" y="-27384"/>
             <a:ext cx="10282410" cy="6863308"/>
           </a:xfrm>
           <a:prstGeom prst="rect">
@@ -11732,6 +12412,100 @@
               <a:rPr lang="ru-RU" sz="2800" dirty="0" smtClean="0"/>
               <a:t>Чего ждешь от тренинга?</a:t>
             </a:r>
+          </a:p>
+        </p:txBody>
+      </p:sp>
+      <p:sp>
+        <p:nvSpPr>
+          <p:cNvPr id="4" name="Прямоугольник 3"/>
+          <p:cNvSpPr/>
+          <p:nvPr/>
+        </p:nvSpPr>
+        <p:spPr>
+          <a:xfrm>
+            <a:off x="3575188" y="3244334"/>
+            <a:ext cx="4409412" cy="1477328"/>
+          </a:xfrm>
+          <a:prstGeom prst="rect">
+            <a:avLst/>
+          </a:prstGeom>
+          <a:solidFill>
+            <a:schemeClr val="bg1"/>
+          </a:solidFill>
+        </p:spPr>
+        <p:txBody>
+          <a:bodyPr wrap="none">
+            <a:spAutoFit/>
+          </a:bodyPr>
+          <a:lstStyle/>
+          <a:p>
+            <a:r>
+              <a:rPr lang="ru-RU" dirty="0" smtClean="0"/>
+              <a:t>Опрос: </a:t>
+            </a:r>
+            <a:r>
+              <a:rPr lang="ru-RU" dirty="0" smtClean="0">
+                <a:hlinkClick r:id="rId3"/>
+              </a:rPr>
+              <a:t>http</a:t>
+            </a:r>
+            <a:r>
+              <a:rPr lang="ru-RU" dirty="0">
+                <a:hlinkClick r:id="rId3"/>
+              </a:rPr>
+              <a:t>://</a:t>
+            </a:r>
+            <a:r>
+              <a:rPr lang="ru-RU" dirty="0" smtClean="0">
+                <a:hlinkClick r:id="rId3"/>
+              </a:rPr>
+              <a:t>bit.ly/k-tests</a:t>
+            </a:r>
+            <a:endParaRPr lang="ru-RU" dirty="0" smtClean="0"/>
+          </a:p>
+          <a:p>
+            <a:r>
+              <a:rPr lang="ru-RU" dirty="0" smtClean="0"/>
+              <a:t>Результаты: </a:t>
+            </a:r>
+            <a:r>
+              <a:rPr lang="en-US" dirty="0">
+                <a:hlinkClick r:id="rId4"/>
+              </a:rPr>
+              <a:t>http://</a:t>
+            </a:r>
+            <a:r>
+              <a:rPr lang="en-US" dirty="0" smtClean="0">
+                <a:hlinkClick r:id="rId4"/>
+              </a:rPr>
+              <a:t>bit.ly/k-tests-res</a:t>
+            </a:r>
+            <a:endParaRPr lang="en-US" dirty="0" smtClean="0"/>
+          </a:p>
+          <a:p>
+            <a:endParaRPr lang="en-US" dirty="0" smtClean="0">
+              <a:hlinkClick r:id="rId5"/>
+            </a:endParaRPr>
+          </a:p>
+          <a:p>
+            <a:r>
+              <a:rPr lang="en-US" dirty="0" smtClean="0">
+                <a:hlinkClick r:id="rId5"/>
+              </a:rPr>
+              <a:t>https://github.com/xoposhiy/testing-course</a:t>
+            </a:r>
+            <a:r>
+              <a:rPr lang="en-US" dirty="0" smtClean="0"/>
+              <a:t> </a:t>
+            </a:r>
+            <a:endParaRPr lang="ru-RU" dirty="0" smtClean="0"/>
+          </a:p>
+          <a:p>
+            <a:r>
+              <a:rPr lang="en-US" dirty="0" smtClean="0"/>
+              <a:t> </a:t>
+            </a:r>
+            <a:endParaRPr lang="ru-RU" dirty="0"/>
           </a:p>
         </p:txBody>
       </p:sp>
@@ -16374,6 +17148,13 @@
   <p:clrMapOvr>
     <a:masterClrMapping/>
   </p:clrMapOvr>
+  <p:timing>
+    <p:tnLst>
+      <p:par>
+        <p:cTn id="1" dur="indefinite" restart="never" nodeType="tmRoot"/>
+      </p:par>
+    </p:tnLst>
+  </p:timing>
 </p:sld>
 </file>
 
@@ -16528,7 +17309,7 @@
           <a:graphicData uri="http://schemas.openxmlformats.org/presentationml/2006/ole">
             <mc:AlternateContent xmlns:mc="http://schemas.openxmlformats.org/markup-compatibility/2006">
               <mc:Choice xmlns:v="urn:schemas-microsoft-com:vml" Requires="v">
-                <p:oleObj spid="_x0000_s1044" name="VISIO" r:id="rId4" imgW="2544803" imgH="251238" progId="Visio.Drawing.5">
+                <p:oleObj spid="_x0000_s1047" name="VISIO" r:id="rId4" imgW="2544803" imgH="251238" progId="Visio.Drawing.5">
                   <p:embed/>
                 </p:oleObj>
               </mc:Choice>
@@ -17257,6 +18038,13 @@
   <p:clrMapOvr>
     <a:masterClrMapping/>
   </p:clrMapOvr>
+  <p:timing>
+    <p:tnLst>
+      <p:par>
+        <p:cTn id="1" dur="indefinite" restart="never" nodeType="tmRoot"/>
+      </p:par>
+    </p:tnLst>
+  </p:timing>
 </p:sld>
 </file>
 
@@ -17976,12 +18764,16 @@
               <a:t>В проекте </a:t>
             </a:r>
             <a:r>
-              <a:rPr lang="en-US" b="1" dirty="0" err="1" smtClean="0"/>
-              <a:t>Kontur.Courses.Testing</a:t>
+              <a:rPr lang="en-US" b="1" dirty="0" smtClean="0"/>
+              <a:t>Challenge </a:t>
             </a:r>
             <a:r>
               <a:rPr lang="ru-RU" dirty="0" smtClean="0"/>
-              <a:t> в файле </a:t>
+              <a:t>в </a:t>
+            </a:r>
+            <a:r>
+              <a:rPr lang="ru-RU" dirty="0" smtClean="0"/>
+              <a:t>файле </a:t>
             </a:r>
             <a:r>
               <a:rPr lang="en-US" dirty="0" err="1" smtClean="0"/>

--- a/day1.pptx
+++ b/day1.pptx
@@ -2318,162 +2318,6 @@
       <dsp:cNvGrpSpPr/>
     </dsp:nvGrpSpPr>
     <dsp:grpSpPr/>
-    <dsp:sp modelId="{21D6B4D5-DD70-43F5-A4EC-DDD359DDF04C}">
-      <dsp:nvSpPr>
-        <dsp:cNvPr id="0" name=""/>
-        <dsp:cNvSpPr/>
-      </dsp:nvSpPr>
-      <dsp:spPr>
-        <a:xfrm>
-          <a:off x="242023" y="24621"/>
-          <a:ext cx="4501341" cy="4501341"/>
-        </a:xfrm>
-        <a:prstGeom prst="ellipse">
-          <a:avLst/>
-        </a:prstGeom>
-        <a:solidFill>
-          <a:schemeClr val="accent1">
-            <a:alpha val="50000"/>
-            <a:hueOff val="0"/>
-            <a:satOff val="0"/>
-            <a:lumOff val="0"/>
-            <a:alphaOff val="0"/>
-          </a:schemeClr>
-        </a:solidFill>
-        <a:ln w="25400" cap="flat" cmpd="sng" algn="ctr">
-          <a:solidFill>
-            <a:schemeClr val="lt1">
-              <a:hueOff val="0"/>
-              <a:satOff val="0"/>
-              <a:lumOff val="0"/>
-              <a:alphaOff val="0"/>
-            </a:schemeClr>
-          </a:solidFill>
-          <a:prstDash val="solid"/>
-        </a:ln>
-        <a:effectLst/>
-      </dsp:spPr>
-      <dsp:style>
-        <a:lnRef idx="2">
-          <a:scrgbClr r="0" g="0" b="0"/>
-        </a:lnRef>
-        <a:fillRef idx="1">
-          <a:scrgbClr r="0" g="0" b="0"/>
-        </a:fillRef>
-        <a:effectRef idx="0">
-          <a:scrgbClr r="0" g="0" b="0"/>
-        </a:effectRef>
-        <a:fontRef idx="minor">
-          <a:schemeClr val="tx1"/>
-        </a:fontRef>
-      </dsp:style>
-      <dsp:txBody>
-        <a:bodyPr spcFirstLastPara="0" vert="horz" wrap="square" lIns="0" tIns="0" rIns="0" bIns="0" numCol="1" spcCol="1270" anchor="ctr" anchorCtr="0">
-          <a:noAutofit/>
-        </a:bodyPr>
-        <a:lstStyle/>
-        <a:p>
-          <a:pPr lvl="0" algn="ctr" defTabSz="2889250">
-            <a:lnSpc>
-              <a:spcPct val="90000"/>
-            </a:lnSpc>
-            <a:spcBef>
-              <a:spcPct val="0"/>
-            </a:spcBef>
-            <a:spcAft>
-              <a:spcPct val="35000"/>
-            </a:spcAft>
-          </a:pPr>
-          <a:r>
-            <a:rPr lang="en-US" sz="6500" kern="1200" dirty="0" smtClean="0"/>
-            <a:t>DRY</a:t>
-          </a:r>
-          <a:endParaRPr lang="ru-RU" sz="6500" kern="1200" dirty="0"/>
-        </a:p>
-      </dsp:txBody>
-      <dsp:txXfrm>
-        <a:off x="870589" y="555426"/>
-        <a:ext cx="2595368" cy="3439731"/>
-      </dsp:txXfrm>
-    </dsp:sp>
-    <dsp:sp modelId="{A6AD5533-970C-405D-8CD0-3401F473AD79}">
-      <dsp:nvSpPr>
-        <dsp:cNvPr id="0" name=""/>
-        <dsp:cNvSpPr/>
-      </dsp:nvSpPr>
-      <dsp:spPr>
-        <a:xfrm>
-          <a:off x="3486234" y="12310"/>
-          <a:ext cx="4501341" cy="4501341"/>
-        </a:xfrm>
-        <a:prstGeom prst="ellipse">
-          <a:avLst/>
-        </a:prstGeom>
-        <a:solidFill>
-          <a:schemeClr val="accent1">
-            <a:alpha val="50000"/>
-            <a:hueOff val="0"/>
-            <a:satOff val="0"/>
-            <a:lumOff val="0"/>
-            <a:alphaOff val="0"/>
-          </a:schemeClr>
-        </a:solidFill>
-        <a:ln w="25400" cap="flat" cmpd="sng" algn="ctr">
-          <a:solidFill>
-            <a:schemeClr val="lt1">
-              <a:hueOff val="0"/>
-              <a:satOff val="0"/>
-              <a:lumOff val="0"/>
-              <a:alphaOff val="0"/>
-            </a:schemeClr>
-          </a:solidFill>
-          <a:prstDash val="solid"/>
-        </a:ln>
-        <a:effectLst/>
-      </dsp:spPr>
-      <dsp:style>
-        <a:lnRef idx="2">
-          <a:scrgbClr r="0" g="0" b="0"/>
-        </a:lnRef>
-        <a:fillRef idx="1">
-          <a:scrgbClr r="0" g="0" b="0"/>
-        </a:fillRef>
-        <a:effectRef idx="0">
-          <a:scrgbClr r="0" g="0" b="0"/>
-        </a:effectRef>
-        <a:fontRef idx="minor">
-          <a:schemeClr val="tx1"/>
-        </a:fontRef>
-      </dsp:style>
-      <dsp:txBody>
-        <a:bodyPr spcFirstLastPara="0" vert="horz" wrap="square" lIns="0" tIns="0" rIns="0" bIns="0" numCol="1" spcCol="1270" anchor="ctr" anchorCtr="0">
-          <a:noAutofit/>
-        </a:bodyPr>
-        <a:lstStyle/>
-        <a:p>
-          <a:pPr lvl="0" algn="ctr" defTabSz="2889250">
-            <a:lnSpc>
-              <a:spcPct val="90000"/>
-            </a:lnSpc>
-            <a:spcBef>
-              <a:spcPct val="0"/>
-            </a:spcBef>
-            <a:spcAft>
-              <a:spcPct val="35000"/>
-            </a:spcAft>
-          </a:pPr>
-          <a:r>
-            <a:rPr lang="en-US" sz="6500" kern="1200" dirty="0" smtClean="0"/>
-            <a:t>DAMP</a:t>
-          </a:r>
-          <a:endParaRPr lang="ru-RU" sz="6500" kern="1200" dirty="0"/>
-        </a:p>
-      </dsp:txBody>
-      <dsp:txXfrm>
-        <a:off x="4763642" y="543115"/>
-        <a:ext cx="2595368" cy="3439731"/>
-      </dsp:txXfrm>
-    </dsp:sp>
   </dsp:spTree>
 </dsp:drawing>
 </file>
@@ -2486,580 +2330,6 @@
       <dsp:cNvGrpSpPr/>
     </dsp:nvGrpSpPr>
     <dsp:grpSpPr/>
-    <dsp:sp modelId="{6CFAF0B4-C71D-4C93-B29D-0F3ACEB46DAC}">
-      <dsp:nvSpPr>
-        <dsp:cNvPr id="0" name=""/>
-        <dsp:cNvSpPr/>
-      </dsp:nvSpPr>
-      <dsp:spPr>
-        <a:xfrm>
-          <a:off x="2673296" y="1430"/>
-          <a:ext cx="1566173" cy="1566173"/>
-        </a:xfrm>
-        <a:prstGeom prst="ellipse">
-          <a:avLst/>
-        </a:prstGeom>
-        <a:solidFill>
-          <a:schemeClr val="lt1">
-            <a:hueOff val="0"/>
-            <a:satOff val="0"/>
-            <a:lumOff val="0"/>
-            <a:alphaOff val="0"/>
-          </a:schemeClr>
-        </a:solidFill>
-        <a:ln w="25400" cap="flat" cmpd="sng" algn="ctr">
-          <a:solidFill>
-            <a:schemeClr val="accent6">
-              <a:shade val="80000"/>
-              <a:hueOff val="0"/>
-              <a:satOff val="0"/>
-              <a:lumOff val="0"/>
-              <a:alphaOff val="0"/>
-            </a:schemeClr>
-          </a:solidFill>
-          <a:prstDash val="solid"/>
-        </a:ln>
-        <a:effectLst/>
-      </dsp:spPr>
-      <dsp:style>
-        <a:lnRef idx="2">
-          <a:scrgbClr r="0" g="0" b="0"/>
-        </a:lnRef>
-        <a:fillRef idx="1">
-          <a:scrgbClr r="0" g="0" b="0"/>
-        </a:fillRef>
-        <a:effectRef idx="0">
-          <a:scrgbClr r="0" g="0" b="0"/>
-        </a:effectRef>
-        <a:fontRef idx="minor">
-          <a:schemeClr val="lt1"/>
-        </a:fontRef>
-      </dsp:style>
-      <dsp:txBody>
-        <a:bodyPr spcFirstLastPara="0" vert="horz" wrap="square" lIns="22860" tIns="22860" rIns="22860" bIns="22860" numCol="1" spcCol="1270" anchor="ctr" anchorCtr="0">
-          <a:noAutofit/>
-        </a:bodyPr>
-        <a:lstStyle/>
-        <a:p>
-          <a:pPr lvl="0" algn="ctr" defTabSz="800100">
-            <a:lnSpc>
-              <a:spcPct val="90000"/>
-            </a:lnSpc>
-            <a:spcBef>
-              <a:spcPct val="0"/>
-            </a:spcBef>
-            <a:spcAft>
-              <a:spcPct val="35000"/>
-            </a:spcAft>
-          </a:pPr>
-          <a:r>
-            <a:rPr lang="en-US" sz="1800" b="0" kern="1200" dirty="0" smtClean="0"/>
-            <a:t>Design</a:t>
-          </a:r>
-          <a:endParaRPr lang="ru-RU" sz="1800" b="0" kern="1200" dirty="0"/>
-        </a:p>
-      </dsp:txBody>
-      <dsp:txXfrm>
-        <a:off x="2902657" y="230791"/>
-        <a:ext cx="1107451" cy="1107451"/>
-      </dsp:txXfrm>
-    </dsp:sp>
-    <dsp:sp modelId="{6D3E105C-5DA2-4D30-8D94-9DF04996ED43}">
-      <dsp:nvSpPr>
-        <dsp:cNvPr id="0" name=""/>
-        <dsp:cNvSpPr/>
-      </dsp:nvSpPr>
-      <dsp:spPr>
-        <a:xfrm rot="2700000">
-          <a:off x="4071433" y="1343758"/>
-          <a:ext cx="416967" cy="528583"/>
-        </a:xfrm>
-        <a:prstGeom prst="rightArrow">
-          <a:avLst>
-            <a:gd name="adj1" fmla="val 60000"/>
-            <a:gd name="adj2" fmla="val 50000"/>
-          </a:avLst>
-        </a:prstGeom>
-        <a:solidFill>
-          <a:schemeClr val="accent6">
-            <a:tint val="60000"/>
-            <a:hueOff val="0"/>
-            <a:satOff val="0"/>
-            <a:lumOff val="0"/>
-            <a:alphaOff val="0"/>
-          </a:schemeClr>
-        </a:solidFill>
-        <a:ln>
-          <a:noFill/>
-        </a:ln>
-        <a:effectLst/>
-      </dsp:spPr>
-      <dsp:style>
-        <a:lnRef idx="0">
-          <a:scrgbClr r="0" g="0" b="0"/>
-        </a:lnRef>
-        <a:fillRef idx="1">
-          <a:scrgbClr r="0" g="0" b="0"/>
-        </a:fillRef>
-        <a:effectRef idx="0">
-          <a:scrgbClr r="0" g="0" b="0"/>
-        </a:effectRef>
-        <a:fontRef idx="minor">
-          <a:schemeClr val="lt1"/>
-        </a:fontRef>
-      </dsp:style>
-      <dsp:txBody>
-        <a:bodyPr spcFirstLastPara="0" vert="horz" wrap="square" lIns="0" tIns="0" rIns="0" bIns="0" numCol="1" spcCol="1270" anchor="ctr" anchorCtr="0">
-          <a:noAutofit/>
-        </a:bodyPr>
-        <a:lstStyle/>
-        <a:p>
-          <a:pPr lvl="0" algn="ctr" defTabSz="622300">
-            <a:lnSpc>
-              <a:spcPct val="90000"/>
-            </a:lnSpc>
-            <a:spcBef>
-              <a:spcPct val="0"/>
-            </a:spcBef>
-            <a:spcAft>
-              <a:spcPct val="35000"/>
-            </a:spcAft>
-          </a:pPr>
-          <a:endParaRPr lang="ru-RU" sz="1400" kern="1200"/>
-        </a:p>
-      </dsp:txBody>
-      <dsp:txXfrm>
-        <a:off x="4089752" y="1405249"/>
-        <a:ext cx="291877" cy="317149"/>
-      </dsp:txXfrm>
-    </dsp:sp>
-    <dsp:sp modelId="{2DF0FCB7-52AA-4542-9718-42FC9EEBFEA0}">
-      <dsp:nvSpPr>
-        <dsp:cNvPr id="0" name=""/>
-        <dsp:cNvSpPr/>
-      </dsp:nvSpPr>
-      <dsp:spPr>
-        <a:xfrm>
-          <a:off x="4337051" y="1665184"/>
-          <a:ext cx="1566173" cy="1566173"/>
-        </a:xfrm>
-        <a:prstGeom prst="ellipse">
-          <a:avLst/>
-        </a:prstGeom>
-        <a:solidFill>
-          <a:schemeClr val="accent2"/>
-        </a:solidFill>
-        <a:ln w="25400" cap="flat" cmpd="sng" algn="ctr">
-          <a:solidFill>
-            <a:schemeClr val="accent2">
-              <a:shade val="50000"/>
-            </a:schemeClr>
-          </a:solidFill>
-          <a:prstDash val="solid"/>
-        </a:ln>
-        <a:effectLst/>
-      </dsp:spPr>
-      <dsp:style>
-        <a:lnRef idx="2">
-          <a:schemeClr val="accent2">
-            <a:shade val="50000"/>
-          </a:schemeClr>
-        </a:lnRef>
-        <a:fillRef idx="1">
-          <a:schemeClr val="accent2"/>
-        </a:fillRef>
-        <a:effectRef idx="0">
-          <a:schemeClr val="accent2"/>
-        </a:effectRef>
-        <a:fontRef idx="minor">
-          <a:schemeClr val="lt1"/>
-        </a:fontRef>
-      </dsp:style>
-      <dsp:txBody>
-        <a:bodyPr spcFirstLastPara="0" vert="horz" wrap="square" lIns="22860" tIns="22860" rIns="22860" bIns="22860" numCol="1" spcCol="1270" anchor="ctr" anchorCtr="0">
-          <a:noAutofit/>
-        </a:bodyPr>
-        <a:lstStyle/>
-        <a:p>
-          <a:pPr lvl="0" algn="ctr" defTabSz="800100">
-            <a:lnSpc>
-              <a:spcPct val="90000"/>
-            </a:lnSpc>
-            <a:spcBef>
-              <a:spcPct val="0"/>
-            </a:spcBef>
-            <a:spcAft>
-              <a:spcPct val="35000"/>
-            </a:spcAft>
-          </a:pPr>
-          <a:r>
-            <a:rPr lang="en-US" sz="1800" b="0" kern="1200" dirty="0" smtClean="0"/>
-            <a:t>Test</a:t>
-          </a:r>
-          <a:endParaRPr lang="ru-RU" sz="1800" b="0" kern="1200" dirty="0"/>
-        </a:p>
-      </dsp:txBody>
-      <dsp:txXfrm>
-        <a:off x="4566412" y="1894545"/>
-        <a:ext cx="1107451" cy="1107451"/>
-      </dsp:txXfrm>
-    </dsp:sp>
-    <dsp:sp modelId="{7815476A-849A-446F-8EB7-4348A1D65EFF}">
-      <dsp:nvSpPr>
-        <dsp:cNvPr id="0" name=""/>
-        <dsp:cNvSpPr/>
-      </dsp:nvSpPr>
-      <dsp:spPr>
-        <a:xfrm rot="8100000">
-          <a:off x="4088122" y="3007513"/>
-          <a:ext cx="416967" cy="528583"/>
-        </a:xfrm>
-        <a:prstGeom prst="rightArrow">
-          <a:avLst>
-            <a:gd name="adj1" fmla="val 60000"/>
-            <a:gd name="adj2" fmla="val 50000"/>
-          </a:avLst>
-        </a:prstGeom>
-        <a:solidFill>
-          <a:schemeClr val="accent6">
-            <a:tint val="60000"/>
-            <a:hueOff val="0"/>
-            <a:satOff val="0"/>
-            <a:lumOff val="0"/>
-            <a:alphaOff val="0"/>
-          </a:schemeClr>
-        </a:solidFill>
-        <a:ln>
-          <a:noFill/>
-        </a:ln>
-        <a:effectLst/>
-      </dsp:spPr>
-      <dsp:style>
-        <a:lnRef idx="0">
-          <a:scrgbClr r="0" g="0" b="0"/>
-        </a:lnRef>
-        <a:fillRef idx="1">
-          <a:scrgbClr r="0" g="0" b="0"/>
-        </a:fillRef>
-        <a:effectRef idx="0">
-          <a:scrgbClr r="0" g="0" b="0"/>
-        </a:effectRef>
-        <a:fontRef idx="minor">
-          <a:schemeClr val="lt1"/>
-        </a:fontRef>
-      </dsp:style>
-      <dsp:txBody>
-        <a:bodyPr spcFirstLastPara="0" vert="horz" wrap="square" lIns="0" tIns="0" rIns="0" bIns="0" numCol="1" spcCol="1270" anchor="ctr" anchorCtr="0">
-          <a:noAutofit/>
-        </a:bodyPr>
-        <a:lstStyle/>
-        <a:p>
-          <a:pPr lvl="0" algn="ctr" defTabSz="622300">
-            <a:lnSpc>
-              <a:spcPct val="90000"/>
-            </a:lnSpc>
-            <a:spcBef>
-              <a:spcPct val="0"/>
-            </a:spcBef>
-            <a:spcAft>
-              <a:spcPct val="35000"/>
-            </a:spcAft>
-          </a:pPr>
-          <a:endParaRPr lang="ru-RU" sz="1400" kern="1200"/>
-        </a:p>
-      </dsp:txBody>
-      <dsp:txXfrm rot="10800000">
-        <a:off x="4194893" y="3069004"/>
-        <a:ext cx="291877" cy="317149"/>
-      </dsp:txXfrm>
-    </dsp:sp>
-    <dsp:sp modelId="{573D47CC-AE97-4FAA-8E6A-826D90755EB4}">
-      <dsp:nvSpPr>
-        <dsp:cNvPr id="0" name=""/>
-        <dsp:cNvSpPr/>
-      </dsp:nvSpPr>
-      <dsp:spPr>
-        <a:xfrm>
-          <a:off x="2673297" y="3328939"/>
-          <a:ext cx="1566173" cy="1566173"/>
-        </a:xfrm>
-        <a:prstGeom prst="ellipse">
-          <a:avLst/>
-        </a:prstGeom>
-        <a:solidFill>
-          <a:schemeClr val="lt1">
-            <a:hueOff val="0"/>
-            <a:satOff val="0"/>
-            <a:lumOff val="0"/>
-            <a:alphaOff val="0"/>
-          </a:schemeClr>
-        </a:solidFill>
-        <a:ln w="25400" cap="flat" cmpd="sng" algn="ctr">
-          <a:solidFill>
-            <a:schemeClr val="accent6">
-              <a:shade val="80000"/>
-              <a:hueOff val="0"/>
-              <a:satOff val="0"/>
-              <a:lumOff val="0"/>
-              <a:alphaOff val="0"/>
-            </a:schemeClr>
-          </a:solidFill>
-          <a:prstDash val="solid"/>
-        </a:ln>
-        <a:effectLst/>
-      </dsp:spPr>
-      <dsp:style>
-        <a:lnRef idx="2">
-          <a:scrgbClr r="0" g="0" b="0"/>
-        </a:lnRef>
-        <a:fillRef idx="1">
-          <a:scrgbClr r="0" g="0" b="0"/>
-        </a:fillRef>
-        <a:effectRef idx="0">
-          <a:scrgbClr r="0" g="0" b="0"/>
-        </a:effectRef>
-        <a:fontRef idx="minor">
-          <a:schemeClr val="lt1"/>
-        </a:fontRef>
-      </dsp:style>
-      <dsp:txBody>
-        <a:bodyPr spcFirstLastPara="0" vert="horz" wrap="square" lIns="22860" tIns="22860" rIns="22860" bIns="22860" numCol="1" spcCol="1270" anchor="ctr" anchorCtr="0">
-          <a:noAutofit/>
-        </a:bodyPr>
-        <a:lstStyle/>
-        <a:p>
-          <a:pPr lvl="0" algn="ctr" defTabSz="800100">
-            <a:lnSpc>
-              <a:spcPct val="90000"/>
-            </a:lnSpc>
-            <a:spcBef>
-              <a:spcPct val="0"/>
-            </a:spcBef>
-            <a:spcAft>
-              <a:spcPct val="35000"/>
-            </a:spcAft>
-          </a:pPr>
-          <a:r>
-            <a:rPr lang="en-US" sz="1800" b="0" kern="1200" dirty="0" smtClean="0"/>
-            <a:t>Implement</a:t>
-          </a:r>
-          <a:endParaRPr lang="ru-RU" sz="1800" b="0" kern="1200" dirty="0"/>
-        </a:p>
-      </dsp:txBody>
-      <dsp:txXfrm>
-        <a:off x="2902658" y="3558300"/>
-        <a:ext cx="1107451" cy="1107451"/>
-      </dsp:txXfrm>
-    </dsp:sp>
-    <dsp:sp modelId="{C53B6C48-0F28-4C30-8317-F4779C05F5E1}">
-      <dsp:nvSpPr>
-        <dsp:cNvPr id="0" name=""/>
-        <dsp:cNvSpPr/>
-      </dsp:nvSpPr>
-      <dsp:spPr>
-        <a:xfrm rot="13500000">
-          <a:off x="2424367" y="3024202"/>
-          <a:ext cx="416967" cy="528583"/>
-        </a:xfrm>
-        <a:prstGeom prst="rightArrow">
-          <a:avLst>
-            <a:gd name="adj1" fmla="val 60000"/>
-            <a:gd name="adj2" fmla="val 50000"/>
-          </a:avLst>
-        </a:prstGeom>
-        <a:solidFill>
-          <a:schemeClr val="accent6">
-            <a:tint val="60000"/>
-            <a:hueOff val="0"/>
-            <a:satOff val="0"/>
-            <a:lumOff val="0"/>
-            <a:alphaOff val="0"/>
-          </a:schemeClr>
-        </a:solidFill>
-        <a:ln>
-          <a:noFill/>
-        </a:ln>
-        <a:effectLst/>
-      </dsp:spPr>
-      <dsp:style>
-        <a:lnRef idx="0">
-          <a:scrgbClr r="0" g="0" b="0"/>
-        </a:lnRef>
-        <a:fillRef idx="1">
-          <a:scrgbClr r="0" g="0" b="0"/>
-        </a:fillRef>
-        <a:effectRef idx="0">
-          <a:scrgbClr r="0" g="0" b="0"/>
-        </a:effectRef>
-        <a:fontRef idx="minor">
-          <a:schemeClr val="lt1"/>
-        </a:fontRef>
-      </dsp:style>
-      <dsp:txBody>
-        <a:bodyPr spcFirstLastPara="0" vert="horz" wrap="square" lIns="0" tIns="0" rIns="0" bIns="0" numCol="1" spcCol="1270" anchor="ctr" anchorCtr="0">
-          <a:noAutofit/>
-        </a:bodyPr>
-        <a:lstStyle/>
-        <a:p>
-          <a:pPr lvl="0" algn="ctr" defTabSz="622300">
-            <a:lnSpc>
-              <a:spcPct val="90000"/>
-            </a:lnSpc>
-            <a:spcBef>
-              <a:spcPct val="0"/>
-            </a:spcBef>
-            <a:spcAft>
-              <a:spcPct val="35000"/>
-            </a:spcAft>
-          </a:pPr>
-          <a:endParaRPr lang="ru-RU" sz="1400" kern="1200"/>
-        </a:p>
-      </dsp:txBody>
-      <dsp:txXfrm rot="10800000">
-        <a:off x="2531138" y="3174145"/>
-        <a:ext cx="291877" cy="317149"/>
-      </dsp:txXfrm>
-    </dsp:sp>
-    <dsp:sp modelId="{11B4CBC4-AE1C-4904-826E-3BD4011B5EF6}">
-      <dsp:nvSpPr>
-        <dsp:cNvPr id="0" name=""/>
-        <dsp:cNvSpPr/>
-      </dsp:nvSpPr>
-      <dsp:spPr>
-        <a:xfrm>
-          <a:off x="1009542" y="1665185"/>
-          <a:ext cx="1566173" cy="1566173"/>
-        </a:xfrm>
-        <a:prstGeom prst="ellipse">
-          <a:avLst/>
-        </a:prstGeom>
-        <a:solidFill>
-          <a:schemeClr val="accent3"/>
-        </a:solidFill>
-        <a:ln w="25400" cap="flat" cmpd="sng" algn="ctr">
-          <a:solidFill>
-            <a:schemeClr val="accent3">
-              <a:shade val="50000"/>
-            </a:schemeClr>
-          </a:solidFill>
-          <a:prstDash val="solid"/>
-        </a:ln>
-        <a:effectLst/>
-      </dsp:spPr>
-      <dsp:style>
-        <a:lnRef idx="2">
-          <a:schemeClr val="accent3">
-            <a:shade val="50000"/>
-          </a:schemeClr>
-        </a:lnRef>
-        <a:fillRef idx="1">
-          <a:schemeClr val="accent3"/>
-        </a:fillRef>
-        <a:effectRef idx="0">
-          <a:schemeClr val="accent3"/>
-        </a:effectRef>
-        <a:fontRef idx="minor">
-          <a:schemeClr val="lt1"/>
-        </a:fontRef>
-      </dsp:style>
-      <dsp:txBody>
-        <a:bodyPr spcFirstLastPara="0" vert="horz" wrap="square" lIns="22860" tIns="22860" rIns="22860" bIns="22860" numCol="1" spcCol="1270" anchor="ctr" anchorCtr="0">
-          <a:noAutofit/>
-        </a:bodyPr>
-        <a:lstStyle/>
-        <a:p>
-          <a:pPr lvl="0" algn="ctr" defTabSz="800100">
-            <a:lnSpc>
-              <a:spcPct val="90000"/>
-            </a:lnSpc>
-            <a:spcBef>
-              <a:spcPct val="0"/>
-            </a:spcBef>
-            <a:spcAft>
-              <a:spcPct val="35000"/>
-            </a:spcAft>
-          </a:pPr>
-          <a:r>
-            <a:rPr lang="en-US" sz="1800" b="0" kern="1200" dirty="0" smtClean="0"/>
-            <a:t>Test</a:t>
-          </a:r>
-          <a:endParaRPr lang="ru-RU" sz="1800" b="0" kern="1200" dirty="0"/>
-        </a:p>
-      </dsp:txBody>
-      <dsp:txXfrm>
-        <a:off x="1238903" y="1894546"/>
-        <a:ext cx="1107451" cy="1107451"/>
-      </dsp:txXfrm>
-    </dsp:sp>
-    <dsp:sp modelId="{78BA696A-C46C-41C3-8979-C51CF44A04E2}">
-      <dsp:nvSpPr>
-        <dsp:cNvPr id="0" name=""/>
-        <dsp:cNvSpPr/>
-      </dsp:nvSpPr>
-      <dsp:spPr>
-        <a:xfrm rot="18900000">
-          <a:off x="2407678" y="1360447"/>
-          <a:ext cx="416967" cy="528583"/>
-        </a:xfrm>
-        <a:prstGeom prst="rightArrow">
-          <a:avLst>
-            <a:gd name="adj1" fmla="val 60000"/>
-            <a:gd name="adj2" fmla="val 50000"/>
-          </a:avLst>
-        </a:prstGeom>
-        <a:solidFill>
-          <a:schemeClr val="accent6">
-            <a:tint val="60000"/>
-            <a:hueOff val="0"/>
-            <a:satOff val="0"/>
-            <a:lumOff val="0"/>
-            <a:alphaOff val="0"/>
-          </a:schemeClr>
-        </a:solidFill>
-        <a:ln>
-          <a:noFill/>
-        </a:ln>
-        <a:effectLst/>
-      </dsp:spPr>
-      <dsp:style>
-        <a:lnRef idx="0">
-          <a:scrgbClr r="0" g="0" b="0"/>
-        </a:lnRef>
-        <a:fillRef idx="1">
-          <a:scrgbClr r="0" g="0" b="0"/>
-        </a:fillRef>
-        <a:effectRef idx="0">
-          <a:scrgbClr r="0" g="0" b="0"/>
-        </a:effectRef>
-        <a:fontRef idx="minor">
-          <a:schemeClr val="lt1"/>
-        </a:fontRef>
-      </dsp:style>
-      <dsp:txBody>
-        <a:bodyPr spcFirstLastPara="0" vert="horz" wrap="square" lIns="0" tIns="0" rIns="0" bIns="0" numCol="1" spcCol="1270" anchor="ctr" anchorCtr="0">
-          <a:noAutofit/>
-        </a:bodyPr>
-        <a:lstStyle/>
-        <a:p>
-          <a:pPr lvl="0" algn="ctr" defTabSz="622300">
-            <a:lnSpc>
-              <a:spcPct val="90000"/>
-            </a:lnSpc>
-            <a:spcBef>
-              <a:spcPct val="0"/>
-            </a:spcBef>
-            <a:spcAft>
-              <a:spcPct val="35000"/>
-            </a:spcAft>
-          </a:pPr>
-          <a:endParaRPr lang="ru-RU" sz="1400" kern="1200"/>
-        </a:p>
-      </dsp:txBody>
-      <dsp:txXfrm>
-        <a:off x="2425997" y="1510390"/>
-        <a:ext cx="291877" cy="317149"/>
-      </dsp:txXfrm>
-    </dsp:sp>
   </dsp:spTree>
 </dsp:drawing>
 </file>
@@ -6300,7 +5570,7 @@
           <a:p>
             <a:fld id="{16E5F246-0B7D-44DF-8C1B-EDFCA5DA626A}" type="datetimeFigureOut">
               <a:rPr lang="ru-RU" smtClean="0"/>
-              <a:t>06.07.2015</a:t>
+              <a:t>23.07.2015</a:t>
             </a:fld>
             <a:endParaRPr lang="ru-RU"/>
           </a:p>
@@ -7673,7 +6943,7 @@
           <a:p>
             <a:fld id="{ED7A5A9E-355E-4F5A-82F5-195339D13266}" type="datetimeFigureOut">
               <a:rPr lang="ru-RU" smtClean="0"/>
-              <a:t>06.07.2015</a:t>
+              <a:t>23.07.2015</a:t>
             </a:fld>
             <a:endParaRPr lang="ru-RU"/>
           </a:p>
@@ -7843,7 +7113,7 @@
           <a:p>
             <a:fld id="{ED7A5A9E-355E-4F5A-82F5-195339D13266}" type="datetimeFigureOut">
               <a:rPr lang="ru-RU" smtClean="0"/>
-              <a:t>06.07.2015</a:t>
+              <a:t>23.07.2015</a:t>
             </a:fld>
             <a:endParaRPr lang="ru-RU"/>
           </a:p>
@@ -8023,7 +7293,7 @@
           <a:p>
             <a:fld id="{ED7A5A9E-355E-4F5A-82F5-195339D13266}" type="datetimeFigureOut">
               <a:rPr lang="ru-RU" smtClean="0"/>
-              <a:t>06.07.2015</a:t>
+              <a:t>23.07.2015</a:t>
             </a:fld>
             <a:endParaRPr lang="ru-RU"/>
           </a:p>
@@ -8193,7 +7463,7 @@
           <a:p>
             <a:fld id="{ED7A5A9E-355E-4F5A-82F5-195339D13266}" type="datetimeFigureOut">
               <a:rPr lang="ru-RU" smtClean="0"/>
-              <a:t>06.07.2015</a:t>
+              <a:t>23.07.2015</a:t>
             </a:fld>
             <a:endParaRPr lang="ru-RU"/>
           </a:p>
@@ -8439,7 +7709,7 @@
           <a:p>
             <a:fld id="{ED7A5A9E-355E-4F5A-82F5-195339D13266}" type="datetimeFigureOut">
               <a:rPr lang="ru-RU" smtClean="0"/>
-              <a:t>06.07.2015</a:t>
+              <a:t>23.07.2015</a:t>
             </a:fld>
             <a:endParaRPr lang="ru-RU"/>
           </a:p>
@@ -8727,7 +7997,7 @@
           <a:p>
             <a:fld id="{ED7A5A9E-355E-4F5A-82F5-195339D13266}" type="datetimeFigureOut">
               <a:rPr lang="ru-RU" smtClean="0"/>
-              <a:t>06.07.2015</a:t>
+              <a:t>23.07.2015</a:t>
             </a:fld>
             <a:endParaRPr lang="ru-RU"/>
           </a:p>
@@ -9149,7 +8419,7 @@
           <a:p>
             <a:fld id="{ED7A5A9E-355E-4F5A-82F5-195339D13266}" type="datetimeFigureOut">
               <a:rPr lang="ru-RU" smtClean="0"/>
-              <a:t>06.07.2015</a:t>
+              <a:t>23.07.2015</a:t>
             </a:fld>
             <a:endParaRPr lang="ru-RU"/>
           </a:p>
@@ -9267,7 +8537,7 @@
           <a:p>
             <a:fld id="{ED7A5A9E-355E-4F5A-82F5-195339D13266}" type="datetimeFigureOut">
               <a:rPr lang="ru-RU" smtClean="0"/>
-              <a:t>06.07.2015</a:t>
+              <a:t>23.07.2015</a:t>
             </a:fld>
             <a:endParaRPr lang="ru-RU"/>
           </a:p>
@@ -9362,7 +8632,7 @@
           <a:p>
             <a:fld id="{ED7A5A9E-355E-4F5A-82F5-195339D13266}" type="datetimeFigureOut">
               <a:rPr lang="ru-RU" smtClean="0"/>
-              <a:t>06.07.2015</a:t>
+              <a:t>23.07.2015</a:t>
             </a:fld>
             <a:endParaRPr lang="ru-RU"/>
           </a:p>
@@ -9639,7 +8909,7 @@
           <a:p>
             <a:fld id="{ED7A5A9E-355E-4F5A-82F5-195339D13266}" type="datetimeFigureOut">
               <a:rPr lang="ru-RU" smtClean="0"/>
-              <a:t>06.07.2015</a:t>
+              <a:t>23.07.2015</a:t>
             </a:fld>
             <a:endParaRPr lang="ru-RU"/>
           </a:p>
@@ -9892,7 +9162,7 @@
           <a:p>
             <a:fld id="{ED7A5A9E-355E-4F5A-82F5-195339D13266}" type="datetimeFigureOut">
               <a:rPr lang="ru-RU" smtClean="0"/>
-              <a:t>06.07.2015</a:t>
+              <a:t>23.07.2015</a:t>
             </a:fld>
             <a:endParaRPr lang="ru-RU"/>
           </a:p>
@@ -10105,7 +9375,7 @@
           <a:p>
             <a:fld id="{ED7A5A9E-355E-4F5A-82F5-195339D13266}" type="datetimeFigureOut">
               <a:rPr lang="ru-RU" smtClean="0"/>
-              <a:t>06.07.2015</a:t>
+              <a:t>23.07.2015</a:t>
             </a:fld>
             <a:endParaRPr lang="ru-RU"/>
           </a:p>
@@ -10514,7 +9784,7 @@
         <p:spPr>
           <a:xfrm>
             <a:off x="3575188" y="3244334"/>
-            <a:ext cx="4409412" cy="1477328"/>
+            <a:ext cx="4356514" cy="1200329"/>
           </a:xfrm>
           <a:prstGeom prst="rect">
             <a:avLst/>
@@ -10548,36 +9818,17 @@
               </a:rPr>
               <a:t>bit.ly/k-tests</a:t>
             </a:r>
-            <a:endParaRPr lang="ru-RU" dirty="0" smtClean="0"/>
-          </a:p>
-          <a:p>
-            <a:r>
-              <a:rPr lang="ru-RU" dirty="0" smtClean="0"/>
-              <a:t>Результаты: </a:t>
-            </a:r>
-            <a:r>
-              <a:rPr lang="en-US" dirty="0">
-                <a:hlinkClick r:id="rId4"/>
-              </a:rPr>
-              <a:t>http://</a:t>
-            </a:r>
+            <a:endParaRPr lang="en-US" dirty="0" smtClean="0"/>
+          </a:p>
+          <a:p>
+            <a:endParaRPr lang="en-US" dirty="0" smtClean="0">
+              <a:hlinkClick r:id="rId4"/>
+            </a:endParaRPr>
+          </a:p>
+          <a:p>
             <a:r>
               <a:rPr lang="en-US" dirty="0" smtClean="0">
                 <a:hlinkClick r:id="rId4"/>
-              </a:rPr>
-              <a:t>bit.ly/k-tests-res</a:t>
-            </a:r>
-            <a:endParaRPr lang="en-US" dirty="0" smtClean="0"/>
-          </a:p>
-          <a:p>
-            <a:endParaRPr lang="en-US" dirty="0" smtClean="0">
-              <a:hlinkClick r:id="rId5"/>
-            </a:endParaRPr>
-          </a:p>
-          <a:p>
-            <a:r>
-              <a:rPr lang="en-US" dirty="0" smtClean="0">
-                <a:hlinkClick r:id="rId5"/>
               </a:rPr>
               <a:t>https://github.com/xoposhiy/testing-course</a:t>
             </a:r>
@@ -11412,14 +10663,11 @@
           <a:p>
             <a:r>
               <a:rPr lang="ru-RU" dirty="0" smtClean="0"/>
-              <a:t>О! Кажется, баг!</a:t>
-            </a:r>
-            <a:endParaRPr lang="en-US" dirty="0" smtClean="0"/>
-          </a:p>
-          <a:p>
+              <a:t>Эй</a:t>
+            </a:r>
             <a:r>
               <a:rPr lang="ru-RU" dirty="0" smtClean="0"/>
-              <a:t>Эй, парень, это точно работает?</a:t>
+              <a:t>, парень, это точно работает?</a:t>
             </a:r>
           </a:p>
           <a:p>
@@ -11685,55 +10933,6 @@
                                           <p:spTgt spid="3">
                                             <p:txEl>
                                               <p:pRg st="4" end="4"/>
-                                            </p:txEl>
-                                          </p:spTgt>
-                                        </p:tgtEl>
-                                        <p:attrNameLst>
-                                          <p:attrName>style.visibility</p:attrName>
-                                        </p:attrNameLst>
-                                      </p:cBhvr>
-                                      <p:to>
-                                        <p:strVal val="visible"/>
-                                      </p:to>
-                                    </p:set>
-                                  </p:childTnLst>
-                                </p:cTn>
-                              </p:par>
-                            </p:childTnLst>
-                          </p:cTn>
-                        </p:par>
-                      </p:childTnLst>
-                    </p:cTn>
-                  </p:par>
-                  <p:par>
-                    <p:cTn id="23" fill="hold">
-                      <p:stCondLst>
-                        <p:cond delay="indefinite"/>
-                      </p:stCondLst>
-                      <p:childTnLst>
-                        <p:par>
-                          <p:cTn id="24" fill="hold">
-                            <p:stCondLst>
-                              <p:cond delay="0"/>
-                            </p:stCondLst>
-                            <p:childTnLst>
-                              <p:par>
-                                <p:cTn id="25" presetID="1" presetClass="entr" presetSubtype="0" fill="hold" grpId="0" nodeType="clickEffect">
-                                  <p:stCondLst>
-                                    <p:cond delay="0"/>
-                                  </p:stCondLst>
-                                  <p:childTnLst>
-                                    <p:set>
-                                      <p:cBhvr>
-                                        <p:cTn id="26" dur="1" fill="hold">
-                                          <p:stCondLst>
-                                            <p:cond delay="0"/>
-                                          </p:stCondLst>
-                                        </p:cTn>
-                                        <p:tgtEl>
-                                          <p:spTgt spid="3">
-                                            <p:txEl>
-                                              <p:pRg st="5" end="5"/>
                                             </p:txEl>
                                           </p:spTgt>
                                         </p:tgtEl>
@@ -12345,8 +11544,8 @@
         </p:blipFill>
         <p:spPr bwMode="auto">
           <a:xfrm>
-            <a:off x="-1130458" y="-27384"/>
-            <a:ext cx="10282410" cy="6863308"/>
+            <a:off x="-1134972" y="0"/>
+            <a:ext cx="10276268" cy="6859208"/>
           </a:xfrm>
           <a:prstGeom prst="rect">
             <a:avLst/>
@@ -12417,95 +11616,206 @@
       </p:sp>
       <p:sp>
         <p:nvSpPr>
-          <p:cNvPr id="4" name="Прямоугольник 3"/>
-          <p:cNvSpPr/>
+          <p:cNvPr id="5" name="Объект 2"/>
+          <p:cNvSpPr txBox="1">
+            <a:spLocks/>
+          </p:cNvSpPr>
           <p:nvPr/>
         </p:nvSpPr>
         <p:spPr>
           <a:xfrm>
-            <a:off x="3575188" y="3244334"/>
-            <a:ext cx="4409412" cy="1477328"/>
+            <a:off x="4353272" y="5085184"/>
+            <a:ext cx="4788024" cy="1774024"/>
           </a:xfrm>
           <a:prstGeom prst="rect">
             <a:avLst/>
           </a:prstGeom>
           <a:solidFill>
-            <a:schemeClr val="bg1"/>
+            <a:schemeClr val="bg1">
+              <a:alpha val="66000"/>
+            </a:schemeClr>
           </a:solidFill>
         </p:spPr>
         <p:txBody>
-          <a:bodyPr wrap="none">
-            <a:spAutoFit/>
+          <a:bodyPr vert="horz" lIns="91440" tIns="45720" rIns="91440" bIns="45720" rtlCol="0">
+            <a:normAutofit/>
           </a:bodyPr>
-          <a:lstStyle/>
-          <a:p>
-            <a:r>
-              <a:rPr lang="ru-RU" dirty="0" smtClean="0"/>
+          <a:lstStyle>
+            <a:lvl1pPr marL="342900" indent="-342900" algn="l" defTabSz="914400" rtl="0" eaLnBrk="1" latinLnBrk="0" hangingPunct="1">
+              <a:spcBef>
+                <a:spcPct val="20000"/>
+              </a:spcBef>
+              <a:buFont typeface="Arial" pitchFamily="34" charset="0"/>
+              <a:buChar char="•"/>
+              <a:defRPr sz="3200" kern="1200">
+                <a:solidFill>
+                  <a:schemeClr val="tx1"/>
+                </a:solidFill>
+                <a:latin typeface="+mn-lt"/>
+                <a:ea typeface="+mn-ea"/>
+                <a:cs typeface="+mn-cs"/>
+              </a:defRPr>
+            </a:lvl1pPr>
+            <a:lvl2pPr marL="742950" indent="-285750" algn="l" defTabSz="914400" rtl="0" eaLnBrk="1" latinLnBrk="0" hangingPunct="1">
+              <a:spcBef>
+                <a:spcPct val="20000"/>
+              </a:spcBef>
+              <a:buFont typeface="Arial" pitchFamily="34" charset="0"/>
+              <a:buChar char="–"/>
+              <a:defRPr sz="2800" kern="1200">
+                <a:solidFill>
+                  <a:schemeClr val="tx1"/>
+                </a:solidFill>
+                <a:latin typeface="+mn-lt"/>
+                <a:ea typeface="+mn-ea"/>
+                <a:cs typeface="+mn-cs"/>
+              </a:defRPr>
+            </a:lvl2pPr>
+            <a:lvl3pPr marL="1143000" indent="-228600" algn="l" defTabSz="914400" rtl="0" eaLnBrk="1" latinLnBrk="0" hangingPunct="1">
+              <a:spcBef>
+                <a:spcPct val="20000"/>
+              </a:spcBef>
+              <a:buFont typeface="Arial" pitchFamily="34" charset="0"/>
+              <a:buChar char="•"/>
+              <a:defRPr sz="2400" kern="1200">
+                <a:solidFill>
+                  <a:schemeClr val="tx1"/>
+                </a:solidFill>
+                <a:latin typeface="+mn-lt"/>
+                <a:ea typeface="+mn-ea"/>
+                <a:cs typeface="+mn-cs"/>
+              </a:defRPr>
+            </a:lvl3pPr>
+            <a:lvl4pPr marL="1600200" indent="-228600" algn="l" defTabSz="914400" rtl="0" eaLnBrk="1" latinLnBrk="0" hangingPunct="1">
+              <a:spcBef>
+                <a:spcPct val="20000"/>
+              </a:spcBef>
+              <a:buFont typeface="Arial" pitchFamily="34" charset="0"/>
+              <a:buChar char="–"/>
+              <a:defRPr sz="2000" kern="1200">
+                <a:solidFill>
+                  <a:schemeClr val="tx1"/>
+                </a:solidFill>
+                <a:latin typeface="+mn-lt"/>
+                <a:ea typeface="+mn-ea"/>
+                <a:cs typeface="+mn-cs"/>
+              </a:defRPr>
+            </a:lvl4pPr>
+            <a:lvl5pPr marL="2057400" indent="-228600" algn="l" defTabSz="914400" rtl="0" eaLnBrk="1" latinLnBrk="0" hangingPunct="1">
+              <a:spcBef>
+                <a:spcPct val="20000"/>
+              </a:spcBef>
+              <a:buFont typeface="Arial" pitchFamily="34" charset="0"/>
+              <a:buChar char="»"/>
+              <a:defRPr sz="2000" kern="1200">
+                <a:solidFill>
+                  <a:schemeClr val="tx1"/>
+                </a:solidFill>
+                <a:latin typeface="+mn-lt"/>
+                <a:ea typeface="+mn-ea"/>
+                <a:cs typeface="+mn-cs"/>
+              </a:defRPr>
+            </a:lvl5pPr>
+            <a:lvl6pPr marL="2514600" indent="-228600" algn="l" defTabSz="914400" rtl="0" eaLnBrk="1" latinLnBrk="0" hangingPunct="1">
+              <a:spcBef>
+                <a:spcPct val="20000"/>
+              </a:spcBef>
+              <a:buFont typeface="Arial" pitchFamily="34" charset="0"/>
+              <a:buChar char="•"/>
+              <a:defRPr sz="2000" kern="1200">
+                <a:solidFill>
+                  <a:schemeClr val="tx1"/>
+                </a:solidFill>
+                <a:latin typeface="+mn-lt"/>
+                <a:ea typeface="+mn-ea"/>
+                <a:cs typeface="+mn-cs"/>
+              </a:defRPr>
+            </a:lvl6pPr>
+            <a:lvl7pPr marL="2971800" indent="-228600" algn="l" defTabSz="914400" rtl="0" eaLnBrk="1" latinLnBrk="0" hangingPunct="1">
+              <a:spcBef>
+                <a:spcPct val="20000"/>
+              </a:spcBef>
+              <a:buFont typeface="Arial" pitchFamily="34" charset="0"/>
+              <a:buChar char="•"/>
+              <a:defRPr sz="2000" kern="1200">
+                <a:solidFill>
+                  <a:schemeClr val="tx1"/>
+                </a:solidFill>
+                <a:latin typeface="+mn-lt"/>
+                <a:ea typeface="+mn-ea"/>
+                <a:cs typeface="+mn-cs"/>
+              </a:defRPr>
+            </a:lvl7pPr>
+            <a:lvl8pPr marL="3429000" indent="-228600" algn="l" defTabSz="914400" rtl="0" eaLnBrk="1" latinLnBrk="0" hangingPunct="1">
+              <a:spcBef>
+                <a:spcPct val="20000"/>
+              </a:spcBef>
+              <a:buFont typeface="Arial" pitchFamily="34" charset="0"/>
+              <a:buChar char="•"/>
+              <a:defRPr sz="2000" kern="1200">
+                <a:solidFill>
+                  <a:schemeClr val="tx1"/>
+                </a:solidFill>
+                <a:latin typeface="+mn-lt"/>
+                <a:ea typeface="+mn-ea"/>
+                <a:cs typeface="+mn-cs"/>
+              </a:defRPr>
+            </a:lvl8pPr>
+            <a:lvl9pPr marL="3886200" indent="-228600" algn="l" defTabSz="914400" rtl="0" eaLnBrk="1" latinLnBrk="0" hangingPunct="1">
+              <a:spcBef>
+                <a:spcPct val="20000"/>
+              </a:spcBef>
+              <a:buFont typeface="Arial" pitchFamily="34" charset="0"/>
+              <a:buChar char="•"/>
+              <a:defRPr sz="2000" kern="1200">
+                <a:solidFill>
+                  <a:schemeClr val="tx1"/>
+                </a:solidFill>
+                <a:latin typeface="+mn-lt"/>
+                <a:ea typeface="+mn-ea"/>
+                <a:cs typeface="+mn-cs"/>
+              </a:defRPr>
+            </a:lvl9pPr>
+          </a:lstStyle>
+          <a:p>
+            <a:pPr marL="0" indent="0">
+              <a:buNone/>
+            </a:pPr>
+            <a:r>
+              <a:rPr lang="ru-RU" sz="2800" dirty="0"/>
               <a:t>Опрос: </a:t>
             </a:r>
             <a:r>
-              <a:rPr lang="ru-RU" dirty="0" smtClean="0">
+              <a:rPr lang="ru-RU" sz="2800" dirty="0">
                 <a:hlinkClick r:id="rId3"/>
               </a:rPr>
-              <a:t>http</a:t>
-            </a:r>
-            <a:r>
-              <a:rPr lang="ru-RU" dirty="0">
-                <a:hlinkClick r:id="rId3"/>
-              </a:rPr>
-              <a:t>://</a:t>
-            </a:r>
-            <a:r>
-              <a:rPr lang="ru-RU" dirty="0" smtClean="0">
+              <a:t>http://</a:t>
+            </a:r>
+            <a:r>
+              <a:rPr lang="ru-RU" sz="2800" dirty="0" smtClean="0">
                 <a:hlinkClick r:id="rId3"/>
               </a:rPr>
               <a:t>bit.ly/k-tests</a:t>
             </a:r>
-            <a:endParaRPr lang="ru-RU" dirty="0" smtClean="0"/>
-          </a:p>
-          <a:p>
-            <a:r>
-              <a:rPr lang="ru-RU" dirty="0" smtClean="0"/>
-              <a:t>Результаты: </a:t>
-            </a:r>
-            <a:r>
-              <a:rPr lang="en-US" dirty="0">
+            <a:endParaRPr lang="en-US" sz="2800" dirty="0">
+              <a:hlinkClick r:id="rId4"/>
+            </a:endParaRPr>
+          </a:p>
+          <a:p>
+            <a:pPr marL="0" indent="0">
+              <a:buNone/>
+            </a:pPr>
+            <a:r>
+              <a:rPr lang="en-US" sz="2800" dirty="0">
                 <a:hlinkClick r:id="rId4"/>
               </a:rPr>
-              <a:t>http://</a:t>
-            </a:r>
-            <a:r>
-              <a:rPr lang="en-US" dirty="0" smtClean="0">
-                <a:hlinkClick r:id="rId4"/>
-              </a:rPr>
-              <a:t>bit.ly/k-tests-res</a:t>
-            </a:r>
-            <a:endParaRPr lang="en-US" dirty="0" smtClean="0"/>
-          </a:p>
-          <a:p>
-            <a:endParaRPr lang="en-US" dirty="0" smtClean="0">
-              <a:hlinkClick r:id="rId5"/>
-            </a:endParaRPr>
-          </a:p>
-          <a:p>
-            <a:r>
-              <a:rPr lang="en-US" dirty="0" smtClean="0">
-                <a:hlinkClick r:id="rId5"/>
-              </a:rPr>
               <a:t>https://github.com/xoposhiy/testing-course</a:t>
             </a:r>
             <a:r>
-              <a:rPr lang="en-US" dirty="0" smtClean="0"/>
+              <a:rPr lang="en-US" sz="2800" dirty="0"/>
               <a:t> </a:t>
             </a:r>
-            <a:endParaRPr lang="ru-RU" dirty="0" smtClean="0"/>
-          </a:p>
-          <a:p>
-            <a:r>
-              <a:rPr lang="en-US" dirty="0" smtClean="0"/>
-              <a:t> </a:t>
-            </a:r>
-            <a:endParaRPr lang="ru-RU" dirty="0"/>
+            <a:endParaRPr lang="ru-RU" sz="2800" dirty="0"/>
           </a:p>
         </p:txBody>
       </p:sp>
@@ -14498,24 +13808,13 @@
         <p:spPr/>
         <p:txBody>
           <a:bodyPr>
-            <a:normAutofit fontScale="90000"/>
+            <a:normAutofit/>
           </a:bodyPr>
           <a:lstStyle/>
           <a:p>
             <a:r>
               <a:rPr lang="ru-RU" dirty="0" smtClean="0"/>
-              <a:t>Зачем тесты?</a:t>
-            </a:r>
-            <a:r>
-              <a:rPr lang="ru-RU" dirty="0"/>
-              <a:t/>
-            </a:r>
-            <a:br>
-              <a:rPr lang="ru-RU" dirty="0"/>
-            </a:br>
-            <a:r>
-              <a:rPr lang="ru-RU" sz="3600" dirty="0" smtClean="0"/>
-              <a:t>(результаты анкеты)</a:t>
+              <a:t>Результаты анкеты</a:t>
             </a:r>
             <a:endParaRPr lang="ru-RU" dirty="0"/>
           </a:p>
@@ -14541,62 +13840,14 @@
           <a:bodyPr/>
           <a:lstStyle/>
           <a:p>
-            <a:pPr marL="514350" indent="-514350">
-              <a:buFont typeface="+mj-lt"/>
-              <a:buAutoNum type="arabicPeriod"/>
+            <a:pPr marL="0" indent="0">
+              <a:buNone/>
             </a:pPr>
             <a:r>
-              <a:rPr lang="ru-RU" dirty="0"/>
-              <a:t>Страховка при </a:t>
-            </a:r>
-            <a:r>
-              <a:rPr lang="ru-RU" dirty="0" err="1"/>
-              <a:t>рефакторинге</a:t>
-            </a:r>
-            <a:endParaRPr lang="ru-RU" dirty="0"/>
-          </a:p>
-          <a:p>
-            <a:pPr marL="514350" indent="-514350">
-              <a:buFont typeface="+mj-lt"/>
-              <a:buAutoNum type="arabicPeriod"/>
-            </a:pPr>
-            <a:r>
-              <a:rPr lang="ru-RU" dirty="0" smtClean="0"/>
-              <a:t>Обратная связь при разработке</a:t>
-            </a:r>
-            <a:endParaRPr lang="ru-RU" dirty="0"/>
-          </a:p>
-          <a:p>
-            <a:pPr marL="514350" indent="-514350">
-              <a:buFont typeface="+mj-lt"/>
-              <a:buAutoNum type="arabicPeriod"/>
-            </a:pPr>
-            <a:r>
-              <a:rPr lang="ru-RU" dirty="0" smtClean="0"/>
-              <a:t>Чувство уверенности в своем коде</a:t>
-            </a:r>
-            <a:endParaRPr lang="en-US" dirty="0" smtClean="0"/>
-          </a:p>
-          <a:p>
-            <a:pPr marL="514350" indent="-514350">
-              <a:buFont typeface="+mj-lt"/>
-              <a:buAutoNum type="arabicPeriod"/>
-            </a:pPr>
-            <a:r>
-              <a:rPr lang="ru-RU" dirty="0"/>
-              <a:t>С</a:t>
-            </a:r>
-            <a:r>
-              <a:rPr lang="ru-RU" dirty="0" smtClean="0"/>
-              <a:t>пособ </a:t>
-            </a:r>
-            <a:r>
-              <a:rPr lang="ru-RU" dirty="0"/>
-              <a:t>повысить </a:t>
-            </a:r>
-            <a:r>
-              <a:rPr lang="ru-RU" dirty="0" smtClean="0"/>
-              <a:t>качество</a:t>
+              <a:rPr lang="en-US" dirty="0">
+                <a:hlinkClick r:id="rId3"/>
+              </a:rPr>
+              <a:t>http://bit.ly/k-tests-res</a:t>
             </a:r>
             <a:endParaRPr lang="ru-RU" dirty="0"/>
           </a:p>
@@ -14649,153 +13900,6 @@
                                           <p:spTgt spid="4">
                                             <p:txEl>
                                               <p:pRg st="0" end="0"/>
-                                            </p:txEl>
-                                          </p:spTgt>
-                                        </p:tgtEl>
-                                        <p:attrNameLst>
-                                          <p:attrName>style.visibility</p:attrName>
-                                        </p:attrNameLst>
-                                      </p:cBhvr>
-                                      <p:to>
-                                        <p:strVal val="visible"/>
-                                      </p:to>
-                                    </p:set>
-                                  </p:childTnLst>
-                                </p:cTn>
-                              </p:par>
-                            </p:childTnLst>
-                          </p:cTn>
-                        </p:par>
-                      </p:childTnLst>
-                    </p:cTn>
-                  </p:par>
-                  <p:par>
-                    <p:cTn id="7" fill="hold">
-                      <p:stCondLst>
-                        <p:cond delay="indefinite"/>
-                      </p:stCondLst>
-                      <p:childTnLst>
-                        <p:par>
-                          <p:cTn id="8" fill="hold">
-                            <p:stCondLst>
-                              <p:cond delay="0"/>
-                            </p:stCondLst>
-                            <p:childTnLst>
-                              <p:par>
-                                <p:cTn id="9" presetID="1" presetClass="entr" presetSubtype="0" fill="hold" grpId="0" nodeType="clickEffect">
-                                  <p:stCondLst>
-                                    <p:cond delay="0"/>
-                                  </p:stCondLst>
-                                  <p:childTnLst>
-                                    <p:set>
-                                      <p:cBhvr>
-                                        <p:cTn id="10" dur="1" fill="hold">
-                                          <p:stCondLst>
-                                            <p:cond delay="0"/>
-                                          </p:stCondLst>
-                                        </p:cTn>
-                                        <p:tgtEl>
-                                          <p:spTgt spid="4">
-                                            <p:txEl>
-                                              <p:pRg st="1" end="1"/>
-                                            </p:txEl>
-                                          </p:spTgt>
-                                        </p:tgtEl>
-                                        <p:attrNameLst>
-                                          <p:attrName>style.visibility</p:attrName>
-                                        </p:attrNameLst>
-                                      </p:cBhvr>
-                                      <p:to>
-                                        <p:strVal val="visible"/>
-                                      </p:to>
-                                    </p:set>
-                                  </p:childTnLst>
-                                </p:cTn>
-                              </p:par>
-                            </p:childTnLst>
-                          </p:cTn>
-                        </p:par>
-                      </p:childTnLst>
-                    </p:cTn>
-                  </p:par>
-                  <p:par>
-                    <p:cTn id="11" fill="hold">
-                      <p:stCondLst>
-                        <p:cond delay="indefinite"/>
-                      </p:stCondLst>
-                      <p:childTnLst>
-                        <p:par>
-                          <p:cTn id="12" fill="hold">
-                            <p:stCondLst>
-                              <p:cond delay="0"/>
-                            </p:stCondLst>
-                            <p:childTnLst>
-                              <p:par>
-                                <p:cTn id="13" presetID="1" presetClass="entr" presetSubtype="0" fill="hold" grpId="0" nodeType="clickEffect">
-                                  <p:stCondLst>
-                                    <p:cond delay="0"/>
-                                  </p:stCondLst>
-                                  <p:childTnLst>
-                                    <p:set>
-                                      <p:cBhvr>
-                                        <p:cTn id="14" dur="1" fill="hold">
-                                          <p:stCondLst>
-                                            <p:cond delay="0"/>
-                                          </p:stCondLst>
-                                        </p:cTn>
-                                        <p:tgtEl>
-                                          <p:spTgt spid="4">
-                                            <p:txEl>
-                                              <p:pRg st="2" end="2"/>
-                                            </p:txEl>
-                                          </p:spTgt>
-                                        </p:tgtEl>
-                                        <p:attrNameLst>
-                                          <p:attrName>style.visibility</p:attrName>
-                                        </p:attrNameLst>
-                                      </p:cBhvr>
-                                      <p:to>
-                                        <p:strVal val="visible"/>
-                                      </p:to>
-                                    </p:set>
-                                  </p:childTnLst>
-                                </p:cTn>
-                              </p:par>
-                            </p:childTnLst>
-                          </p:cTn>
-                        </p:par>
-                      </p:childTnLst>
-                    </p:cTn>
-                  </p:par>
-                  <p:par>
-                    <p:cTn id="15" fill="hold">
-                      <p:stCondLst>
-                        <p:cond delay="indefinite"/>
-                      </p:stCondLst>
-                      <p:childTnLst>
-                        <p:par>
-                          <p:cTn id="16" fill="hold">
-                            <p:stCondLst>
-                              <p:cond delay="0"/>
-                            </p:stCondLst>
-                            <p:childTnLst>
-                              <p:par>
-                                <p:cTn id="17" presetID="1" presetClass="entr" presetSubtype="0" fill="hold" grpId="0" nodeType="clickEffect">
-                                  <p:stCondLst>
-                                    <p:cond delay="0"/>
-                                  </p:stCondLst>
-                                  <p:childTnLst>
-                                    <p:set>
-                                      <p:cBhvr>
-                                        <p:cTn id="18" dur="1" fill="hold">
-                                          <p:stCondLst>
-                                            <p:cond delay="0"/>
-                                          </p:stCondLst>
-                                        </p:cTn>
-                                        <p:tgtEl>
-                                          <p:spTgt spid="4">
-                                            <p:txEl>
-                                              <p:pRg st="3" end="3"/>
                                             </p:txEl>
                                           </p:spTgt>
                                         </p:tgtEl>
@@ -17309,7 +16413,7 @@
           <a:graphicData uri="http://schemas.openxmlformats.org/presentationml/2006/ole">
             <mc:AlternateContent xmlns:mc="http://schemas.openxmlformats.org/markup-compatibility/2006">
               <mc:Choice xmlns:v="urn:schemas-microsoft-com:vml" Requires="v">
-                <p:oleObj spid="_x0000_s1047" name="VISIO" r:id="rId4" imgW="2544803" imgH="251238" progId="Visio.Drawing.5">
+                <p:oleObj spid="_x0000_s1049" name="VISIO" r:id="rId4" imgW="2544803" imgH="251238" progId="Visio.Drawing.5">
                   <p:embed/>
                 </p:oleObj>
               </mc:Choice>
@@ -18769,11 +17873,7 @@
             </a:r>
             <a:r>
               <a:rPr lang="ru-RU" dirty="0" smtClean="0"/>
-              <a:t>в </a:t>
-            </a:r>
-            <a:r>
-              <a:rPr lang="ru-RU" dirty="0" smtClean="0"/>
-              <a:t>файле </a:t>
+              <a:t>в файле </a:t>
             </a:r>
             <a:r>
               <a:rPr lang="en-US" dirty="0" err="1" smtClean="0"/>

--- a/day1.pptx
+++ b/day1.pptx
@@ -2318,6 +2318,162 @@
       <dsp:cNvGrpSpPr/>
     </dsp:nvGrpSpPr>
     <dsp:grpSpPr/>
+    <dsp:sp modelId="{21D6B4D5-DD70-43F5-A4EC-DDD359DDF04C}">
+      <dsp:nvSpPr>
+        <dsp:cNvPr id="0" name=""/>
+        <dsp:cNvSpPr/>
+      </dsp:nvSpPr>
+      <dsp:spPr>
+        <a:xfrm>
+          <a:off x="242023" y="24621"/>
+          <a:ext cx="4501341" cy="4501341"/>
+        </a:xfrm>
+        <a:prstGeom prst="ellipse">
+          <a:avLst/>
+        </a:prstGeom>
+        <a:solidFill>
+          <a:schemeClr val="accent1">
+            <a:alpha val="50000"/>
+            <a:hueOff val="0"/>
+            <a:satOff val="0"/>
+            <a:lumOff val="0"/>
+            <a:alphaOff val="0"/>
+          </a:schemeClr>
+        </a:solidFill>
+        <a:ln w="25400" cap="flat" cmpd="sng" algn="ctr">
+          <a:solidFill>
+            <a:schemeClr val="lt1">
+              <a:hueOff val="0"/>
+              <a:satOff val="0"/>
+              <a:lumOff val="0"/>
+              <a:alphaOff val="0"/>
+            </a:schemeClr>
+          </a:solidFill>
+          <a:prstDash val="solid"/>
+        </a:ln>
+        <a:effectLst/>
+      </dsp:spPr>
+      <dsp:style>
+        <a:lnRef idx="2">
+          <a:scrgbClr r="0" g="0" b="0"/>
+        </a:lnRef>
+        <a:fillRef idx="1">
+          <a:scrgbClr r="0" g="0" b="0"/>
+        </a:fillRef>
+        <a:effectRef idx="0">
+          <a:scrgbClr r="0" g="0" b="0"/>
+        </a:effectRef>
+        <a:fontRef idx="minor">
+          <a:schemeClr val="tx1"/>
+        </a:fontRef>
+      </dsp:style>
+      <dsp:txBody>
+        <a:bodyPr spcFirstLastPara="0" vert="horz" wrap="square" lIns="0" tIns="0" rIns="0" bIns="0" numCol="1" spcCol="1270" anchor="ctr" anchorCtr="0">
+          <a:noAutofit/>
+        </a:bodyPr>
+        <a:lstStyle/>
+        <a:p>
+          <a:pPr lvl="0" algn="ctr" defTabSz="2889250">
+            <a:lnSpc>
+              <a:spcPct val="90000"/>
+            </a:lnSpc>
+            <a:spcBef>
+              <a:spcPct val="0"/>
+            </a:spcBef>
+            <a:spcAft>
+              <a:spcPct val="35000"/>
+            </a:spcAft>
+          </a:pPr>
+          <a:r>
+            <a:rPr lang="en-US" sz="6500" kern="1200" dirty="0" smtClean="0"/>
+            <a:t>DRY</a:t>
+          </a:r>
+          <a:endParaRPr lang="ru-RU" sz="6500" kern="1200" dirty="0"/>
+        </a:p>
+      </dsp:txBody>
+      <dsp:txXfrm>
+        <a:off x="870589" y="555426"/>
+        <a:ext cx="2595368" cy="3439731"/>
+      </dsp:txXfrm>
+    </dsp:sp>
+    <dsp:sp modelId="{A6AD5533-970C-405D-8CD0-3401F473AD79}">
+      <dsp:nvSpPr>
+        <dsp:cNvPr id="0" name=""/>
+        <dsp:cNvSpPr/>
+      </dsp:nvSpPr>
+      <dsp:spPr>
+        <a:xfrm>
+          <a:off x="3486234" y="12310"/>
+          <a:ext cx="4501341" cy="4501341"/>
+        </a:xfrm>
+        <a:prstGeom prst="ellipse">
+          <a:avLst/>
+        </a:prstGeom>
+        <a:solidFill>
+          <a:schemeClr val="accent1">
+            <a:alpha val="50000"/>
+            <a:hueOff val="0"/>
+            <a:satOff val="0"/>
+            <a:lumOff val="0"/>
+            <a:alphaOff val="0"/>
+          </a:schemeClr>
+        </a:solidFill>
+        <a:ln w="25400" cap="flat" cmpd="sng" algn="ctr">
+          <a:solidFill>
+            <a:schemeClr val="lt1">
+              <a:hueOff val="0"/>
+              <a:satOff val="0"/>
+              <a:lumOff val="0"/>
+              <a:alphaOff val="0"/>
+            </a:schemeClr>
+          </a:solidFill>
+          <a:prstDash val="solid"/>
+        </a:ln>
+        <a:effectLst/>
+      </dsp:spPr>
+      <dsp:style>
+        <a:lnRef idx="2">
+          <a:scrgbClr r="0" g="0" b="0"/>
+        </a:lnRef>
+        <a:fillRef idx="1">
+          <a:scrgbClr r="0" g="0" b="0"/>
+        </a:fillRef>
+        <a:effectRef idx="0">
+          <a:scrgbClr r="0" g="0" b="0"/>
+        </a:effectRef>
+        <a:fontRef idx="minor">
+          <a:schemeClr val="tx1"/>
+        </a:fontRef>
+      </dsp:style>
+      <dsp:txBody>
+        <a:bodyPr spcFirstLastPara="0" vert="horz" wrap="square" lIns="0" tIns="0" rIns="0" bIns="0" numCol="1" spcCol="1270" anchor="ctr" anchorCtr="0">
+          <a:noAutofit/>
+        </a:bodyPr>
+        <a:lstStyle/>
+        <a:p>
+          <a:pPr lvl="0" algn="ctr" defTabSz="2889250">
+            <a:lnSpc>
+              <a:spcPct val="90000"/>
+            </a:lnSpc>
+            <a:spcBef>
+              <a:spcPct val="0"/>
+            </a:spcBef>
+            <a:spcAft>
+              <a:spcPct val="35000"/>
+            </a:spcAft>
+          </a:pPr>
+          <a:r>
+            <a:rPr lang="en-US" sz="6500" kern="1200" dirty="0" smtClean="0"/>
+            <a:t>DAMP</a:t>
+          </a:r>
+          <a:endParaRPr lang="ru-RU" sz="6500" kern="1200" dirty="0"/>
+        </a:p>
+      </dsp:txBody>
+      <dsp:txXfrm>
+        <a:off x="4763642" y="543115"/>
+        <a:ext cx="2595368" cy="3439731"/>
+      </dsp:txXfrm>
+    </dsp:sp>
   </dsp:spTree>
 </dsp:drawing>
 </file>
@@ -2330,6 +2486,580 @@
       <dsp:cNvGrpSpPr/>
     </dsp:nvGrpSpPr>
     <dsp:grpSpPr/>
+    <dsp:sp modelId="{6CFAF0B4-C71D-4C93-B29D-0F3ACEB46DAC}">
+      <dsp:nvSpPr>
+        <dsp:cNvPr id="0" name=""/>
+        <dsp:cNvSpPr/>
+      </dsp:nvSpPr>
+      <dsp:spPr>
+        <a:xfrm>
+          <a:off x="2673296" y="1430"/>
+          <a:ext cx="1566173" cy="1566173"/>
+        </a:xfrm>
+        <a:prstGeom prst="ellipse">
+          <a:avLst/>
+        </a:prstGeom>
+        <a:solidFill>
+          <a:schemeClr val="lt1">
+            <a:hueOff val="0"/>
+            <a:satOff val="0"/>
+            <a:lumOff val="0"/>
+            <a:alphaOff val="0"/>
+          </a:schemeClr>
+        </a:solidFill>
+        <a:ln w="25400" cap="flat" cmpd="sng" algn="ctr">
+          <a:solidFill>
+            <a:schemeClr val="accent6">
+              <a:shade val="80000"/>
+              <a:hueOff val="0"/>
+              <a:satOff val="0"/>
+              <a:lumOff val="0"/>
+              <a:alphaOff val="0"/>
+            </a:schemeClr>
+          </a:solidFill>
+          <a:prstDash val="solid"/>
+        </a:ln>
+        <a:effectLst/>
+      </dsp:spPr>
+      <dsp:style>
+        <a:lnRef idx="2">
+          <a:scrgbClr r="0" g="0" b="0"/>
+        </a:lnRef>
+        <a:fillRef idx="1">
+          <a:scrgbClr r="0" g="0" b="0"/>
+        </a:fillRef>
+        <a:effectRef idx="0">
+          <a:scrgbClr r="0" g="0" b="0"/>
+        </a:effectRef>
+        <a:fontRef idx="minor">
+          <a:schemeClr val="lt1"/>
+        </a:fontRef>
+      </dsp:style>
+      <dsp:txBody>
+        <a:bodyPr spcFirstLastPara="0" vert="horz" wrap="square" lIns="22860" tIns="22860" rIns="22860" bIns="22860" numCol="1" spcCol="1270" anchor="ctr" anchorCtr="0">
+          <a:noAutofit/>
+        </a:bodyPr>
+        <a:lstStyle/>
+        <a:p>
+          <a:pPr lvl="0" algn="ctr" defTabSz="800100">
+            <a:lnSpc>
+              <a:spcPct val="90000"/>
+            </a:lnSpc>
+            <a:spcBef>
+              <a:spcPct val="0"/>
+            </a:spcBef>
+            <a:spcAft>
+              <a:spcPct val="35000"/>
+            </a:spcAft>
+          </a:pPr>
+          <a:r>
+            <a:rPr lang="en-US" sz="1800" b="0" kern="1200" dirty="0" smtClean="0"/>
+            <a:t>Design</a:t>
+          </a:r>
+          <a:endParaRPr lang="ru-RU" sz="1800" b="0" kern="1200" dirty="0"/>
+        </a:p>
+      </dsp:txBody>
+      <dsp:txXfrm>
+        <a:off x="2902657" y="230791"/>
+        <a:ext cx="1107451" cy="1107451"/>
+      </dsp:txXfrm>
+    </dsp:sp>
+    <dsp:sp modelId="{6D3E105C-5DA2-4D30-8D94-9DF04996ED43}">
+      <dsp:nvSpPr>
+        <dsp:cNvPr id="0" name=""/>
+        <dsp:cNvSpPr/>
+      </dsp:nvSpPr>
+      <dsp:spPr>
+        <a:xfrm rot="2700000">
+          <a:off x="4071433" y="1343758"/>
+          <a:ext cx="416967" cy="528583"/>
+        </a:xfrm>
+        <a:prstGeom prst="rightArrow">
+          <a:avLst>
+            <a:gd name="adj1" fmla="val 60000"/>
+            <a:gd name="adj2" fmla="val 50000"/>
+          </a:avLst>
+        </a:prstGeom>
+        <a:solidFill>
+          <a:schemeClr val="accent6">
+            <a:tint val="60000"/>
+            <a:hueOff val="0"/>
+            <a:satOff val="0"/>
+            <a:lumOff val="0"/>
+            <a:alphaOff val="0"/>
+          </a:schemeClr>
+        </a:solidFill>
+        <a:ln>
+          <a:noFill/>
+        </a:ln>
+        <a:effectLst/>
+      </dsp:spPr>
+      <dsp:style>
+        <a:lnRef idx="0">
+          <a:scrgbClr r="0" g="0" b="0"/>
+        </a:lnRef>
+        <a:fillRef idx="1">
+          <a:scrgbClr r="0" g="0" b="0"/>
+        </a:fillRef>
+        <a:effectRef idx="0">
+          <a:scrgbClr r="0" g="0" b="0"/>
+        </a:effectRef>
+        <a:fontRef idx="minor">
+          <a:schemeClr val="lt1"/>
+        </a:fontRef>
+      </dsp:style>
+      <dsp:txBody>
+        <a:bodyPr spcFirstLastPara="0" vert="horz" wrap="square" lIns="0" tIns="0" rIns="0" bIns="0" numCol="1" spcCol="1270" anchor="ctr" anchorCtr="0">
+          <a:noAutofit/>
+        </a:bodyPr>
+        <a:lstStyle/>
+        <a:p>
+          <a:pPr lvl="0" algn="ctr" defTabSz="622300">
+            <a:lnSpc>
+              <a:spcPct val="90000"/>
+            </a:lnSpc>
+            <a:spcBef>
+              <a:spcPct val="0"/>
+            </a:spcBef>
+            <a:spcAft>
+              <a:spcPct val="35000"/>
+            </a:spcAft>
+          </a:pPr>
+          <a:endParaRPr lang="ru-RU" sz="1400" kern="1200"/>
+        </a:p>
+      </dsp:txBody>
+      <dsp:txXfrm>
+        <a:off x="4089752" y="1405249"/>
+        <a:ext cx="291877" cy="317149"/>
+      </dsp:txXfrm>
+    </dsp:sp>
+    <dsp:sp modelId="{2DF0FCB7-52AA-4542-9718-42FC9EEBFEA0}">
+      <dsp:nvSpPr>
+        <dsp:cNvPr id="0" name=""/>
+        <dsp:cNvSpPr/>
+      </dsp:nvSpPr>
+      <dsp:spPr>
+        <a:xfrm>
+          <a:off x="4337051" y="1665184"/>
+          <a:ext cx="1566173" cy="1566173"/>
+        </a:xfrm>
+        <a:prstGeom prst="ellipse">
+          <a:avLst/>
+        </a:prstGeom>
+        <a:solidFill>
+          <a:schemeClr val="accent2"/>
+        </a:solidFill>
+        <a:ln w="25400" cap="flat" cmpd="sng" algn="ctr">
+          <a:solidFill>
+            <a:schemeClr val="accent2">
+              <a:shade val="50000"/>
+            </a:schemeClr>
+          </a:solidFill>
+          <a:prstDash val="solid"/>
+        </a:ln>
+        <a:effectLst/>
+      </dsp:spPr>
+      <dsp:style>
+        <a:lnRef idx="2">
+          <a:schemeClr val="accent2">
+            <a:shade val="50000"/>
+          </a:schemeClr>
+        </a:lnRef>
+        <a:fillRef idx="1">
+          <a:schemeClr val="accent2"/>
+        </a:fillRef>
+        <a:effectRef idx="0">
+          <a:schemeClr val="accent2"/>
+        </a:effectRef>
+        <a:fontRef idx="minor">
+          <a:schemeClr val="lt1"/>
+        </a:fontRef>
+      </dsp:style>
+      <dsp:txBody>
+        <a:bodyPr spcFirstLastPara="0" vert="horz" wrap="square" lIns="22860" tIns="22860" rIns="22860" bIns="22860" numCol="1" spcCol="1270" anchor="ctr" anchorCtr="0">
+          <a:noAutofit/>
+        </a:bodyPr>
+        <a:lstStyle/>
+        <a:p>
+          <a:pPr lvl="0" algn="ctr" defTabSz="800100">
+            <a:lnSpc>
+              <a:spcPct val="90000"/>
+            </a:lnSpc>
+            <a:spcBef>
+              <a:spcPct val="0"/>
+            </a:spcBef>
+            <a:spcAft>
+              <a:spcPct val="35000"/>
+            </a:spcAft>
+          </a:pPr>
+          <a:r>
+            <a:rPr lang="en-US" sz="1800" b="0" kern="1200" dirty="0" smtClean="0"/>
+            <a:t>Test</a:t>
+          </a:r>
+          <a:endParaRPr lang="ru-RU" sz="1800" b="0" kern="1200" dirty="0"/>
+        </a:p>
+      </dsp:txBody>
+      <dsp:txXfrm>
+        <a:off x="4566412" y="1894545"/>
+        <a:ext cx="1107451" cy="1107451"/>
+      </dsp:txXfrm>
+    </dsp:sp>
+    <dsp:sp modelId="{7815476A-849A-446F-8EB7-4348A1D65EFF}">
+      <dsp:nvSpPr>
+        <dsp:cNvPr id="0" name=""/>
+        <dsp:cNvSpPr/>
+      </dsp:nvSpPr>
+      <dsp:spPr>
+        <a:xfrm rot="8100000">
+          <a:off x="4088122" y="3007513"/>
+          <a:ext cx="416967" cy="528583"/>
+        </a:xfrm>
+        <a:prstGeom prst="rightArrow">
+          <a:avLst>
+            <a:gd name="adj1" fmla="val 60000"/>
+            <a:gd name="adj2" fmla="val 50000"/>
+          </a:avLst>
+        </a:prstGeom>
+        <a:solidFill>
+          <a:schemeClr val="accent6">
+            <a:tint val="60000"/>
+            <a:hueOff val="0"/>
+            <a:satOff val="0"/>
+            <a:lumOff val="0"/>
+            <a:alphaOff val="0"/>
+          </a:schemeClr>
+        </a:solidFill>
+        <a:ln>
+          <a:noFill/>
+        </a:ln>
+        <a:effectLst/>
+      </dsp:spPr>
+      <dsp:style>
+        <a:lnRef idx="0">
+          <a:scrgbClr r="0" g="0" b="0"/>
+        </a:lnRef>
+        <a:fillRef idx="1">
+          <a:scrgbClr r="0" g="0" b="0"/>
+        </a:fillRef>
+        <a:effectRef idx="0">
+          <a:scrgbClr r="0" g="0" b="0"/>
+        </a:effectRef>
+        <a:fontRef idx="minor">
+          <a:schemeClr val="lt1"/>
+        </a:fontRef>
+      </dsp:style>
+      <dsp:txBody>
+        <a:bodyPr spcFirstLastPara="0" vert="horz" wrap="square" lIns="0" tIns="0" rIns="0" bIns="0" numCol="1" spcCol="1270" anchor="ctr" anchorCtr="0">
+          <a:noAutofit/>
+        </a:bodyPr>
+        <a:lstStyle/>
+        <a:p>
+          <a:pPr lvl="0" algn="ctr" defTabSz="622300">
+            <a:lnSpc>
+              <a:spcPct val="90000"/>
+            </a:lnSpc>
+            <a:spcBef>
+              <a:spcPct val="0"/>
+            </a:spcBef>
+            <a:spcAft>
+              <a:spcPct val="35000"/>
+            </a:spcAft>
+          </a:pPr>
+          <a:endParaRPr lang="ru-RU" sz="1400" kern="1200"/>
+        </a:p>
+      </dsp:txBody>
+      <dsp:txXfrm rot="10800000">
+        <a:off x="4194893" y="3069004"/>
+        <a:ext cx="291877" cy="317149"/>
+      </dsp:txXfrm>
+    </dsp:sp>
+    <dsp:sp modelId="{573D47CC-AE97-4FAA-8E6A-826D90755EB4}">
+      <dsp:nvSpPr>
+        <dsp:cNvPr id="0" name=""/>
+        <dsp:cNvSpPr/>
+      </dsp:nvSpPr>
+      <dsp:spPr>
+        <a:xfrm>
+          <a:off x="2673297" y="3328939"/>
+          <a:ext cx="1566173" cy="1566173"/>
+        </a:xfrm>
+        <a:prstGeom prst="ellipse">
+          <a:avLst/>
+        </a:prstGeom>
+        <a:solidFill>
+          <a:schemeClr val="lt1">
+            <a:hueOff val="0"/>
+            <a:satOff val="0"/>
+            <a:lumOff val="0"/>
+            <a:alphaOff val="0"/>
+          </a:schemeClr>
+        </a:solidFill>
+        <a:ln w="25400" cap="flat" cmpd="sng" algn="ctr">
+          <a:solidFill>
+            <a:schemeClr val="accent6">
+              <a:shade val="80000"/>
+              <a:hueOff val="0"/>
+              <a:satOff val="0"/>
+              <a:lumOff val="0"/>
+              <a:alphaOff val="0"/>
+            </a:schemeClr>
+          </a:solidFill>
+          <a:prstDash val="solid"/>
+        </a:ln>
+        <a:effectLst/>
+      </dsp:spPr>
+      <dsp:style>
+        <a:lnRef idx="2">
+          <a:scrgbClr r="0" g="0" b="0"/>
+        </a:lnRef>
+        <a:fillRef idx="1">
+          <a:scrgbClr r="0" g="0" b="0"/>
+        </a:fillRef>
+        <a:effectRef idx="0">
+          <a:scrgbClr r="0" g="0" b="0"/>
+        </a:effectRef>
+        <a:fontRef idx="minor">
+          <a:schemeClr val="lt1"/>
+        </a:fontRef>
+      </dsp:style>
+      <dsp:txBody>
+        <a:bodyPr spcFirstLastPara="0" vert="horz" wrap="square" lIns="22860" tIns="22860" rIns="22860" bIns="22860" numCol="1" spcCol="1270" anchor="ctr" anchorCtr="0">
+          <a:noAutofit/>
+        </a:bodyPr>
+        <a:lstStyle/>
+        <a:p>
+          <a:pPr lvl="0" algn="ctr" defTabSz="800100">
+            <a:lnSpc>
+              <a:spcPct val="90000"/>
+            </a:lnSpc>
+            <a:spcBef>
+              <a:spcPct val="0"/>
+            </a:spcBef>
+            <a:spcAft>
+              <a:spcPct val="35000"/>
+            </a:spcAft>
+          </a:pPr>
+          <a:r>
+            <a:rPr lang="en-US" sz="1800" b="0" kern="1200" dirty="0" smtClean="0"/>
+            <a:t>Implement</a:t>
+          </a:r>
+          <a:endParaRPr lang="ru-RU" sz="1800" b="0" kern="1200" dirty="0"/>
+        </a:p>
+      </dsp:txBody>
+      <dsp:txXfrm>
+        <a:off x="2902658" y="3558300"/>
+        <a:ext cx="1107451" cy="1107451"/>
+      </dsp:txXfrm>
+    </dsp:sp>
+    <dsp:sp modelId="{C53B6C48-0F28-4C30-8317-F4779C05F5E1}">
+      <dsp:nvSpPr>
+        <dsp:cNvPr id="0" name=""/>
+        <dsp:cNvSpPr/>
+      </dsp:nvSpPr>
+      <dsp:spPr>
+        <a:xfrm rot="13500000">
+          <a:off x="2424367" y="3024202"/>
+          <a:ext cx="416967" cy="528583"/>
+        </a:xfrm>
+        <a:prstGeom prst="rightArrow">
+          <a:avLst>
+            <a:gd name="adj1" fmla="val 60000"/>
+            <a:gd name="adj2" fmla="val 50000"/>
+          </a:avLst>
+        </a:prstGeom>
+        <a:solidFill>
+          <a:schemeClr val="accent6">
+            <a:tint val="60000"/>
+            <a:hueOff val="0"/>
+            <a:satOff val="0"/>
+            <a:lumOff val="0"/>
+            <a:alphaOff val="0"/>
+          </a:schemeClr>
+        </a:solidFill>
+        <a:ln>
+          <a:noFill/>
+        </a:ln>
+        <a:effectLst/>
+      </dsp:spPr>
+      <dsp:style>
+        <a:lnRef idx="0">
+          <a:scrgbClr r="0" g="0" b="0"/>
+        </a:lnRef>
+        <a:fillRef idx="1">
+          <a:scrgbClr r="0" g="0" b="0"/>
+        </a:fillRef>
+        <a:effectRef idx="0">
+          <a:scrgbClr r="0" g="0" b="0"/>
+        </a:effectRef>
+        <a:fontRef idx="minor">
+          <a:schemeClr val="lt1"/>
+        </a:fontRef>
+      </dsp:style>
+      <dsp:txBody>
+        <a:bodyPr spcFirstLastPara="0" vert="horz" wrap="square" lIns="0" tIns="0" rIns="0" bIns="0" numCol="1" spcCol="1270" anchor="ctr" anchorCtr="0">
+          <a:noAutofit/>
+        </a:bodyPr>
+        <a:lstStyle/>
+        <a:p>
+          <a:pPr lvl="0" algn="ctr" defTabSz="622300">
+            <a:lnSpc>
+              <a:spcPct val="90000"/>
+            </a:lnSpc>
+            <a:spcBef>
+              <a:spcPct val="0"/>
+            </a:spcBef>
+            <a:spcAft>
+              <a:spcPct val="35000"/>
+            </a:spcAft>
+          </a:pPr>
+          <a:endParaRPr lang="ru-RU" sz="1400" kern="1200"/>
+        </a:p>
+      </dsp:txBody>
+      <dsp:txXfrm rot="10800000">
+        <a:off x="2531138" y="3174145"/>
+        <a:ext cx="291877" cy="317149"/>
+      </dsp:txXfrm>
+    </dsp:sp>
+    <dsp:sp modelId="{11B4CBC4-AE1C-4904-826E-3BD4011B5EF6}">
+      <dsp:nvSpPr>
+        <dsp:cNvPr id="0" name=""/>
+        <dsp:cNvSpPr/>
+      </dsp:nvSpPr>
+      <dsp:spPr>
+        <a:xfrm>
+          <a:off x="1009542" y="1665185"/>
+          <a:ext cx="1566173" cy="1566173"/>
+        </a:xfrm>
+        <a:prstGeom prst="ellipse">
+          <a:avLst/>
+        </a:prstGeom>
+        <a:solidFill>
+          <a:schemeClr val="accent3"/>
+        </a:solidFill>
+        <a:ln w="25400" cap="flat" cmpd="sng" algn="ctr">
+          <a:solidFill>
+            <a:schemeClr val="accent3">
+              <a:shade val="50000"/>
+            </a:schemeClr>
+          </a:solidFill>
+          <a:prstDash val="solid"/>
+        </a:ln>
+        <a:effectLst/>
+      </dsp:spPr>
+      <dsp:style>
+        <a:lnRef idx="2">
+          <a:schemeClr val="accent3">
+            <a:shade val="50000"/>
+          </a:schemeClr>
+        </a:lnRef>
+        <a:fillRef idx="1">
+          <a:schemeClr val="accent3"/>
+        </a:fillRef>
+        <a:effectRef idx="0">
+          <a:schemeClr val="accent3"/>
+        </a:effectRef>
+        <a:fontRef idx="minor">
+          <a:schemeClr val="lt1"/>
+        </a:fontRef>
+      </dsp:style>
+      <dsp:txBody>
+        <a:bodyPr spcFirstLastPara="0" vert="horz" wrap="square" lIns="22860" tIns="22860" rIns="22860" bIns="22860" numCol="1" spcCol="1270" anchor="ctr" anchorCtr="0">
+          <a:noAutofit/>
+        </a:bodyPr>
+        <a:lstStyle/>
+        <a:p>
+          <a:pPr lvl="0" algn="ctr" defTabSz="800100">
+            <a:lnSpc>
+              <a:spcPct val="90000"/>
+            </a:lnSpc>
+            <a:spcBef>
+              <a:spcPct val="0"/>
+            </a:spcBef>
+            <a:spcAft>
+              <a:spcPct val="35000"/>
+            </a:spcAft>
+          </a:pPr>
+          <a:r>
+            <a:rPr lang="en-US" sz="1800" b="0" kern="1200" dirty="0" smtClean="0"/>
+            <a:t>Test</a:t>
+          </a:r>
+          <a:endParaRPr lang="ru-RU" sz="1800" b="0" kern="1200" dirty="0"/>
+        </a:p>
+      </dsp:txBody>
+      <dsp:txXfrm>
+        <a:off x="1238903" y="1894546"/>
+        <a:ext cx="1107451" cy="1107451"/>
+      </dsp:txXfrm>
+    </dsp:sp>
+    <dsp:sp modelId="{78BA696A-C46C-41C3-8979-C51CF44A04E2}">
+      <dsp:nvSpPr>
+        <dsp:cNvPr id="0" name=""/>
+        <dsp:cNvSpPr/>
+      </dsp:nvSpPr>
+      <dsp:spPr>
+        <a:xfrm rot="18900000">
+          <a:off x="2407678" y="1360447"/>
+          <a:ext cx="416967" cy="528583"/>
+        </a:xfrm>
+        <a:prstGeom prst="rightArrow">
+          <a:avLst>
+            <a:gd name="adj1" fmla="val 60000"/>
+            <a:gd name="adj2" fmla="val 50000"/>
+          </a:avLst>
+        </a:prstGeom>
+        <a:solidFill>
+          <a:schemeClr val="accent6">
+            <a:tint val="60000"/>
+            <a:hueOff val="0"/>
+            <a:satOff val="0"/>
+            <a:lumOff val="0"/>
+            <a:alphaOff val="0"/>
+          </a:schemeClr>
+        </a:solidFill>
+        <a:ln>
+          <a:noFill/>
+        </a:ln>
+        <a:effectLst/>
+      </dsp:spPr>
+      <dsp:style>
+        <a:lnRef idx="0">
+          <a:scrgbClr r="0" g="0" b="0"/>
+        </a:lnRef>
+        <a:fillRef idx="1">
+          <a:scrgbClr r="0" g="0" b="0"/>
+        </a:fillRef>
+        <a:effectRef idx="0">
+          <a:scrgbClr r="0" g="0" b="0"/>
+        </a:effectRef>
+        <a:fontRef idx="minor">
+          <a:schemeClr val="lt1"/>
+        </a:fontRef>
+      </dsp:style>
+      <dsp:txBody>
+        <a:bodyPr spcFirstLastPara="0" vert="horz" wrap="square" lIns="0" tIns="0" rIns="0" bIns="0" numCol="1" spcCol="1270" anchor="ctr" anchorCtr="0">
+          <a:noAutofit/>
+        </a:bodyPr>
+        <a:lstStyle/>
+        <a:p>
+          <a:pPr lvl="0" algn="ctr" defTabSz="622300">
+            <a:lnSpc>
+              <a:spcPct val="90000"/>
+            </a:lnSpc>
+            <a:spcBef>
+              <a:spcPct val="0"/>
+            </a:spcBef>
+            <a:spcAft>
+              <a:spcPct val="35000"/>
+            </a:spcAft>
+          </a:pPr>
+          <a:endParaRPr lang="ru-RU" sz="1400" kern="1200"/>
+        </a:p>
+      </dsp:txBody>
+      <dsp:txXfrm>
+        <a:off x="2425997" y="1510390"/>
+        <a:ext cx="291877" cy="317149"/>
+      </dsp:txXfrm>
+    </dsp:sp>
   </dsp:spTree>
 </dsp:drawing>
 </file>
@@ -10663,11 +11393,7 @@
           <a:p>
             <a:r>
               <a:rPr lang="ru-RU" dirty="0" smtClean="0"/>
-              <a:t>Эй</a:t>
-            </a:r>
-            <a:r>
-              <a:rPr lang="ru-RU" dirty="0" smtClean="0"/>
-              <a:t>, парень, это точно работает?</a:t>
+              <a:t>Эй, парень, это точно работает?</a:t>
             </a:r>
           </a:p>
           <a:p>
@@ -11624,8 +12350,8 @@
         </p:nvSpPr>
         <p:spPr>
           <a:xfrm>
-            <a:off x="4353272" y="5085184"/>
-            <a:ext cx="4788024" cy="1774024"/>
+            <a:off x="2411760" y="5445224"/>
+            <a:ext cx="6729536" cy="1413984"/>
           </a:xfrm>
           <a:prstGeom prst="rect">
             <a:avLst/>
@@ -14753,7 +15479,23 @@
             </a:r>
             <a:r>
               <a:rPr lang="ru-RU" dirty="0" smtClean="0"/>
-              <a:t> тестов из прошлого задания. Цели:</a:t>
+              <a:t> </a:t>
+            </a:r>
+            <a:r>
+              <a:rPr lang="ru-RU" dirty="0" smtClean="0"/>
+              <a:t>тестов в проекте </a:t>
+            </a:r>
+            <a:r>
+              <a:rPr lang="en-US" dirty="0" smtClean="0"/>
+              <a:t>Patterns/Exercise</a:t>
+            </a:r>
+            <a:r>
+              <a:rPr lang="ru-RU" dirty="0" smtClean="0"/>
+              <a:t>. </a:t>
+            </a:r>
+            <a:r>
+              <a:rPr lang="ru-RU" dirty="0" smtClean="0"/>
+              <a:t>Цели:</a:t>
             </a:r>
             <a:endParaRPr lang="ru-RU" dirty="0"/>
           </a:p>
@@ -16413,7 +17155,7 @@
           <a:graphicData uri="http://schemas.openxmlformats.org/presentationml/2006/ole">
             <mc:AlternateContent xmlns:mc="http://schemas.openxmlformats.org/markup-compatibility/2006">
               <mc:Choice xmlns:v="urn:schemas-microsoft-com:vml" Requires="v">
-                <p:oleObj spid="_x0000_s1049" name="VISIO" r:id="rId4" imgW="2544803" imgH="251238" progId="Visio.Drawing.5">
+                <p:oleObj spid="_x0000_s1051" name="VISIO" r:id="rId4" imgW="2544803" imgH="251238" progId="Visio.Drawing.5">
                   <p:embed/>
                 </p:oleObj>
               </mc:Choice>

--- a/day1.pptx
+++ b/day1.pptx
@@ -5,7 +5,7 @@
     <p:sldMasterId id="2147483780" r:id="rId1"/>
   </p:sldMasterIdLst>
   <p:notesMasterIdLst>
-    <p:notesMasterId r:id="rId46"/>
+    <p:notesMasterId r:id="rId44"/>
   </p:notesMasterIdLst>
   <p:sldIdLst>
     <p:sldId id="256" r:id="rId2"/>
@@ -19,39 +19,37 @@
     <p:sldId id="346" r:id="rId10"/>
     <p:sldId id="345" r:id="rId11"/>
     <p:sldId id="355" r:id="rId12"/>
-    <p:sldId id="332" r:id="rId13"/>
-    <p:sldId id="330" r:id="rId14"/>
-    <p:sldId id="333" r:id="rId15"/>
-    <p:sldId id="342" r:id="rId16"/>
-    <p:sldId id="351" r:id="rId17"/>
-    <p:sldId id="343" r:id="rId18"/>
-    <p:sldId id="334" r:id="rId19"/>
-    <p:sldId id="307" r:id="rId20"/>
-    <p:sldId id="335" r:id="rId21"/>
-    <p:sldId id="344" r:id="rId22"/>
-    <p:sldId id="336" r:id="rId23"/>
-    <p:sldId id="337" r:id="rId24"/>
-    <p:sldId id="300" r:id="rId25"/>
-    <p:sldId id="339" r:id="rId26"/>
-    <p:sldId id="338" r:id="rId27"/>
-    <p:sldId id="349" r:id="rId28"/>
-    <p:sldId id="308" r:id="rId29"/>
-    <p:sldId id="304" r:id="rId30"/>
-    <p:sldId id="309" r:id="rId31"/>
-    <p:sldId id="310" r:id="rId32"/>
-    <p:sldId id="318" r:id="rId33"/>
-    <p:sldId id="299" r:id="rId34"/>
-    <p:sldId id="268" r:id="rId35"/>
-    <p:sldId id="316" r:id="rId36"/>
-    <p:sldId id="350" r:id="rId37"/>
-    <p:sldId id="320" r:id="rId38"/>
-    <p:sldId id="261" r:id="rId39"/>
-    <p:sldId id="295" r:id="rId40"/>
-    <p:sldId id="352" r:id="rId41"/>
-    <p:sldId id="317" r:id="rId42"/>
-    <p:sldId id="321" r:id="rId43"/>
-    <p:sldId id="322" r:id="rId44"/>
-    <p:sldId id="354" r:id="rId45"/>
+    <p:sldId id="330" r:id="rId13"/>
+    <p:sldId id="333" r:id="rId14"/>
+    <p:sldId id="342" r:id="rId15"/>
+    <p:sldId id="334" r:id="rId16"/>
+    <p:sldId id="307" r:id="rId17"/>
+    <p:sldId id="335" r:id="rId18"/>
+    <p:sldId id="344" r:id="rId19"/>
+    <p:sldId id="336" r:id="rId20"/>
+    <p:sldId id="337" r:id="rId21"/>
+    <p:sldId id="300" r:id="rId22"/>
+    <p:sldId id="339" r:id="rId23"/>
+    <p:sldId id="338" r:id="rId24"/>
+    <p:sldId id="349" r:id="rId25"/>
+    <p:sldId id="308" r:id="rId26"/>
+    <p:sldId id="304" r:id="rId27"/>
+    <p:sldId id="309" r:id="rId28"/>
+    <p:sldId id="310" r:id="rId29"/>
+    <p:sldId id="318" r:id="rId30"/>
+    <p:sldId id="356" r:id="rId31"/>
+    <p:sldId id="299" r:id="rId32"/>
+    <p:sldId id="268" r:id="rId33"/>
+    <p:sldId id="316" r:id="rId34"/>
+    <p:sldId id="350" r:id="rId35"/>
+    <p:sldId id="320" r:id="rId36"/>
+    <p:sldId id="261" r:id="rId37"/>
+    <p:sldId id="295" r:id="rId38"/>
+    <p:sldId id="352" r:id="rId39"/>
+    <p:sldId id="317" r:id="rId40"/>
+    <p:sldId id="321" r:id="rId41"/>
+    <p:sldId id="322" r:id="rId42"/>
+    <p:sldId id="354" r:id="rId43"/>
   </p:sldIdLst>
   <p:sldSz cx="9144000" cy="6858000" type="screen4x3"/>
   <p:notesSz cx="6858000" cy="9144000"/>
@@ -6300,7 +6298,7 @@
           <a:p>
             <a:fld id="{16E5F246-0B7D-44DF-8C1B-EDFCA5DA626A}" type="datetimeFigureOut">
               <a:rPr lang="ru-RU" smtClean="0"/>
-              <a:t>23.07.2015</a:t>
+              <a:t>19.08.2015</a:t>
             </a:fld>
             <a:endParaRPr lang="ru-RU"/>
           </a:p>
@@ -6977,7 +6975,7 @@
           <a:p>
             <a:fld id="{3BAECB10-9972-4830-A584-02C41DAFD45B}" type="slidenum">
               <a:rPr lang="ru-RU" smtClean="0"/>
-              <a:t>23</a:t>
+              <a:t>20</a:t>
             </a:fld>
             <a:endParaRPr lang="ru-RU"/>
           </a:p>
@@ -7081,7 +7079,7 @@
           <a:p>
             <a:fld id="{3BAECB10-9972-4830-A584-02C41DAFD45B}" type="slidenum">
               <a:rPr lang="ru-RU" smtClean="0"/>
-              <a:t>24</a:t>
+              <a:t>21</a:t>
             </a:fld>
             <a:endParaRPr lang="ru-RU"/>
           </a:p>
@@ -7237,7 +7235,7 @@
                 <a:latin typeface="Arial" panose="020B0604020202020204" pitchFamily="34" charset="0"/>
               </a:rPr>
               <a:pPr eaLnBrk="1" hangingPunct="1"/>
-              <a:t>42</a:t>
+              <a:t>40</a:t>
             </a:fld>
             <a:endParaRPr lang="en-US" altLang="ru-RU">
               <a:latin typeface="Arial" panose="020B0604020202020204" pitchFamily="34" charset="0"/>
@@ -7433,7 +7431,7 @@
                 <a:latin typeface="Arial" panose="020B0604020202020204" pitchFamily="34" charset="0"/>
               </a:rPr>
               <a:pPr eaLnBrk="1" hangingPunct="1"/>
-              <a:t>43</a:t>
+              <a:t>41</a:t>
             </a:fld>
             <a:endParaRPr lang="en-US" altLang="ru-RU">
               <a:latin typeface="Arial" panose="020B0604020202020204" pitchFamily="34" charset="0"/>
@@ -7673,7 +7671,7 @@
           <a:p>
             <a:fld id="{ED7A5A9E-355E-4F5A-82F5-195339D13266}" type="datetimeFigureOut">
               <a:rPr lang="ru-RU" smtClean="0"/>
-              <a:t>23.07.2015</a:t>
+              <a:t>19.08.2015</a:t>
             </a:fld>
             <a:endParaRPr lang="ru-RU"/>
           </a:p>
@@ -7843,7 +7841,7 @@
           <a:p>
             <a:fld id="{ED7A5A9E-355E-4F5A-82F5-195339D13266}" type="datetimeFigureOut">
               <a:rPr lang="ru-RU" smtClean="0"/>
-              <a:t>23.07.2015</a:t>
+              <a:t>19.08.2015</a:t>
             </a:fld>
             <a:endParaRPr lang="ru-RU"/>
           </a:p>
@@ -8023,7 +8021,7 @@
           <a:p>
             <a:fld id="{ED7A5A9E-355E-4F5A-82F5-195339D13266}" type="datetimeFigureOut">
               <a:rPr lang="ru-RU" smtClean="0"/>
-              <a:t>23.07.2015</a:t>
+              <a:t>19.08.2015</a:t>
             </a:fld>
             <a:endParaRPr lang="ru-RU"/>
           </a:p>
@@ -8193,7 +8191,7 @@
           <a:p>
             <a:fld id="{ED7A5A9E-355E-4F5A-82F5-195339D13266}" type="datetimeFigureOut">
               <a:rPr lang="ru-RU" smtClean="0"/>
-              <a:t>23.07.2015</a:t>
+              <a:t>19.08.2015</a:t>
             </a:fld>
             <a:endParaRPr lang="ru-RU"/>
           </a:p>
@@ -8439,7 +8437,7 @@
           <a:p>
             <a:fld id="{ED7A5A9E-355E-4F5A-82F5-195339D13266}" type="datetimeFigureOut">
               <a:rPr lang="ru-RU" smtClean="0"/>
-              <a:t>23.07.2015</a:t>
+              <a:t>19.08.2015</a:t>
             </a:fld>
             <a:endParaRPr lang="ru-RU"/>
           </a:p>
@@ -8727,7 +8725,7 @@
           <a:p>
             <a:fld id="{ED7A5A9E-355E-4F5A-82F5-195339D13266}" type="datetimeFigureOut">
               <a:rPr lang="ru-RU" smtClean="0"/>
-              <a:t>23.07.2015</a:t>
+              <a:t>19.08.2015</a:t>
             </a:fld>
             <a:endParaRPr lang="ru-RU"/>
           </a:p>
@@ -9149,7 +9147,7 @@
           <a:p>
             <a:fld id="{ED7A5A9E-355E-4F5A-82F5-195339D13266}" type="datetimeFigureOut">
               <a:rPr lang="ru-RU" smtClean="0"/>
-              <a:t>23.07.2015</a:t>
+              <a:t>19.08.2015</a:t>
             </a:fld>
             <a:endParaRPr lang="ru-RU"/>
           </a:p>
@@ -9267,7 +9265,7 @@
           <a:p>
             <a:fld id="{ED7A5A9E-355E-4F5A-82F5-195339D13266}" type="datetimeFigureOut">
               <a:rPr lang="ru-RU" smtClean="0"/>
-              <a:t>23.07.2015</a:t>
+              <a:t>19.08.2015</a:t>
             </a:fld>
             <a:endParaRPr lang="ru-RU"/>
           </a:p>
@@ -9362,7 +9360,7 @@
           <a:p>
             <a:fld id="{ED7A5A9E-355E-4F5A-82F5-195339D13266}" type="datetimeFigureOut">
               <a:rPr lang="ru-RU" smtClean="0"/>
-              <a:t>23.07.2015</a:t>
+              <a:t>19.08.2015</a:t>
             </a:fld>
             <a:endParaRPr lang="ru-RU"/>
           </a:p>
@@ -9639,7 +9637,7 @@
           <a:p>
             <a:fld id="{ED7A5A9E-355E-4F5A-82F5-195339D13266}" type="datetimeFigureOut">
               <a:rPr lang="ru-RU" smtClean="0"/>
-              <a:t>23.07.2015</a:t>
+              <a:t>19.08.2015</a:t>
             </a:fld>
             <a:endParaRPr lang="ru-RU"/>
           </a:p>
@@ -9892,7 +9890,7 @@
           <a:p>
             <a:fld id="{ED7A5A9E-355E-4F5A-82F5-195339D13266}" type="datetimeFigureOut">
               <a:rPr lang="ru-RU" smtClean="0"/>
-              <a:t>23.07.2015</a:t>
+              <a:t>19.08.2015</a:t>
             </a:fld>
             <a:endParaRPr lang="ru-RU"/>
           </a:p>
@@ -10105,7 +10103,7 @@
           <a:p>
             <a:fld id="{ED7A5A9E-355E-4F5A-82F5-195339D13266}" type="datetimeFigureOut">
               <a:rPr lang="ru-RU" smtClean="0"/>
-              <a:t>23.07.2015</a:t>
+              <a:t>19.08.2015</a:t>
             </a:fld>
             <a:endParaRPr lang="ru-RU"/>
           </a:p>
@@ -10783,14 +10781,12 @@
         </p:nvSpPr>
         <p:spPr/>
         <p:txBody>
-          <a:bodyPr>
-            <a:normAutofit fontScale="90000"/>
-          </a:bodyPr>
+          <a:bodyPr/>
           <a:lstStyle/>
           <a:p>
             <a:r>
-              <a:rPr lang="ru-RU" dirty="0" smtClean="0"/>
-              <a:t>Мотивационные проблемы</a:t>
+              <a:rPr lang="en-US" dirty="0" smtClean="0"/>
+              <a:t>TDD</a:t>
             </a:r>
             <a:endParaRPr lang="ru-RU" dirty="0"/>
           </a:p>
@@ -10811,27 +10807,117 @@
           <a:bodyPr/>
           <a:lstStyle/>
           <a:p>
-            <a:r>
-              <a:rPr lang="ru-RU" dirty="0"/>
-              <a:t>Все равно тестировщицы всё проверят</a:t>
-            </a:r>
-          </a:p>
-          <a:p>
-            <a:r>
-              <a:rPr lang="ru-RU" dirty="0"/>
-              <a:t>Я все и так без тестов </a:t>
-            </a:r>
+            <a:pPr marL="0" indent="0">
+              <a:buNone/>
+            </a:pPr>
             <a:r>
               <a:rPr lang="ru-RU" dirty="0" smtClean="0"/>
-              <a:t>проверю</a:t>
-            </a:r>
+              <a:t>+30% время разработки</a:t>
+            </a:r>
+            <a:br>
+              <a:rPr lang="ru-RU" dirty="0" smtClean="0"/>
+            </a:br>
+            <a:r>
+              <a:rPr lang="ru-RU" dirty="0" smtClean="0"/>
+              <a:t>–70</a:t>
+            </a:r>
+            <a:r>
+              <a:rPr lang="en-US" dirty="0" smtClean="0"/>
+              <a:t>% </a:t>
+            </a:r>
+            <a:r>
+              <a:rPr lang="ru-RU" dirty="0" smtClean="0"/>
+              <a:t>багов</a:t>
+            </a:r>
+            <a:endParaRPr lang="ru-RU" dirty="0"/>
+          </a:p>
+          <a:p>
+            <a:pPr marL="0" indent="0">
+              <a:buNone/>
+            </a:pPr>
+            <a:r>
+              <a:rPr lang="ru-RU" dirty="0" smtClean="0"/>
+              <a:t>+ ощущение блага у девелоперов</a:t>
+            </a:r>
+          </a:p>
+          <a:p>
+            <a:pPr marL="0" indent="0">
+              <a:buNone/>
+            </a:pPr>
+            <a:endParaRPr lang="ru-RU" sz="1800" dirty="0" smtClean="0">
+              <a:hlinkClick r:id="rId2"/>
+            </a:endParaRPr>
+          </a:p>
+          <a:p>
+            <a:pPr marL="0" indent="0">
+              <a:buNone/>
+            </a:pPr>
+            <a:endParaRPr lang="ru-RU" sz="1800" dirty="0" smtClean="0">
+              <a:hlinkClick r:id="rId2"/>
+            </a:endParaRPr>
+          </a:p>
+          <a:p>
+            <a:pPr marL="0" indent="0">
+              <a:buNone/>
+            </a:pPr>
+            <a:endParaRPr lang="ru-RU" sz="1800" dirty="0" smtClean="0">
+              <a:hlinkClick r:id="rId2"/>
+            </a:endParaRPr>
+          </a:p>
+          <a:p>
+            <a:pPr marL="0" indent="0">
+              <a:buNone/>
+            </a:pPr>
+            <a:r>
+              <a:rPr lang="en-US" sz="1800" dirty="0" smtClean="0">
+                <a:hlinkClick r:id="rId2"/>
+              </a:rPr>
+              <a:t>http</a:t>
+            </a:r>
+            <a:r>
+              <a:rPr lang="en-US" sz="1800" dirty="0">
+                <a:hlinkClick r:id="rId2"/>
+              </a:rPr>
+              <a:t>://collaboration.csc.ncsu.edu/laurie/Papers/Unit_testing_cameraReady.pdf</a:t>
+            </a:r>
+            <a:endParaRPr lang="ru-RU" sz="1800" dirty="0"/>
+          </a:p>
+          <a:p>
+            <a:pPr marL="0" indent="0">
+              <a:buNone/>
+            </a:pPr>
+            <a:r>
+              <a:rPr lang="en-US" sz="1800" dirty="0" smtClean="0">
+                <a:hlinkClick r:id="rId3"/>
+              </a:rPr>
+              <a:t>http</a:t>
+            </a:r>
+            <a:r>
+              <a:rPr lang="en-US" sz="1800" dirty="0">
+                <a:hlinkClick r:id="rId3"/>
+              </a:rPr>
+              <a:t>://</a:t>
+            </a:r>
+            <a:r>
+              <a:rPr lang="en-US" sz="1800" dirty="0" smtClean="0">
+                <a:hlinkClick r:id="rId3"/>
+              </a:rPr>
+              <a:t>www.msr-waypoint.net/en-us/groups/ese/nagappan_tdd.pdf</a:t>
+            </a:r>
+            <a:endParaRPr lang="ru-RU" sz="1800" dirty="0" smtClean="0"/>
+          </a:p>
+          <a:p>
+            <a:pPr marL="0" indent="0">
+              <a:buNone/>
+            </a:pPr>
+            <a:endParaRPr lang="en-US" dirty="0" smtClean="0"/>
           </a:p>
         </p:txBody>
       </p:sp>
     </p:spTree>
     <p:extLst>
       <p:ext uri="{BB962C8B-B14F-4D97-AF65-F5344CB8AC3E}">
-        <p14:creationId xmlns:p14="http://schemas.microsoft.com/office/powerpoint/2010/main" val="560854905"/>
+        <p14:creationId xmlns:p14="http://schemas.microsoft.com/office/powerpoint/2010/main" val="1210447163"/>
       </p:ext>
     </p:extLst>
   </p:cSld>
@@ -10877,12 +10963,14 @@
         </p:nvSpPr>
         <p:spPr/>
         <p:txBody>
-          <a:bodyPr/>
+          <a:bodyPr>
+            <a:normAutofit/>
+          </a:bodyPr>
           <a:lstStyle/>
           <a:p>
             <a:r>
-              <a:rPr lang="en-US" dirty="0" smtClean="0"/>
-              <a:t>TDD</a:t>
+              <a:rPr lang="ru-RU" dirty="0" smtClean="0"/>
+              <a:t>Некогда писать тесты</a:t>
             </a:r>
             <a:endParaRPr lang="ru-RU" dirty="0"/>
           </a:p>
@@ -10908,23 +10996,40 @@
             </a:pPr>
             <a:r>
               <a:rPr lang="ru-RU" dirty="0" smtClean="0"/>
-              <a:t>+30% время разработки</a:t>
-            </a:r>
-            <a:br>
+              <a:t>Что нужно менеджменту?</a:t>
+            </a:r>
+          </a:p>
+          <a:p>
+            <a:pPr marL="514350" indent="-514350">
+              <a:buAutoNum type="arabicPeriod"/>
+            </a:pPr>
+            <a:r>
               <a:rPr lang="ru-RU" dirty="0" smtClean="0"/>
-            </a:br>
+              <a:t>Предсказуемость по времени</a:t>
+            </a:r>
+          </a:p>
+          <a:p>
+            <a:pPr marL="514350" indent="-514350">
+              <a:buAutoNum type="arabicPeriod"/>
+            </a:pPr>
             <a:r>
               <a:rPr lang="ru-RU" dirty="0" smtClean="0"/>
-              <a:t>–70</a:t>
-            </a:r>
-            <a:r>
-              <a:rPr lang="en-US" dirty="0" smtClean="0"/>
-              <a:t>% </a:t>
-            </a:r>
+              <a:t>Качество</a:t>
+            </a:r>
+          </a:p>
+          <a:p>
+            <a:pPr marL="514350" indent="-514350">
+              <a:buAutoNum type="arabicPeriod"/>
+            </a:pPr>
             <a:r>
               <a:rPr lang="ru-RU" dirty="0" smtClean="0"/>
-              <a:t>багов</a:t>
-            </a:r>
+              <a:t>Скорость разработки менее важна</a:t>
+            </a:r>
+          </a:p>
+          <a:p>
+            <a:pPr marL="514350" indent="-514350">
+              <a:buAutoNum type="arabicPeriod"/>
+            </a:pPr>
             <a:endParaRPr lang="ru-RU" dirty="0"/>
           </a:p>
           <a:p>
@@ -10933,172 +11038,8 @@
             </a:pPr>
             <a:r>
               <a:rPr lang="ru-RU" dirty="0" smtClean="0"/>
-              <a:t>+ ощущение блага у девелоперов</a:t>
-            </a:r>
-          </a:p>
-          <a:p>
-            <a:pPr marL="0" indent="0">
-              <a:buNone/>
-            </a:pPr>
-            <a:endParaRPr lang="ru-RU" sz="1800" dirty="0" smtClean="0">
-              <a:hlinkClick r:id="rId2"/>
-            </a:endParaRPr>
-          </a:p>
-          <a:p>
-            <a:pPr marL="0" indent="0">
-              <a:buNone/>
-            </a:pPr>
-            <a:endParaRPr lang="ru-RU" sz="1800" dirty="0" smtClean="0">
-              <a:hlinkClick r:id="rId2"/>
-            </a:endParaRPr>
-          </a:p>
-          <a:p>
-            <a:pPr marL="0" indent="0">
-              <a:buNone/>
-            </a:pPr>
-            <a:endParaRPr lang="ru-RU" sz="1800" dirty="0" smtClean="0">
-              <a:hlinkClick r:id="rId2"/>
-            </a:endParaRPr>
-          </a:p>
-          <a:p>
-            <a:pPr marL="0" indent="0">
-              <a:buNone/>
-            </a:pPr>
-            <a:r>
-              <a:rPr lang="en-US" sz="1800" dirty="0" smtClean="0">
-                <a:hlinkClick r:id="rId2"/>
-              </a:rPr>
-              <a:t>http</a:t>
-            </a:r>
-            <a:r>
-              <a:rPr lang="en-US" sz="1800" dirty="0">
-                <a:hlinkClick r:id="rId2"/>
-              </a:rPr>
-              <a:t>://collaboration.csc.ncsu.edu/laurie/Papers/Unit_testing_cameraReady.pdf</a:t>
-            </a:r>
-            <a:endParaRPr lang="ru-RU" sz="1800" dirty="0"/>
-          </a:p>
-          <a:p>
-            <a:pPr marL="0" indent="0">
-              <a:buNone/>
-            </a:pPr>
-            <a:r>
-              <a:rPr lang="en-US" sz="1800" dirty="0" smtClean="0">
-                <a:hlinkClick r:id="rId3"/>
-              </a:rPr>
-              <a:t>http</a:t>
-            </a:r>
-            <a:r>
-              <a:rPr lang="en-US" sz="1800" dirty="0">
-                <a:hlinkClick r:id="rId3"/>
-              </a:rPr>
-              <a:t>://</a:t>
-            </a:r>
-            <a:r>
-              <a:rPr lang="en-US" sz="1800" dirty="0" smtClean="0">
-                <a:hlinkClick r:id="rId3"/>
-              </a:rPr>
-              <a:t>www.msr-waypoint.net/en-us/groups/ese/nagappan_tdd.pdf</a:t>
-            </a:r>
-            <a:endParaRPr lang="ru-RU" sz="1800" dirty="0" smtClean="0"/>
-          </a:p>
-          <a:p>
-            <a:pPr marL="0" indent="0">
-              <a:buNone/>
-            </a:pPr>
-            <a:endParaRPr lang="en-US" dirty="0" smtClean="0"/>
-          </a:p>
-        </p:txBody>
-      </p:sp>
-    </p:spTree>
-    <p:extLst>
-      <p:ext uri="{BB962C8B-B14F-4D97-AF65-F5344CB8AC3E}">
-        <p14:creationId xmlns:p14="http://schemas.microsoft.com/office/powerpoint/2010/main" val="1210447163"/>
-      </p:ext>
-    </p:extLst>
-  </p:cSld>
-  <p:clrMapOvr>
-    <a:masterClrMapping/>
-  </p:clrMapOvr>
-  <p:timing>
-    <p:tnLst>
-      <p:par>
-        <p:cTn id="1" dur="indefinite" restart="never" nodeType="tmRoot"/>
-      </p:par>
-    </p:tnLst>
-  </p:timing>
-</p:sld>
-</file>
-
-<file path=ppt/slides/slide14.xml><?xml version="1.0" encoding="utf-8"?>
-<p:sld xmlns:a="http://schemas.openxmlformats.org/drawingml/2006/main" xmlns:r="http://schemas.openxmlformats.org/officeDocument/2006/relationships" xmlns:p="http://schemas.openxmlformats.org/presentationml/2006/main">
-  <p:cSld>
-    <p:spTree>
-      <p:nvGrpSpPr>
-        <p:cNvPr id="1" name=""/>
-        <p:cNvGrpSpPr/>
-        <p:nvPr/>
-      </p:nvGrpSpPr>
-      <p:grpSpPr>
-        <a:xfrm>
-          <a:off x="0" y="0"/>
-          <a:ext cx="0" cy="0"/>
-          <a:chOff x="0" y="0"/>
-          <a:chExt cx="0" cy="0"/>
-        </a:xfrm>
-      </p:grpSpPr>
-      <p:sp>
-        <p:nvSpPr>
-          <p:cNvPr id="2" name="Заголовок 1"/>
-          <p:cNvSpPr>
-            <a:spLocks noGrp="1"/>
-          </p:cNvSpPr>
-          <p:nvPr>
-            <p:ph type="title"/>
-          </p:nvPr>
-        </p:nvSpPr>
-        <p:spPr/>
-        <p:txBody>
-          <a:bodyPr>
-            <a:normAutofit fontScale="90000"/>
-          </a:bodyPr>
-          <a:lstStyle/>
-          <a:p>
-            <a:r>
-              <a:rPr lang="ru-RU" dirty="0" smtClean="0"/>
-              <a:t>Организационные проблемы</a:t>
-            </a:r>
-            <a:endParaRPr lang="ru-RU" dirty="0"/>
-          </a:p>
-        </p:txBody>
-      </p:sp>
-      <p:sp>
-        <p:nvSpPr>
-          <p:cNvPr id="3" name="Объект 2"/>
-          <p:cNvSpPr>
-            <a:spLocks noGrp="1"/>
-          </p:cNvSpPr>
-          <p:nvPr>
-            <p:ph idx="1"/>
-          </p:nvPr>
-        </p:nvSpPr>
-        <p:spPr/>
-        <p:txBody>
-          <a:bodyPr/>
-          <a:lstStyle/>
-          <a:p>
-            <a:r>
-              <a:rPr lang="ru-RU" dirty="0"/>
-              <a:t>Некогда/лень писать. Не вспомнил про них.</a:t>
-            </a:r>
-          </a:p>
-          <a:p>
-            <a:r>
-              <a:rPr lang="ru-RU" dirty="0"/>
-              <a:t>Код трудно тестируется</a:t>
-            </a:r>
-          </a:p>
-          <a:p>
+              <a:t>Тесты дают качество и более предсказуемую фазу тестирования и стабилизации.</a:t>
+            </a:r>
             <a:endParaRPr lang="ru-RU" dirty="0"/>
           </a:p>
         </p:txBody>
@@ -11107,319 +11048,6 @@
     <p:extLst>
       <p:ext uri="{BB962C8B-B14F-4D97-AF65-F5344CB8AC3E}">
         <p14:creationId xmlns:p14="http://schemas.microsoft.com/office/powerpoint/2010/main" val="69573409"/>
-      </p:ext>
-    </p:extLst>
-  </p:cSld>
-  <p:clrMapOvr>
-    <a:masterClrMapping/>
-  </p:clrMapOvr>
-  <p:timing>
-    <p:tnLst>
-      <p:par>
-        <p:cTn id="1" dur="indefinite" restart="never" nodeType="tmRoot"/>
-      </p:par>
-    </p:tnLst>
-  </p:timing>
-</p:sld>
-</file>
-
-<file path=ppt/slides/slide15.xml><?xml version="1.0" encoding="utf-8"?>
-<p:sld xmlns:a="http://schemas.openxmlformats.org/drawingml/2006/main" xmlns:r="http://schemas.openxmlformats.org/officeDocument/2006/relationships" xmlns:p="http://schemas.openxmlformats.org/presentationml/2006/main">
-  <p:cSld>
-    <p:spTree>
-      <p:nvGrpSpPr>
-        <p:cNvPr id="1" name=""/>
-        <p:cNvGrpSpPr/>
-        <p:nvPr/>
-      </p:nvGrpSpPr>
-      <p:grpSpPr>
-        <a:xfrm>
-          <a:off x="0" y="0"/>
-          <a:ext cx="0" cy="0"/>
-          <a:chOff x="0" y="0"/>
-          <a:chExt cx="0" cy="0"/>
-        </a:xfrm>
-      </p:grpSpPr>
-      <p:sp>
-        <p:nvSpPr>
-          <p:cNvPr id="2" name="Заголовок 1"/>
-          <p:cNvSpPr>
-            <a:spLocks noGrp="1"/>
-          </p:cNvSpPr>
-          <p:nvPr>
-            <p:ph type="title"/>
-          </p:nvPr>
-        </p:nvSpPr>
-        <p:spPr/>
-        <p:txBody>
-          <a:bodyPr>
-            <a:normAutofit/>
-          </a:bodyPr>
-          <a:lstStyle/>
-          <a:p>
-            <a:r>
-              <a:rPr lang="ru-RU" sz="4800" dirty="0" smtClean="0"/>
-              <a:t>Опрос: Почему я пишу тесты?</a:t>
-            </a:r>
-            <a:endParaRPr lang="ru-RU" sz="4800" dirty="0"/>
-          </a:p>
-        </p:txBody>
-      </p:sp>
-      <p:sp>
-        <p:nvSpPr>
-          <p:cNvPr id="3" name="Объект 2"/>
-          <p:cNvSpPr>
-            <a:spLocks noGrp="1"/>
-          </p:cNvSpPr>
-          <p:nvPr>
-            <p:ph idx="1"/>
-          </p:nvPr>
-        </p:nvSpPr>
-        <p:spPr/>
-        <p:txBody>
-          <a:bodyPr/>
-          <a:lstStyle/>
-          <a:p>
-            <a:pPr marL="0" indent="0">
-              <a:buNone/>
-            </a:pPr>
-            <a:r>
-              <a:rPr lang="ru-RU" dirty="0" smtClean="0"/>
-              <a:t>Почему я пишу тесты?</a:t>
-            </a:r>
-          </a:p>
-          <a:p>
-            <a:pPr marL="514350" indent="-514350">
-              <a:buAutoNum type="arabicPeriod"/>
-            </a:pPr>
-            <a:r>
-              <a:rPr lang="ru-RU" dirty="0" smtClean="0"/>
-              <a:t>Требование менеджмента</a:t>
-            </a:r>
-          </a:p>
-          <a:p>
-            <a:pPr marL="514350" indent="-514350">
-              <a:buAutoNum type="arabicPeriod" startAt="2"/>
-            </a:pPr>
-            <a:r>
-              <a:rPr lang="ru-RU" dirty="0" smtClean="0"/>
-              <a:t>Внутренняя ощущение полезности</a:t>
-            </a:r>
-          </a:p>
-          <a:p>
-            <a:pPr marL="514350" indent="-514350">
-              <a:buAutoNum type="arabicPeriod" startAt="2"/>
-            </a:pPr>
-            <a:r>
-              <a:rPr lang="ru-RU" dirty="0" smtClean="0"/>
-              <a:t>Прочее...</a:t>
-            </a:r>
-          </a:p>
-          <a:p>
-            <a:pPr marL="0" indent="0">
-              <a:buNone/>
-            </a:pPr>
-            <a:endParaRPr lang="ru-RU" dirty="0"/>
-          </a:p>
-        </p:txBody>
-      </p:sp>
-    </p:spTree>
-    <p:extLst>
-      <p:ext uri="{BB962C8B-B14F-4D97-AF65-F5344CB8AC3E}">
-        <p14:creationId xmlns:p14="http://schemas.microsoft.com/office/powerpoint/2010/main" val="212165987"/>
-      </p:ext>
-    </p:extLst>
-  </p:cSld>
-  <p:clrMapOvr>
-    <a:masterClrMapping/>
-  </p:clrMapOvr>
-  <p:timing>
-    <p:tnLst>
-      <p:par>
-        <p:cTn id="1" dur="indefinite" restart="never" nodeType="tmRoot"/>
-      </p:par>
-    </p:tnLst>
-  </p:timing>
-</p:sld>
-</file>
-
-<file path=ppt/slides/slide16.xml><?xml version="1.0" encoding="utf-8"?>
-<p:sld xmlns:a="http://schemas.openxmlformats.org/drawingml/2006/main" xmlns:r="http://schemas.openxmlformats.org/officeDocument/2006/relationships" xmlns:p="http://schemas.openxmlformats.org/presentationml/2006/main">
-  <p:cSld>
-    <p:spTree>
-      <p:nvGrpSpPr>
-        <p:cNvPr id="1" name=""/>
-        <p:cNvGrpSpPr/>
-        <p:nvPr/>
-      </p:nvGrpSpPr>
-      <p:grpSpPr>
-        <a:xfrm>
-          <a:off x="0" y="0"/>
-          <a:ext cx="0" cy="0"/>
-          <a:chOff x="0" y="0"/>
-          <a:chExt cx="0" cy="0"/>
-        </a:xfrm>
-      </p:grpSpPr>
-      <p:pic>
-        <p:nvPicPr>
-          <p:cNvPr id="2050" name="Picture 2" descr="http://www.tvoryuki.ru/t_img/img_size_4/20111204024909_3.jpg"/>
-          <p:cNvPicPr>
-            <a:picLocks noGrp="1" noChangeAspect="1" noChangeArrowheads="1"/>
-          </p:cNvPicPr>
-          <p:nvPr>
-            <p:ph idx="4294967295"/>
-          </p:nvPr>
-        </p:nvPicPr>
-        <p:blipFill>
-          <a:blip r:embed="rId2">
-            <a:extLst>
-              <a:ext uri="{28A0092B-C50C-407E-A947-70E740481C1C}">
-                <a14:useLocalDpi xmlns:a14="http://schemas.microsoft.com/office/drawing/2010/main" val="0"/>
-              </a:ext>
-            </a:extLst>
-          </a:blip>
-          <a:srcRect/>
-          <a:stretch>
-            <a:fillRect/>
-          </a:stretch>
-        </p:blipFill>
-        <p:spPr bwMode="auto">
-          <a:xfrm>
-            <a:off x="-828600" y="0"/>
-            <a:ext cx="10244906" cy="6858000"/>
-          </a:xfrm>
-          <a:prstGeom prst="rect">
-            <a:avLst/>
-          </a:prstGeom>
-          <a:noFill/>
-          <a:extLst>
-            <a:ext uri="{909E8E84-426E-40DD-AFC4-6F175D3DCCD1}">
-              <a14:hiddenFill xmlns:a14="http://schemas.microsoft.com/office/drawing/2010/main">
-                <a:solidFill>
-                  <a:srgbClr val="FFFFFF"/>
-                </a:solidFill>
-              </a14:hiddenFill>
-            </a:ext>
-          </a:extLst>
-        </p:spPr>
-      </p:pic>
-    </p:spTree>
-    <p:extLst>
-      <p:ext uri="{BB962C8B-B14F-4D97-AF65-F5344CB8AC3E}">
-        <p14:creationId xmlns:p14="http://schemas.microsoft.com/office/powerpoint/2010/main" val="577894996"/>
-      </p:ext>
-    </p:extLst>
-  </p:cSld>
-  <p:clrMapOvr>
-    <a:masterClrMapping/>
-  </p:clrMapOvr>
-  <p:timing>
-    <p:tnLst>
-      <p:par>
-        <p:cTn id="1" dur="indefinite" restart="never" nodeType="tmRoot"/>
-      </p:par>
-    </p:tnLst>
-  </p:timing>
-</p:sld>
-</file>
-
-<file path=ppt/slides/slide17.xml><?xml version="1.0" encoding="utf-8"?>
-<p:sld xmlns:a="http://schemas.openxmlformats.org/drawingml/2006/main" xmlns:r="http://schemas.openxmlformats.org/officeDocument/2006/relationships" xmlns:p="http://schemas.openxmlformats.org/presentationml/2006/main">
-  <p:cSld>
-    <p:spTree>
-      <p:nvGrpSpPr>
-        <p:cNvPr id="1" name=""/>
-        <p:cNvGrpSpPr/>
-        <p:nvPr/>
-      </p:nvGrpSpPr>
-      <p:grpSpPr>
-        <a:xfrm>
-          <a:off x="0" y="0"/>
-          <a:ext cx="0" cy="0"/>
-          <a:chOff x="0" y="0"/>
-          <a:chExt cx="0" cy="0"/>
-        </a:xfrm>
-      </p:grpSpPr>
-      <p:sp>
-        <p:nvSpPr>
-          <p:cNvPr id="2" name="Заголовок 1"/>
-          <p:cNvSpPr>
-            <a:spLocks noGrp="1"/>
-          </p:cNvSpPr>
-          <p:nvPr>
-            <p:ph type="title"/>
-          </p:nvPr>
-        </p:nvSpPr>
-        <p:spPr/>
-        <p:txBody>
-          <a:bodyPr/>
-          <a:lstStyle/>
-          <a:p>
-            <a:r>
-              <a:rPr lang="ru-RU" dirty="0" smtClean="0"/>
-              <a:t>Якоря</a:t>
-            </a:r>
-            <a:endParaRPr lang="ru-RU" dirty="0"/>
-          </a:p>
-        </p:txBody>
-      </p:sp>
-      <p:sp>
-        <p:nvSpPr>
-          <p:cNvPr id="3" name="Объект 2"/>
-          <p:cNvSpPr>
-            <a:spLocks noGrp="1"/>
-          </p:cNvSpPr>
-          <p:nvPr>
-            <p:ph idx="1"/>
-          </p:nvPr>
-        </p:nvSpPr>
-        <p:spPr/>
-        <p:txBody>
-          <a:bodyPr/>
-          <a:lstStyle/>
-          <a:p>
-            <a:r>
-              <a:rPr lang="ru-RU" dirty="0" smtClean="0"/>
-              <a:t>Ага, понятно, делаем!</a:t>
-            </a:r>
-            <a:endParaRPr lang="en-US" dirty="0" smtClean="0"/>
-          </a:p>
-          <a:p>
-            <a:r>
-              <a:rPr lang="ru-RU" dirty="0" smtClean="0"/>
-              <a:t>Ой, кажется, я уже написал какой-то код</a:t>
-            </a:r>
-          </a:p>
-          <a:p>
-            <a:r>
-              <a:rPr lang="ru-RU" dirty="0" smtClean="0"/>
-              <a:t>Эй, парень, это точно работает?</a:t>
-            </a:r>
-          </a:p>
-          <a:p>
-            <a:r>
-              <a:rPr lang="ru-RU" dirty="0" smtClean="0"/>
-              <a:t>Регулярное выражение</a:t>
-            </a:r>
-          </a:p>
-          <a:p>
-            <a:r>
-              <a:rPr lang="ru-RU" dirty="0" smtClean="0"/>
-              <a:t>Алгоритм</a:t>
-            </a:r>
-          </a:p>
-          <a:p>
-            <a:pPr marL="0" indent="0">
-              <a:buNone/>
-            </a:pPr>
-            <a:endParaRPr lang="ru-RU" dirty="0" smtClean="0"/>
-          </a:p>
-        </p:txBody>
-      </p:sp>
-    </p:spTree>
-    <p:extLst>
-      <p:ext uri="{BB962C8B-B14F-4D97-AF65-F5344CB8AC3E}">
-        <p14:creationId xmlns:p14="http://schemas.microsoft.com/office/powerpoint/2010/main" val="1525649379"/>
       </p:ext>
     </p:extLst>
   </p:cSld>
@@ -11658,7 +11286,7 @@
                                         <p:tgtEl>
                                           <p:spTgt spid="3">
                                             <p:txEl>
-                                              <p:pRg st="4" end="4"/>
+                                              <p:pRg st="5" end="5"/>
                                             </p:txEl>
                                           </p:spTgt>
                                         </p:tgtEl>
@@ -11707,7 +11335,390 @@
 </p:sld>
 </file>
 
-<file path=ppt/slides/slide18.xml><?xml version="1.0" encoding="utf-8"?>
+<file path=ppt/slides/slide14.xml><?xml version="1.0" encoding="utf-8"?>
+<p:sld xmlns:a="http://schemas.openxmlformats.org/drawingml/2006/main" xmlns:r="http://schemas.openxmlformats.org/officeDocument/2006/relationships" xmlns:p="http://schemas.openxmlformats.org/presentationml/2006/main">
+  <p:cSld>
+    <p:spTree>
+      <p:nvGrpSpPr>
+        <p:cNvPr id="1" name=""/>
+        <p:cNvGrpSpPr/>
+        <p:nvPr/>
+      </p:nvGrpSpPr>
+      <p:grpSpPr>
+        <a:xfrm>
+          <a:off x="0" y="0"/>
+          <a:ext cx="0" cy="0"/>
+          <a:chOff x="0" y="0"/>
+          <a:chExt cx="0" cy="0"/>
+        </a:xfrm>
+      </p:grpSpPr>
+      <p:sp>
+        <p:nvSpPr>
+          <p:cNvPr id="2" name="Заголовок 1"/>
+          <p:cNvSpPr>
+            <a:spLocks noGrp="1"/>
+          </p:cNvSpPr>
+          <p:nvPr>
+            <p:ph type="title"/>
+          </p:nvPr>
+        </p:nvSpPr>
+        <p:spPr/>
+        <p:txBody>
+          <a:bodyPr>
+            <a:normAutofit fontScale="90000"/>
+          </a:bodyPr>
+          <a:lstStyle/>
+          <a:p>
+            <a:r>
+              <a:rPr lang="ru-RU" sz="4800" dirty="0" smtClean="0"/>
+              <a:t>Как сделать так, </a:t>
+            </a:r>
+            <a:br>
+              <a:rPr lang="ru-RU" sz="4800" dirty="0" smtClean="0"/>
+            </a:br>
+            <a:r>
+              <a:rPr lang="ru-RU" sz="4800" dirty="0" smtClean="0"/>
+              <a:t>чтобы все писали тесты?</a:t>
+            </a:r>
+            <a:endParaRPr lang="ru-RU" sz="4800" dirty="0"/>
+          </a:p>
+        </p:txBody>
+      </p:sp>
+      <p:sp>
+        <p:nvSpPr>
+          <p:cNvPr id="3" name="Объект 2"/>
+          <p:cNvSpPr>
+            <a:spLocks noGrp="1"/>
+          </p:cNvSpPr>
+          <p:nvPr>
+            <p:ph idx="1"/>
+          </p:nvPr>
+        </p:nvSpPr>
+        <p:spPr/>
+        <p:txBody>
+          <a:bodyPr/>
+          <a:lstStyle/>
+          <a:p>
+            <a:pPr marL="0" indent="0">
+              <a:buNone/>
+            </a:pPr>
+            <a:r>
+              <a:rPr lang="ru-RU" dirty="0" smtClean="0"/>
+              <a:t>Никакой магии!</a:t>
+            </a:r>
+          </a:p>
+          <a:p>
+            <a:pPr marL="514350" indent="-514350">
+              <a:buFont typeface="Arial" pitchFamily="34" charset="0"/>
+              <a:buAutoNum type="arabicPeriod"/>
+            </a:pPr>
+            <a:r>
+              <a:rPr lang="ru-RU" dirty="0"/>
+              <a:t>Понимание полезности</a:t>
+            </a:r>
+          </a:p>
+          <a:p>
+            <a:pPr marL="514350" indent="-514350">
+              <a:buAutoNum type="arabicPeriod"/>
+            </a:pPr>
+            <a:r>
+              <a:rPr lang="ru-RU" dirty="0" smtClean="0"/>
+              <a:t>Требование менеджмента</a:t>
+            </a:r>
+            <a:r>
+              <a:rPr lang="en-US" dirty="0" smtClean="0"/>
+              <a:t> = </a:t>
+            </a:r>
+            <a:r>
+              <a:rPr lang="ru-RU" dirty="0" smtClean="0"/>
+              <a:t>договоренность в команде. </a:t>
+            </a:r>
+            <a:br>
+              <a:rPr lang="ru-RU" dirty="0" smtClean="0"/>
+            </a:br>
+            <a:r>
+              <a:rPr lang="ru-RU" dirty="0" smtClean="0"/>
+              <a:t>Без тестов </a:t>
+            </a:r>
+            <a:r>
+              <a:rPr lang="en-US" dirty="0" smtClean="0"/>
+              <a:t>code-review</a:t>
+            </a:r>
+            <a:r>
+              <a:rPr lang="ru-RU" dirty="0" smtClean="0"/>
+              <a:t> не пройден.</a:t>
+            </a:r>
+          </a:p>
+          <a:p>
+            <a:pPr marL="514350" indent="-514350">
+              <a:buAutoNum type="arabicPeriod"/>
+            </a:pPr>
+            <a:r>
+              <a:rPr lang="ru-RU" dirty="0" smtClean="0"/>
+              <a:t>Образовательно-игровые формы </a:t>
+            </a:r>
+            <a:r>
+              <a:rPr lang="en-US" dirty="0" smtClean="0"/>
+              <a:t>TDD</a:t>
+            </a:r>
+            <a:r>
+              <a:rPr lang="ru-RU" dirty="0" smtClean="0"/>
+              <a:t> </a:t>
+            </a:r>
+            <a:br>
+              <a:rPr lang="ru-RU" dirty="0" smtClean="0"/>
+            </a:br>
+            <a:r>
+              <a:rPr lang="ru-RU" dirty="0" smtClean="0"/>
+              <a:t>(будет дальше)</a:t>
+            </a:r>
+            <a:endParaRPr lang="ru-RU" dirty="0"/>
+          </a:p>
+        </p:txBody>
+      </p:sp>
+    </p:spTree>
+    <p:extLst>
+      <p:ext uri="{BB962C8B-B14F-4D97-AF65-F5344CB8AC3E}">
+        <p14:creationId xmlns:p14="http://schemas.microsoft.com/office/powerpoint/2010/main" val="212165987"/>
+      </p:ext>
+    </p:extLst>
+  </p:cSld>
+  <p:clrMapOvr>
+    <a:masterClrMapping/>
+  </p:clrMapOvr>
+  <p:timing>
+    <p:tnLst>
+      <p:par>
+        <p:cTn id="1" dur="indefinite" restart="never" nodeType="tmRoot">
+          <p:childTnLst>
+            <p:seq concurrent="1" nextAc="seek">
+              <p:cTn id="2" dur="indefinite" nodeType="mainSeq">
+                <p:childTnLst>
+                  <p:par>
+                    <p:cTn id="3" fill="hold">
+                      <p:stCondLst>
+                        <p:cond delay="indefinite"/>
+                      </p:stCondLst>
+                      <p:childTnLst>
+                        <p:par>
+                          <p:cTn id="4" fill="hold">
+                            <p:stCondLst>
+                              <p:cond delay="0"/>
+                            </p:stCondLst>
+                            <p:childTnLst>
+                              <p:par>
+                                <p:cTn id="5" presetID="1" presetClass="entr" presetSubtype="0" fill="hold" grpId="0" nodeType="clickEffect">
+                                  <p:stCondLst>
+                                    <p:cond delay="0"/>
+                                  </p:stCondLst>
+                                  <p:childTnLst>
+                                    <p:set>
+                                      <p:cBhvr>
+                                        <p:cTn id="6" dur="1" fill="hold">
+                                          <p:stCondLst>
+                                            <p:cond delay="0"/>
+                                          </p:stCondLst>
+                                        </p:cTn>
+                                        <p:tgtEl>
+                                          <p:spTgt spid="3">
+                                            <p:txEl>
+                                              <p:pRg st="0" end="0"/>
+                                            </p:txEl>
+                                          </p:spTgt>
+                                        </p:tgtEl>
+                                        <p:attrNameLst>
+                                          <p:attrName>style.visibility</p:attrName>
+                                        </p:attrNameLst>
+                                      </p:cBhvr>
+                                      <p:to>
+                                        <p:strVal val="visible"/>
+                                      </p:to>
+                                    </p:set>
+                                  </p:childTnLst>
+                                </p:cTn>
+                              </p:par>
+                            </p:childTnLst>
+                          </p:cTn>
+                        </p:par>
+                      </p:childTnLst>
+                    </p:cTn>
+                  </p:par>
+                  <p:par>
+                    <p:cTn id="7" fill="hold">
+                      <p:stCondLst>
+                        <p:cond delay="indefinite"/>
+                      </p:stCondLst>
+                      <p:childTnLst>
+                        <p:par>
+                          <p:cTn id="8" fill="hold">
+                            <p:stCondLst>
+                              <p:cond delay="0"/>
+                            </p:stCondLst>
+                            <p:childTnLst>
+                              <p:par>
+                                <p:cTn id="9" presetID="1" presetClass="entr" presetSubtype="0" fill="hold" grpId="0" nodeType="clickEffect">
+                                  <p:stCondLst>
+                                    <p:cond delay="0"/>
+                                  </p:stCondLst>
+                                  <p:childTnLst>
+                                    <p:set>
+                                      <p:cBhvr>
+                                        <p:cTn id="10" dur="1" fill="hold">
+                                          <p:stCondLst>
+                                            <p:cond delay="0"/>
+                                          </p:stCondLst>
+                                        </p:cTn>
+                                        <p:tgtEl>
+                                          <p:spTgt spid="3">
+                                            <p:txEl>
+                                              <p:pRg st="1" end="1"/>
+                                            </p:txEl>
+                                          </p:spTgt>
+                                        </p:tgtEl>
+                                        <p:attrNameLst>
+                                          <p:attrName>style.visibility</p:attrName>
+                                        </p:attrNameLst>
+                                      </p:cBhvr>
+                                      <p:to>
+                                        <p:strVal val="visible"/>
+                                      </p:to>
+                                    </p:set>
+                                  </p:childTnLst>
+                                </p:cTn>
+                              </p:par>
+                            </p:childTnLst>
+                          </p:cTn>
+                        </p:par>
+                      </p:childTnLst>
+                    </p:cTn>
+                  </p:par>
+                  <p:par>
+                    <p:cTn id="11" fill="hold">
+                      <p:stCondLst>
+                        <p:cond delay="indefinite"/>
+                      </p:stCondLst>
+                      <p:childTnLst>
+                        <p:par>
+                          <p:cTn id="12" fill="hold">
+                            <p:stCondLst>
+                              <p:cond delay="0"/>
+                            </p:stCondLst>
+                            <p:childTnLst>
+                              <p:par>
+                                <p:cTn id="13" presetID="1" presetClass="entr" presetSubtype="0" fill="hold" grpId="0" nodeType="clickEffect">
+                                  <p:stCondLst>
+                                    <p:cond delay="0"/>
+                                  </p:stCondLst>
+                                  <p:childTnLst>
+                                    <p:set>
+                                      <p:cBhvr>
+                                        <p:cTn id="14" dur="1" fill="hold">
+                                          <p:stCondLst>
+                                            <p:cond delay="0"/>
+                                          </p:stCondLst>
+                                        </p:cTn>
+                                        <p:tgtEl>
+                                          <p:spTgt spid="3">
+                                            <p:txEl>
+                                              <p:pRg st="2" end="2"/>
+                                            </p:txEl>
+                                          </p:spTgt>
+                                        </p:tgtEl>
+                                        <p:attrNameLst>
+                                          <p:attrName>style.visibility</p:attrName>
+                                        </p:attrNameLst>
+                                      </p:cBhvr>
+                                      <p:to>
+                                        <p:strVal val="visible"/>
+                                      </p:to>
+                                    </p:set>
+                                  </p:childTnLst>
+                                </p:cTn>
+                              </p:par>
+                            </p:childTnLst>
+                          </p:cTn>
+                        </p:par>
+                      </p:childTnLst>
+                    </p:cTn>
+                  </p:par>
+                  <p:par>
+                    <p:cTn id="15" fill="hold">
+                      <p:stCondLst>
+                        <p:cond delay="indefinite"/>
+                      </p:stCondLst>
+                      <p:childTnLst>
+                        <p:par>
+                          <p:cTn id="16" fill="hold">
+                            <p:stCondLst>
+                              <p:cond delay="0"/>
+                            </p:stCondLst>
+                            <p:childTnLst>
+                              <p:par>
+                                <p:cTn id="17" presetID="1" presetClass="entr" presetSubtype="0" fill="hold" grpId="0" nodeType="clickEffect">
+                                  <p:stCondLst>
+                                    <p:cond delay="0"/>
+                                  </p:stCondLst>
+                                  <p:childTnLst>
+                                    <p:set>
+                                      <p:cBhvr>
+                                        <p:cTn id="18" dur="1" fill="hold">
+                                          <p:stCondLst>
+                                            <p:cond delay="0"/>
+                                          </p:stCondLst>
+                                        </p:cTn>
+                                        <p:tgtEl>
+                                          <p:spTgt spid="3">
+                                            <p:txEl>
+                                              <p:pRg st="3" end="3"/>
+                                            </p:txEl>
+                                          </p:spTgt>
+                                        </p:tgtEl>
+                                        <p:attrNameLst>
+                                          <p:attrName>style.visibility</p:attrName>
+                                        </p:attrNameLst>
+                                      </p:cBhvr>
+                                      <p:to>
+                                        <p:strVal val="visible"/>
+                                      </p:to>
+                                    </p:set>
+                                  </p:childTnLst>
+                                </p:cTn>
+                              </p:par>
+                            </p:childTnLst>
+                          </p:cTn>
+                        </p:par>
+                      </p:childTnLst>
+                    </p:cTn>
+                  </p:par>
+                </p:childTnLst>
+              </p:cTn>
+              <p:prevCondLst>
+                <p:cond evt="onPrev" delay="0">
+                  <p:tgtEl>
+                    <p:sldTgt/>
+                  </p:tgtEl>
+                </p:cond>
+              </p:prevCondLst>
+              <p:nextCondLst>
+                <p:cond evt="onNext" delay="0">
+                  <p:tgtEl>
+                    <p:sldTgt/>
+                  </p:tgtEl>
+                </p:cond>
+              </p:nextCondLst>
+            </p:seq>
+          </p:childTnLst>
+        </p:cTn>
+      </p:par>
+    </p:tnLst>
+    <p:bldLst>
+      <p:bldP spid="3" grpId="0" build="p"/>
+    </p:bldLst>
+  </p:timing>
+</p:sld>
+</file>
+
+<file path=ppt/slides/slide15.xml><?xml version="1.0" encoding="utf-8"?>
 <p:sld xmlns:a="http://schemas.openxmlformats.org/drawingml/2006/main" xmlns:r="http://schemas.openxmlformats.org/officeDocument/2006/relationships" xmlns:p="http://schemas.openxmlformats.org/presentationml/2006/main">
   <p:cSld>
     <p:spTree>
@@ -11788,8 +11799,40 @@
             </a:r>
             <a:r>
               <a:rPr lang="ru-RU" dirty="0"/>
-              <a:t>трудно тестируется</a:t>
-            </a:r>
+              <a:t>трудно </a:t>
+            </a:r>
+            <a:r>
+              <a:rPr lang="ru-RU" dirty="0" smtClean="0"/>
+              <a:t>тестируется</a:t>
+            </a:r>
+          </a:p>
+          <a:p>
+            <a:endParaRPr lang="ru-RU" dirty="0"/>
+          </a:p>
+          <a:p>
+            <a:pPr marL="0" indent="0">
+              <a:buNone/>
+            </a:pPr>
+            <a:r>
+              <a:rPr lang="ru-RU" dirty="0" smtClean="0"/>
+              <a:t>Паттерны и </a:t>
+            </a:r>
+            <a:r>
+              <a:rPr lang="ru-RU" dirty="0" err="1" smtClean="0"/>
+              <a:t>антипаттерны</a:t>
+            </a:r>
+            <a:r>
+              <a:rPr lang="ru-RU" dirty="0" smtClean="0"/>
+              <a:t> помогут справится </a:t>
+            </a:r>
+            <a:br>
+              <a:rPr lang="ru-RU" dirty="0" smtClean="0"/>
+            </a:br>
+            <a:r>
+              <a:rPr lang="ru-RU" dirty="0" smtClean="0"/>
+              <a:t>с этим.</a:t>
+            </a:r>
+            <a:endParaRPr lang="ru-RU" dirty="0"/>
           </a:p>
           <a:p>
             <a:pPr marL="0" indent="0">
@@ -11819,7 +11862,7 @@
 </p:sld>
 </file>
 
-<file path=ppt/slides/slide19.xml><?xml version="1.0" encoding="utf-8"?>
+<file path=ppt/slides/slide16.xml><?xml version="1.0" encoding="utf-8"?>
 <p:sld xmlns:a="http://schemas.openxmlformats.org/drawingml/2006/main" xmlns:r="http://schemas.openxmlformats.org/officeDocument/2006/relationships" xmlns:p="http://schemas.openxmlformats.org/presentationml/2006/main">
   <p:cSld>
     <p:spTree>
@@ -12230,6 +12273,370 @@
 </p:sld>
 </file>
 
+<file path=ppt/slides/slide17.xml><?xml version="1.0" encoding="utf-8"?>
+<p:sld xmlns:a="http://schemas.openxmlformats.org/drawingml/2006/main" xmlns:r="http://schemas.openxmlformats.org/officeDocument/2006/relationships" xmlns:p="http://schemas.openxmlformats.org/presentationml/2006/main">
+  <p:cSld>
+    <p:spTree>
+      <p:nvGrpSpPr>
+        <p:cNvPr id="1" name=""/>
+        <p:cNvGrpSpPr/>
+        <p:nvPr/>
+      </p:nvGrpSpPr>
+      <p:grpSpPr>
+        <a:xfrm>
+          <a:off x="0" y="0"/>
+          <a:ext cx="0" cy="0"/>
+          <a:chOff x="0" y="0"/>
+          <a:chExt cx="0" cy="0"/>
+        </a:xfrm>
+      </p:grpSpPr>
+      <p:sp>
+        <p:nvSpPr>
+          <p:cNvPr id="2" name="Заголовок 1"/>
+          <p:cNvSpPr>
+            <a:spLocks noGrp="1"/>
+          </p:cNvSpPr>
+          <p:nvPr>
+            <p:ph type="title"/>
+          </p:nvPr>
+        </p:nvSpPr>
+        <p:spPr/>
+        <p:txBody>
+          <a:bodyPr/>
+          <a:lstStyle/>
+          <a:p>
+            <a:r>
+              <a:rPr lang="en-US" dirty="0" smtClean="0"/>
+              <a:t>DRY</a:t>
+            </a:r>
+            <a:endParaRPr lang="ru-RU" dirty="0"/>
+          </a:p>
+        </p:txBody>
+      </p:sp>
+      <p:sp>
+        <p:nvSpPr>
+          <p:cNvPr id="3" name="Объект 2"/>
+          <p:cNvSpPr>
+            <a:spLocks noGrp="1"/>
+          </p:cNvSpPr>
+          <p:nvPr>
+            <p:ph idx="1"/>
+          </p:nvPr>
+        </p:nvSpPr>
+        <p:spPr/>
+        <p:txBody>
+          <a:bodyPr/>
+          <a:lstStyle/>
+          <a:p>
+            <a:r>
+              <a:rPr lang="en-US" dirty="0" smtClean="0"/>
+              <a:t>Don't</a:t>
+            </a:r>
+            <a:endParaRPr lang="ru-RU" dirty="0"/>
+          </a:p>
+          <a:p>
+            <a:r>
+              <a:rPr lang="en-US" dirty="0" smtClean="0"/>
+              <a:t>Repeat</a:t>
+            </a:r>
+            <a:endParaRPr lang="ru-RU" dirty="0" smtClean="0"/>
+          </a:p>
+          <a:p>
+            <a:r>
+              <a:rPr lang="en-US" dirty="0" smtClean="0"/>
+              <a:t>Yourself</a:t>
+            </a:r>
+            <a:endParaRPr lang="ru-RU" dirty="0"/>
+          </a:p>
+        </p:txBody>
+      </p:sp>
+    </p:spTree>
+    <p:extLst>
+      <p:ext uri="{BB962C8B-B14F-4D97-AF65-F5344CB8AC3E}">
+        <p14:creationId xmlns:p14="http://schemas.microsoft.com/office/powerpoint/2010/main" val="3843332322"/>
+      </p:ext>
+    </p:extLst>
+  </p:cSld>
+  <p:clrMapOvr>
+    <a:masterClrMapping/>
+  </p:clrMapOvr>
+  <p:timing>
+    <p:tnLst>
+      <p:par>
+        <p:cTn id="1" dur="indefinite" restart="never" nodeType="tmRoot"/>
+      </p:par>
+    </p:tnLst>
+  </p:timing>
+</p:sld>
+</file>
+
+<file path=ppt/slides/slide18.xml><?xml version="1.0" encoding="utf-8"?>
+<p:sld xmlns:a="http://schemas.openxmlformats.org/drawingml/2006/main" xmlns:r="http://schemas.openxmlformats.org/officeDocument/2006/relationships" xmlns:p="http://schemas.openxmlformats.org/presentationml/2006/main">
+  <p:cSld>
+    <p:spTree>
+      <p:nvGrpSpPr>
+        <p:cNvPr id="1" name=""/>
+        <p:cNvGrpSpPr/>
+        <p:nvPr/>
+      </p:nvGrpSpPr>
+      <p:grpSpPr>
+        <a:xfrm>
+          <a:off x="0" y="0"/>
+          <a:ext cx="0" cy="0"/>
+          <a:chOff x="0" y="0"/>
+          <a:chExt cx="0" cy="0"/>
+        </a:xfrm>
+      </p:grpSpPr>
+      <p:sp>
+        <p:nvSpPr>
+          <p:cNvPr id="2" name="Заголовок 1"/>
+          <p:cNvSpPr>
+            <a:spLocks noGrp="1"/>
+          </p:cNvSpPr>
+          <p:nvPr>
+            <p:ph type="title"/>
+          </p:nvPr>
+        </p:nvSpPr>
+        <p:spPr/>
+        <p:txBody>
+          <a:bodyPr/>
+          <a:lstStyle/>
+          <a:p>
+            <a:r>
+              <a:rPr lang="en-US" dirty="0" smtClean="0"/>
+              <a:t>DRY</a:t>
+            </a:r>
+            <a:endParaRPr lang="ru-RU" dirty="0"/>
+          </a:p>
+        </p:txBody>
+      </p:sp>
+      <p:sp>
+        <p:nvSpPr>
+          <p:cNvPr id="3" name="Объект 2"/>
+          <p:cNvSpPr>
+            <a:spLocks noGrp="1"/>
+          </p:cNvSpPr>
+          <p:nvPr>
+            <p:ph idx="1"/>
+          </p:nvPr>
+        </p:nvSpPr>
+        <p:spPr/>
+        <p:txBody>
+          <a:bodyPr/>
+          <a:lstStyle/>
+          <a:p>
+            <a:r>
+              <a:rPr lang="ru-RU" dirty="0"/>
+              <a:t>Код тестов — такой же код, как и боевой.</a:t>
+            </a:r>
+          </a:p>
+          <a:p>
+            <a:r>
+              <a:rPr lang="ru-RU" dirty="0" smtClean="0"/>
+              <a:t>Никаких "это же тесты, тут можно"!</a:t>
+            </a:r>
+          </a:p>
+          <a:p>
+            <a:r>
+              <a:rPr lang="ru-RU" dirty="0" smtClean="0"/>
+              <a:t>Любое дублирование — затрудняет поддержку.</a:t>
+            </a:r>
+            <a:endParaRPr lang="ru-RU" dirty="0"/>
+          </a:p>
+        </p:txBody>
+      </p:sp>
+    </p:spTree>
+    <p:extLst>
+      <p:ext uri="{BB962C8B-B14F-4D97-AF65-F5344CB8AC3E}">
+        <p14:creationId xmlns:p14="http://schemas.microsoft.com/office/powerpoint/2010/main" val="4198257491"/>
+      </p:ext>
+    </p:extLst>
+  </p:cSld>
+  <p:clrMapOvr>
+    <a:masterClrMapping/>
+  </p:clrMapOvr>
+  <p:timing>
+    <p:tnLst>
+      <p:par>
+        <p:cTn id="1" dur="indefinite" restart="never" nodeType="tmRoot"/>
+      </p:par>
+    </p:tnLst>
+  </p:timing>
+</p:sld>
+</file>
+
+<file path=ppt/slides/slide19.xml><?xml version="1.0" encoding="utf-8"?>
+<p:sld xmlns:a="http://schemas.openxmlformats.org/drawingml/2006/main" xmlns:r="http://schemas.openxmlformats.org/officeDocument/2006/relationships" xmlns:p="http://schemas.openxmlformats.org/presentationml/2006/main">
+  <p:cSld>
+    <p:spTree>
+      <p:nvGrpSpPr>
+        <p:cNvPr id="1" name=""/>
+        <p:cNvGrpSpPr/>
+        <p:nvPr/>
+      </p:nvGrpSpPr>
+      <p:grpSpPr>
+        <a:xfrm>
+          <a:off x="0" y="0"/>
+          <a:ext cx="0" cy="0"/>
+          <a:chOff x="0" y="0"/>
+          <a:chExt cx="0" cy="0"/>
+        </a:xfrm>
+      </p:grpSpPr>
+      <p:sp>
+        <p:nvSpPr>
+          <p:cNvPr id="2" name="Заголовок 1"/>
+          <p:cNvSpPr>
+            <a:spLocks noGrp="1"/>
+          </p:cNvSpPr>
+          <p:nvPr>
+            <p:ph type="title"/>
+          </p:nvPr>
+        </p:nvSpPr>
+        <p:spPr/>
+        <p:txBody>
+          <a:bodyPr/>
+          <a:lstStyle/>
+          <a:p>
+            <a:r>
+              <a:rPr lang="en-US" dirty="0" smtClean="0"/>
+              <a:t>DAMP</a:t>
+            </a:r>
+            <a:endParaRPr lang="ru-RU" dirty="0"/>
+          </a:p>
+        </p:txBody>
+      </p:sp>
+      <p:sp>
+        <p:nvSpPr>
+          <p:cNvPr id="3" name="Объект 2"/>
+          <p:cNvSpPr>
+            <a:spLocks noGrp="1"/>
+          </p:cNvSpPr>
+          <p:nvPr>
+            <p:ph idx="1"/>
+          </p:nvPr>
+        </p:nvSpPr>
+        <p:spPr/>
+        <p:txBody>
+          <a:bodyPr/>
+          <a:lstStyle/>
+          <a:p>
+            <a:r>
+              <a:rPr lang="en-US" dirty="0" smtClean="0"/>
+              <a:t>Descriptive</a:t>
+            </a:r>
+          </a:p>
+          <a:p>
+            <a:r>
+              <a:rPr lang="en-US" dirty="0" smtClean="0"/>
+              <a:t>And</a:t>
+            </a:r>
+          </a:p>
+          <a:p>
+            <a:r>
+              <a:rPr lang="en-US" dirty="0" smtClean="0"/>
+              <a:t>Meaningful</a:t>
+            </a:r>
+          </a:p>
+          <a:p>
+            <a:r>
+              <a:rPr lang="en-US" dirty="0" smtClean="0"/>
+              <a:t>Phrases</a:t>
+            </a:r>
+            <a:endParaRPr lang="ru-RU" dirty="0"/>
+          </a:p>
+        </p:txBody>
+      </p:sp>
+    </p:spTree>
+    <p:extLst>
+      <p:ext uri="{BB962C8B-B14F-4D97-AF65-F5344CB8AC3E}">
+        <p14:creationId xmlns:p14="http://schemas.microsoft.com/office/powerpoint/2010/main" val="4149388241"/>
+      </p:ext>
+    </p:extLst>
+  </p:cSld>
+  <p:clrMapOvr>
+    <a:masterClrMapping/>
+  </p:clrMapOvr>
+  <p:timing>
+    <p:tnLst>
+      <p:par>
+        <p:cTn id="1" dur="indefinite" restart="never" nodeType="tmRoot">
+          <p:childTnLst>
+            <p:seq concurrent="1" nextAc="seek">
+              <p:cTn id="2" dur="indefinite" nodeType="mainSeq">
+                <p:childTnLst>
+                  <p:par>
+                    <p:cTn id="3" fill="hold">
+                      <p:stCondLst>
+                        <p:cond delay="indefinite"/>
+                      </p:stCondLst>
+                      <p:childTnLst>
+                        <p:par>
+                          <p:cTn id="4" fill="hold">
+                            <p:stCondLst>
+                              <p:cond delay="0"/>
+                            </p:stCondLst>
+                            <p:childTnLst>
+                              <p:par>
+                                <p:cTn id="5" presetID="1" presetClass="entr" presetSubtype="0" fill="hold" grpId="0" nodeType="clickEffect">
+                                  <p:stCondLst>
+                                    <p:cond delay="0"/>
+                                  </p:stCondLst>
+                                  <p:childTnLst>
+                                    <p:set>
+                                      <p:cBhvr>
+                                        <p:cTn id="6" dur="1" fill="hold">
+                                          <p:stCondLst>
+                                            <p:cond delay="0"/>
+                                          </p:stCondLst>
+                                        </p:cTn>
+                                        <p:tgtEl>
+                                          <p:spTgt spid="3"/>
+                                        </p:tgtEl>
+                                        <p:attrNameLst>
+                                          <p:attrName>style.visibility</p:attrName>
+                                        </p:attrNameLst>
+                                      </p:cBhvr>
+                                      <p:to>
+                                        <p:strVal val="visible"/>
+                                      </p:to>
+                                    </p:set>
+                                  </p:childTnLst>
+                                </p:cTn>
+                              </p:par>
+                            </p:childTnLst>
+                          </p:cTn>
+                        </p:par>
+                      </p:childTnLst>
+                    </p:cTn>
+                  </p:par>
+                </p:childTnLst>
+              </p:cTn>
+              <p:prevCondLst>
+                <p:cond evt="onPrev" delay="0">
+                  <p:tgtEl>
+                    <p:sldTgt/>
+                  </p:tgtEl>
+                </p:cond>
+              </p:prevCondLst>
+              <p:nextCondLst>
+                <p:cond evt="onNext" delay="0">
+                  <p:tgtEl>
+                    <p:sldTgt/>
+                  </p:tgtEl>
+                </p:cond>
+              </p:nextCondLst>
+            </p:seq>
+          </p:childTnLst>
+        </p:cTn>
+      </p:par>
+    </p:tnLst>
+    <p:bldLst>
+      <p:bldP spid="3" grpId="0"/>
+    </p:bldLst>
+  </p:timing>
+</p:sld>
+</file>
+
 <file path=ppt/slides/slide2.xml><?xml version="1.0" encoding="utf-8"?>
 <p:sld xmlns:a="http://schemas.openxmlformats.org/drawingml/2006/main" xmlns:r="http://schemas.openxmlformats.org/officeDocument/2006/relationships" xmlns:p="http://schemas.openxmlformats.org/presentationml/2006/main">
   <p:cSld>
@@ -12653,70 +13060,35 @@
           <a:chExt cx="0" cy="0"/>
         </a:xfrm>
       </p:grpSpPr>
-      <p:sp>
-        <p:nvSpPr>
-          <p:cNvPr id="2" name="Заголовок 1"/>
-          <p:cNvSpPr>
-            <a:spLocks noGrp="1"/>
-          </p:cNvSpPr>
-          <p:nvPr>
-            <p:ph type="title"/>
-          </p:nvPr>
-        </p:nvSpPr>
-        <p:spPr/>
-        <p:txBody>
-          <a:bodyPr/>
-          <a:lstStyle/>
-          <a:p>
-            <a:r>
-              <a:rPr lang="en-US" dirty="0" smtClean="0"/>
-              <a:t>DRY</a:t>
-            </a:r>
-            <a:endParaRPr lang="ru-RU" dirty="0"/>
-          </a:p>
-        </p:txBody>
-      </p:sp>
-      <p:sp>
-        <p:nvSpPr>
-          <p:cNvPr id="3" name="Объект 2"/>
-          <p:cNvSpPr>
-            <a:spLocks noGrp="1"/>
-          </p:cNvSpPr>
+      <p:graphicFrame>
+        <p:nvGraphicFramePr>
+          <p:cNvPr id="4" name="Объект 3"/>
+          <p:cNvGraphicFramePr>
+            <a:graphicFrameLocks noGrp="1"/>
+          </p:cNvGraphicFramePr>
           <p:nvPr>
             <p:ph idx="1"/>
+            <p:extLst>
+              <p:ext uri="{D42A27DB-BD31-4B8C-83A1-F6EECF244321}">
+                <p14:modId xmlns:p14="http://schemas.microsoft.com/office/powerpoint/2010/main" val="1170369373"/>
+              </p:ext>
+            </p:extLst>
           </p:nvPr>
-        </p:nvSpPr>
-        <p:spPr/>
-        <p:txBody>
-          <a:bodyPr/>
-          <a:lstStyle/>
-          <a:p>
-            <a:r>
-              <a:rPr lang="en-US" dirty="0" smtClean="0"/>
-              <a:t>Don't</a:t>
-            </a:r>
-            <a:endParaRPr lang="ru-RU" dirty="0"/>
-          </a:p>
-          <a:p>
-            <a:r>
-              <a:rPr lang="en-US" dirty="0" smtClean="0"/>
-              <a:t>Repeat</a:t>
-            </a:r>
-            <a:endParaRPr lang="ru-RU" dirty="0" smtClean="0"/>
-          </a:p>
-          <a:p>
-            <a:r>
-              <a:rPr lang="en-US" dirty="0" smtClean="0"/>
-              <a:t>Yourself</a:t>
-            </a:r>
-            <a:endParaRPr lang="ru-RU" dirty="0"/>
-          </a:p>
-        </p:txBody>
-      </p:sp>
+        </p:nvGraphicFramePr>
+        <p:xfrm>
+          <a:off x="457200" y="1135285"/>
+          <a:ext cx="8229600" cy="4525963"/>
+        </p:xfrm>
+        <a:graphic>
+          <a:graphicData uri="http://schemas.openxmlformats.org/drawingml/2006/diagram">
+            <dgm:relIds xmlns:dgm="http://schemas.openxmlformats.org/drawingml/2006/diagram" xmlns:r="http://schemas.openxmlformats.org/officeDocument/2006/relationships" r:dm="rId3" r:lo="rId4" r:qs="rId5" r:cs="rId6"/>
+          </a:graphicData>
+        </a:graphic>
+      </p:graphicFrame>
     </p:spTree>
     <p:extLst>
       <p:ext uri="{BB962C8B-B14F-4D97-AF65-F5344CB8AC3E}">
-        <p14:creationId xmlns:p14="http://schemas.microsoft.com/office/powerpoint/2010/main" val="3843332322"/>
+        <p14:creationId xmlns:p14="http://schemas.microsoft.com/office/powerpoint/2010/main" val="468887335"/>
       </p:ext>
     </p:extLst>
   </p:cSld>
@@ -12767,7 +13139,11 @@
           <a:p>
             <a:r>
               <a:rPr lang="en-US" dirty="0" smtClean="0"/>
-              <a:t>DRY</a:t>
+              <a:t>DAMP: </a:t>
+            </a:r>
+            <a:r>
+              <a:rPr lang="ru-RU" dirty="0" smtClean="0"/>
+              <a:t>Анатомия теста</a:t>
             </a:r>
             <a:endParaRPr lang="ru-RU" dirty="0"/>
           </a:p>
@@ -12789,20 +13165,20 @@
           <a:lstStyle/>
           <a:p>
             <a:r>
-              <a:rPr lang="ru-RU" dirty="0"/>
-              <a:t>Код тестов — такой же код, как и боевой.</a:t>
-            </a:r>
-          </a:p>
-          <a:p>
-            <a:r>
-              <a:rPr lang="ru-RU" dirty="0" smtClean="0"/>
-              <a:t>Никаких "это же тесты, тут можно"!</a:t>
-            </a:r>
-          </a:p>
-          <a:p>
-            <a:r>
-              <a:rPr lang="ru-RU" dirty="0" smtClean="0"/>
-              <a:t>Любое дублирование — затрудняет поддержку.</a:t>
+              <a:rPr lang="en-US" dirty="0" smtClean="0"/>
+              <a:t>Arrange</a:t>
+            </a:r>
+          </a:p>
+          <a:p>
+            <a:r>
+              <a:rPr lang="en-US" dirty="0" smtClean="0"/>
+              <a:t>Act</a:t>
+            </a:r>
+          </a:p>
+          <a:p>
+            <a:r>
+              <a:rPr lang="en-US" dirty="0" smtClean="0"/>
+              <a:t>Assert</a:t>
             </a:r>
             <a:endParaRPr lang="ru-RU" dirty="0"/>
           </a:p>
@@ -12811,7 +13187,7 @@
     </p:spTree>
     <p:extLst>
       <p:ext uri="{BB962C8B-B14F-4D97-AF65-F5344CB8AC3E}">
-        <p14:creationId xmlns:p14="http://schemas.microsoft.com/office/powerpoint/2010/main" val="4198257491"/>
+        <p14:creationId xmlns:p14="http://schemas.microsoft.com/office/powerpoint/2010/main" val="400814519"/>
       </p:ext>
     </p:extLst>
   </p:cSld>
@@ -12862,7 +13238,7 @@
           <a:p>
             <a:r>
               <a:rPr lang="en-US" dirty="0" smtClean="0"/>
-              <a:t>DAMP</a:t>
+              <a:t>DRY</a:t>
             </a:r>
             <a:endParaRPr lang="ru-RU" dirty="0"/>
           </a:p>
@@ -12884,27 +13260,40 @@
           <a:lstStyle/>
           <a:p>
             <a:r>
+              <a:rPr lang="en-US" dirty="0" err="1" smtClean="0"/>
+              <a:t>SetUp</a:t>
+            </a:r>
+            <a:endParaRPr lang="en-US" dirty="0" smtClean="0"/>
+          </a:p>
+          <a:p>
+            <a:r>
+              <a:rPr lang="en-US" dirty="0" err="1" smtClean="0"/>
+              <a:t>ObjectMother</a:t>
+            </a:r>
+            <a:r>
               <a:rPr lang="en-US" dirty="0" smtClean="0"/>
-              <a:t>Descriptive</a:t>
+              <a:t> / Builders</a:t>
             </a:r>
           </a:p>
           <a:p>
             <a:r>
               <a:rPr lang="en-US" dirty="0" smtClean="0"/>
-              <a:t>And</a:t>
-            </a:r>
-          </a:p>
-          <a:p>
-            <a:r>
-              <a:rPr lang="en-US" dirty="0" smtClean="0"/>
-              <a:t>Meaningful</a:t>
-            </a:r>
-          </a:p>
-          <a:p>
-            <a:r>
-              <a:rPr lang="en-US" dirty="0" smtClean="0"/>
-              <a:t>Phrases</a:t>
-            </a:r>
+              <a:t>Comparer, Equal, </a:t>
+            </a:r>
+            <a:r>
+              <a:rPr lang="en-US" dirty="0" err="1" smtClean="0"/>
+              <a:t>ToString</a:t>
+            </a:r>
+            <a:endParaRPr lang="en-US" dirty="0" smtClean="0"/>
+          </a:p>
+          <a:p>
+            <a:r>
+              <a:rPr lang="ru-RU" dirty="0" smtClean="0"/>
+              <a:t>Параметризованные тесты</a:t>
+            </a:r>
+            <a:endParaRPr lang="en-US" dirty="0" smtClean="0"/>
+          </a:p>
+          <a:p>
             <a:endParaRPr lang="ru-RU" dirty="0"/>
           </a:p>
         </p:txBody>
@@ -12912,140 +13301,7 @@
     </p:spTree>
     <p:extLst>
       <p:ext uri="{BB962C8B-B14F-4D97-AF65-F5344CB8AC3E}">
-        <p14:creationId xmlns:p14="http://schemas.microsoft.com/office/powerpoint/2010/main" val="4149388241"/>
-      </p:ext>
-    </p:extLst>
-  </p:cSld>
-  <p:clrMapOvr>
-    <a:masterClrMapping/>
-  </p:clrMapOvr>
-  <p:timing>
-    <p:tnLst>
-      <p:par>
-        <p:cTn id="1" dur="indefinite" restart="never" nodeType="tmRoot">
-          <p:childTnLst>
-            <p:seq concurrent="1" nextAc="seek">
-              <p:cTn id="2" dur="indefinite" nodeType="mainSeq">
-                <p:childTnLst>
-                  <p:par>
-                    <p:cTn id="3" fill="hold">
-                      <p:stCondLst>
-                        <p:cond delay="indefinite"/>
-                      </p:stCondLst>
-                      <p:childTnLst>
-                        <p:par>
-                          <p:cTn id="4" fill="hold">
-                            <p:stCondLst>
-                              <p:cond delay="0"/>
-                            </p:stCondLst>
-                            <p:childTnLst>
-                              <p:par>
-                                <p:cTn id="5" presetID="1" presetClass="entr" presetSubtype="0" fill="hold" grpId="0" nodeType="clickEffect">
-                                  <p:stCondLst>
-                                    <p:cond delay="0"/>
-                                  </p:stCondLst>
-                                  <p:childTnLst>
-                                    <p:set>
-                                      <p:cBhvr>
-                                        <p:cTn id="6" dur="1" fill="hold">
-                                          <p:stCondLst>
-                                            <p:cond delay="0"/>
-                                          </p:stCondLst>
-                                        </p:cTn>
-                                        <p:tgtEl>
-                                          <p:spTgt spid="3"/>
-                                        </p:tgtEl>
-                                        <p:attrNameLst>
-                                          <p:attrName>style.visibility</p:attrName>
-                                        </p:attrNameLst>
-                                      </p:cBhvr>
-                                      <p:to>
-                                        <p:strVal val="visible"/>
-                                      </p:to>
-                                    </p:set>
-                                  </p:childTnLst>
-                                </p:cTn>
-                              </p:par>
-                            </p:childTnLst>
-                          </p:cTn>
-                        </p:par>
-                      </p:childTnLst>
-                    </p:cTn>
-                  </p:par>
-                </p:childTnLst>
-              </p:cTn>
-              <p:prevCondLst>
-                <p:cond evt="onPrev" delay="0">
-                  <p:tgtEl>
-                    <p:sldTgt/>
-                  </p:tgtEl>
-                </p:cond>
-              </p:prevCondLst>
-              <p:nextCondLst>
-                <p:cond evt="onNext" delay="0">
-                  <p:tgtEl>
-                    <p:sldTgt/>
-                  </p:tgtEl>
-                </p:cond>
-              </p:nextCondLst>
-            </p:seq>
-          </p:childTnLst>
-        </p:cTn>
-      </p:par>
-    </p:tnLst>
-    <p:bldLst>
-      <p:bldP spid="3" grpId="0"/>
-    </p:bldLst>
-  </p:timing>
-</p:sld>
-</file>
-
-<file path=ppt/slides/slide23.xml><?xml version="1.0" encoding="utf-8"?>
-<p:sld xmlns:a="http://schemas.openxmlformats.org/drawingml/2006/main" xmlns:r="http://schemas.openxmlformats.org/officeDocument/2006/relationships" xmlns:p="http://schemas.openxmlformats.org/presentationml/2006/main">
-  <p:cSld>
-    <p:spTree>
-      <p:nvGrpSpPr>
-        <p:cNvPr id="1" name=""/>
-        <p:cNvGrpSpPr/>
-        <p:nvPr/>
-      </p:nvGrpSpPr>
-      <p:grpSpPr>
-        <a:xfrm>
-          <a:off x="0" y="0"/>
-          <a:ext cx="0" cy="0"/>
-          <a:chOff x="0" y="0"/>
-          <a:chExt cx="0" cy="0"/>
-        </a:xfrm>
-      </p:grpSpPr>
-      <p:graphicFrame>
-        <p:nvGraphicFramePr>
-          <p:cNvPr id="4" name="Объект 3"/>
-          <p:cNvGraphicFramePr>
-            <a:graphicFrameLocks noGrp="1"/>
-          </p:cNvGraphicFramePr>
-          <p:nvPr>
-            <p:ph idx="1"/>
-            <p:extLst>
-              <p:ext uri="{D42A27DB-BD31-4B8C-83A1-F6EECF244321}">
-                <p14:modId xmlns:p14="http://schemas.microsoft.com/office/powerpoint/2010/main" val="1170369373"/>
-              </p:ext>
-            </p:extLst>
-          </p:nvPr>
-        </p:nvGraphicFramePr>
-        <p:xfrm>
-          <a:off x="457200" y="1135285"/>
-          <a:ext cx="8229600" cy="4525963"/>
-        </p:xfrm>
-        <a:graphic>
-          <a:graphicData uri="http://schemas.openxmlformats.org/drawingml/2006/diagram">
-            <dgm:relIds xmlns:dgm="http://schemas.openxmlformats.org/drawingml/2006/diagram" xmlns:r="http://schemas.openxmlformats.org/officeDocument/2006/relationships" r:dm="rId3" r:lo="rId4" r:qs="rId5" r:cs="rId6"/>
-          </a:graphicData>
-        </a:graphic>
-      </p:graphicFrame>
-    </p:spTree>
-    <p:extLst>
-      <p:ext uri="{BB962C8B-B14F-4D97-AF65-F5344CB8AC3E}">
-        <p14:creationId xmlns:p14="http://schemas.microsoft.com/office/powerpoint/2010/main" val="468887335"/>
+        <p14:creationId xmlns:p14="http://schemas.microsoft.com/office/powerpoint/2010/main" val="3860920475"/>
       </p:ext>
     </p:extLst>
   </p:cSld>
@@ -13062,7 +13318,7 @@
 </p:sld>
 </file>
 
-<file path=ppt/slides/slide24.xml><?xml version="1.0" encoding="utf-8"?>
+<file path=ppt/slides/slide23.xml><?xml version="1.0" encoding="utf-8"?>
 <p:sld xmlns:a="http://schemas.openxmlformats.org/drawingml/2006/main" xmlns:r="http://schemas.openxmlformats.org/officeDocument/2006/relationships" xmlns:p="http://schemas.openxmlformats.org/presentationml/2006/main">
   <p:cSld>
     <p:spTree>
@@ -13096,219 +13352,6 @@
           <a:p>
             <a:r>
               <a:rPr lang="en-US" dirty="0" smtClean="0"/>
-              <a:t>DAMP: </a:t>
-            </a:r>
-            <a:r>
-              <a:rPr lang="ru-RU" dirty="0" smtClean="0"/>
-              <a:t>Анатомия теста</a:t>
-            </a:r>
-            <a:endParaRPr lang="ru-RU" dirty="0"/>
-          </a:p>
-        </p:txBody>
-      </p:sp>
-      <p:sp>
-        <p:nvSpPr>
-          <p:cNvPr id="3" name="Объект 2"/>
-          <p:cNvSpPr>
-            <a:spLocks noGrp="1"/>
-          </p:cNvSpPr>
-          <p:nvPr>
-            <p:ph idx="1"/>
-          </p:nvPr>
-        </p:nvSpPr>
-        <p:spPr/>
-        <p:txBody>
-          <a:bodyPr/>
-          <a:lstStyle/>
-          <a:p>
-            <a:r>
-              <a:rPr lang="en-US" dirty="0" smtClean="0"/>
-              <a:t>Arrange</a:t>
-            </a:r>
-          </a:p>
-          <a:p>
-            <a:r>
-              <a:rPr lang="en-US" dirty="0" smtClean="0"/>
-              <a:t>Act</a:t>
-            </a:r>
-          </a:p>
-          <a:p>
-            <a:r>
-              <a:rPr lang="en-US" dirty="0" smtClean="0"/>
-              <a:t>Assert</a:t>
-            </a:r>
-            <a:endParaRPr lang="ru-RU" dirty="0"/>
-          </a:p>
-        </p:txBody>
-      </p:sp>
-    </p:spTree>
-    <p:extLst>
-      <p:ext uri="{BB962C8B-B14F-4D97-AF65-F5344CB8AC3E}">
-        <p14:creationId xmlns:p14="http://schemas.microsoft.com/office/powerpoint/2010/main" val="400814519"/>
-      </p:ext>
-    </p:extLst>
-  </p:cSld>
-  <p:clrMapOvr>
-    <a:masterClrMapping/>
-  </p:clrMapOvr>
-  <p:timing>
-    <p:tnLst>
-      <p:par>
-        <p:cTn id="1" dur="indefinite" restart="never" nodeType="tmRoot"/>
-      </p:par>
-    </p:tnLst>
-  </p:timing>
-</p:sld>
-</file>
-
-<file path=ppt/slides/slide25.xml><?xml version="1.0" encoding="utf-8"?>
-<p:sld xmlns:a="http://schemas.openxmlformats.org/drawingml/2006/main" xmlns:r="http://schemas.openxmlformats.org/officeDocument/2006/relationships" xmlns:p="http://schemas.openxmlformats.org/presentationml/2006/main">
-  <p:cSld>
-    <p:spTree>
-      <p:nvGrpSpPr>
-        <p:cNvPr id="1" name=""/>
-        <p:cNvGrpSpPr/>
-        <p:nvPr/>
-      </p:nvGrpSpPr>
-      <p:grpSpPr>
-        <a:xfrm>
-          <a:off x="0" y="0"/>
-          <a:ext cx="0" cy="0"/>
-          <a:chOff x="0" y="0"/>
-          <a:chExt cx="0" cy="0"/>
-        </a:xfrm>
-      </p:grpSpPr>
-      <p:sp>
-        <p:nvSpPr>
-          <p:cNvPr id="2" name="Заголовок 1"/>
-          <p:cNvSpPr>
-            <a:spLocks noGrp="1"/>
-          </p:cNvSpPr>
-          <p:nvPr>
-            <p:ph type="title"/>
-          </p:nvPr>
-        </p:nvSpPr>
-        <p:spPr/>
-        <p:txBody>
-          <a:bodyPr/>
-          <a:lstStyle/>
-          <a:p>
-            <a:r>
-              <a:rPr lang="en-US" dirty="0" smtClean="0"/>
-              <a:t>DRY</a:t>
-            </a:r>
-            <a:endParaRPr lang="ru-RU" dirty="0"/>
-          </a:p>
-        </p:txBody>
-      </p:sp>
-      <p:sp>
-        <p:nvSpPr>
-          <p:cNvPr id="3" name="Объект 2"/>
-          <p:cNvSpPr>
-            <a:spLocks noGrp="1"/>
-          </p:cNvSpPr>
-          <p:nvPr>
-            <p:ph idx="1"/>
-          </p:nvPr>
-        </p:nvSpPr>
-        <p:spPr/>
-        <p:txBody>
-          <a:bodyPr/>
-          <a:lstStyle/>
-          <a:p>
-            <a:r>
-              <a:rPr lang="en-US" dirty="0" err="1" smtClean="0"/>
-              <a:t>SetUp</a:t>
-            </a:r>
-            <a:endParaRPr lang="en-US" dirty="0" smtClean="0"/>
-          </a:p>
-          <a:p>
-            <a:r>
-              <a:rPr lang="en-US" dirty="0" err="1" smtClean="0"/>
-              <a:t>ObjectMother</a:t>
-            </a:r>
-            <a:r>
-              <a:rPr lang="en-US" dirty="0" smtClean="0"/>
-              <a:t> / Builders</a:t>
-            </a:r>
-          </a:p>
-          <a:p>
-            <a:r>
-              <a:rPr lang="en-US" dirty="0" smtClean="0"/>
-              <a:t>Comparer, Equal, </a:t>
-            </a:r>
-            <a:r>
-              <a:rPr lang="en-US" dirty="0" err="1" smtClean="0"/>
-              <a:t>ToString</a:t>
-            </a:r>
-            <a:endParaRPr lang="en-US" dirty="0" smtClean="0"/>
-          </a:p>
-          <a:p>
-            <a:r>
-              <a:rPr lang="ru-RU" dirty="0" smtClean="0"/>
-              <a:t>Параметризованные тесты</a:t>
-            </a:r>
-            <a:endParaRPr lang="en-US" dirty="0" smtClean="0"/>
-          </a:p>
-          <a:p>
-            <a:endParaRPr lang="ru-RU" dirty="0"/>
-          </a:p>
-        </p:txBody>
-      </p:sp>
-    </p:spTree>
-    <p:extLst>
-      <p:ext uri="{BB962C8B-B14F-4D97-AF65-F5344CB8AC3E}">
-        <p14:creationId xmlns:p14="http://schemas.microsoft.com/office/powerpoint/2010/main" val="3860920475"/>
-      </p:ext>
-    </p:extLst>
-  </p:cSld>
-  <p:clrMapOvr>
-    <a:masterClrMapping/>
-  </p:clrMapOvr>
-  <p:timing>
-    <p:tnLst>
-      <p:par>
-        <p:cTn id="1" dur="indefinite" restart="never" nodeType="tmRoot"/>
-      </p:par>
-    </p:tnLst>
-  </p:timing>
-</p:sld>
-</file>
-
-<file path=ppt/slides/slide26.xml><?xml version="1.0" encoding="utf-8"?>
-<p:sld xmlns:a="http://schemas.openxmlformats.org/drawingml/2006/main" xmlns:r="http://schemas.openxmlformats.org/officeDocument/2006/relationships" xmlns:p="http://schemas.openxmlformats.org/presentationml/2006/main">
-  <p:cSld>
-    <p:spTree>
-      <p:nvGrpSpPr>
-        <p:cNvPr id="1" name=""/>
-        <p:cNvGrpSpPr/>
-        <p:nvPr/>
-      </p:nvGrpSpPr>
-      <p:grpSpPr>
-        <a:xfrm>
-          <a:off x="0" y="0"/>
-          <a:ext cx="0" cy="0"/>
-          <a:chOff x="0" y="0"/>
-          <a:chExt cx="0" cy="0"/>
-        </a:xfrm>
-      </p:grpSpPr>
-      <p:sp>
-        <p:nvSpPr>
-          <p:cNvPr id="2" name="Заголовок 1"/>
-          <p:cNvSpPr>
-            <a:spLocks noGrp="1"/>
-          </p:cNvSpPr>
-          <p:nvPr>
-            <p:ph type="title"/>
-          </p:nvPr>
-        </p:nvSpPr>
-        <p:spPr/>
-        <p:txBody>
-          <a:bodyPr/>
-          <a:lstStyle/>
-          <a:p>
-            <a:r>
-              <a:rPr lang="en-US" dirty="0" smtClean="0"/>
               <a:t>Parametrized tests</a:t>
             </a:r>
             <a:endParaRPr lang="ru-RU" dirty="0"/>
@@ -13403,7 +13446,7 @@
 </p:sld>
 </file>
 
-<file path=ppt/slides/slide27.xml><?xml version="1.0" encoding="utf-8"?>
+<file path=ppt/slides/slide24.xml><?xml version="1.0" encoding="utf-8"?>
 <p:sld xmlns:a="http://schemas.openxmlformats.org/drawingml/2006/main" xmlns:r="http://schemas.openxmlformats.org/officeDocument/2006/relationships" xmlns:p="http://schemas.openxmlformats.org/presentationml/2006/main">
   <p:cSld>
     <p:spTree>
@@ -13632,7 +13675,7 @@
 </p:sld>
 </file>
 
-<file path=ppt/slides/slide28.xml><?xml version="1.0" encoding="utf-8"?>
+<file path=ppt/slides/slide25.xml><?xml version="1.0" encoding="utf-8"?>
 <p:sld xmlns:a="http://schemas.openxmlformats.org/drawingml/2006/main" xmlns:r="http://schemas.openxmlformats.org/officeDocument/2006/relationships" xmlns:p="http://schemas.openxmlformats.org/presentationml/2006/main">
   <p:cSld>
     <p:spTree>
@@ -14072,7 +14115,7 @@
 </p:sld>
 </file>
 
-<file path=ppt/slides/slide29.xml><?xml version="1.0" encoding="utf-8"?>
+<file path=ppt/slides/slide26.xml><?xml version="1.0" encoding="utf-8"?>
 <p:sld xmlns:a="http://schemas.openxmlformats.org/drawingml/2006/main" xmlns:r="http://schemas.openxmlformats.org/officeDocument/2006/relationships" xmlns:p="http://schemas.openxmlformats.org/presentationml/2006/main">
   <p:cSld>
     <p:spTree>
@@ -14504,177 +14547,7 @@
 </p:sld>
 </file>
 
-<file path=ppt/slides/slide3.xml><?xml version="1.0" encoding="utf-8"?>
-<p:sld xmlns:a="http://schemas.openxmlformats.org/drawingml/2006/main" xmlns:r="http://schemas.openxmlformats.org/officeDocument/2006/relationships" xmlns:p="http://schemas.openxmlformats.org/presentationml/2006/main">
-  <p:cSld>
-    <p:spTree>
-      <p:nvGrpSpPr>
-        <p:cNvPr id="1" name=""/>
-        <p:cNvGrpSpPr/>
-        <p:nvPr/>
-      </p:nvGrpSpPr>
-      <p:grpSpPr>
-        <a:xfrm>
-          <a:off x="0" y="0"/>
-          <a:ext cx="0" cy="0"/>
-          <a:chOff x="0" y="0"/>
-          <a:chExt cx="0" cy="0"/>
-        </a:xfrm>
-      </p:grpSpPr>
-      <p:sp>
-        <p:nvSpPr>
-          <p:cNvPr id="2" name="Заголовок 1"/>
-          <p:cNvSpPr>
-            <a:spLocks noGrp="1"/>
-          </p:cNvSpPr>
-          <p:nvPr>
-            <p:ph type="title"/>
-          </p:nvPr>
-        </p:nvSpPr>
-        <p:spPr/>
-        <p:txBody>
-          <a:bodyPr>
-            <a:normAutofit/>
-          </a:bodyPr>
-          <a:lstStyle/>
-          <a:p>
-            <a:r>
-              <a:rPr lang="ru-RU" dirty="0" smtClean="0"/>
-              <a:t>Результаты анкеты</a:t>
-            </a:r>
-            <a:endParaRPr lang="ru-RU" dirty="0"/>
-          </a:p>
-        </p:txBody>
-      </p:sp>
-      <p:sp>
-        <p:nvSpPr>
-          <p:cNvPr id="4" name="Объект 3"/>
-          <p:cNvSpPr>
-            <a:spLocks noGrp="1"/>
-          </p:cNvSpPr>
-          <p:nvPr>
-            <p:ph idx="1"/>
-          </p:nvPr>
-        </p:nvSpPr>
-        <p:spPr>
-          <a:xfrm>
-            <a:off x="457200" y="1772816"/>
-            <a:ext cx="8229600" cy="4353347"/>
-          </a:xfrm>
-        </p:spPr>
-        <p:txBody>
-          <a:bodyPr/>
-          <a:lstStyle/>
-          <a:p>
-            <a:pPr marL="0" indent="0">
-              <a:buNone/>
-            </a:pPr>
-            <a:r>
-              <a:rPr lang="en-US" dirty="0">
-                <a:hlinkClick r:id="rId3"/>
-              </a:rPr>
-              <a:t>http://bit.ly/k-tests-res</a:t>
-            </a:r>
-            <a:endParaRPr lang="ru-RU" dirty="0"/>
-          </a:p>
-        </p:txBody>
-      </p:sp>
-    </p:spTree>
-    <p:extLst>
-      <p:ext uri="{BB962C8B-B14F-4D97-AF65-F5344CB8AC3E}">
-        <p14:creationId xmlns:p14="http://schemas.microsoft.com/office/powerpoint/2010/main" val="4144502769"/>
-      </p:ext>
-    </p:extLst>
-  </p:cSld>
-  <p:clrMapOvr>
-    <a:masterClrMapping/>
-  </p:clrMapOvr>
-  <p:timing>
-    <p:tnLst>
-      <p:par>
-        <p:cTn id="1" dur="indefinite" restart="never" nodeType="tmRoot">
-          <p:childTnLst>
-            <p:seq concurrent="1" nextAc="seek">
-              <p:cTn id="2" dur="indefinite" nodeType="mainSeq">
-                <p:childTnLst>
-                  <p:par>
-                    <p:cTn id="3" fill="hold">
-                      <p:stCondLst>
-                        <p:cond delay="indefinite"/>
-                      </p:stCondLst>
-                      <p:childTnLst>
-                        <p:par>
-                          <p:cTn id="4" fill="hold">
-                            <p:stCondLst>
-                              <p:cond delay="0"/>
-                            </p:stCondLst>
-                            <p:childTnLst>
-                              <p:par>
-                                <p:cTn id="5" presetID="1" presetClass="entr" presetSubtype="0" fill="hold" grpId="0" nodeType="clickEffect">
-                                  <p:stCondLst>
-                                    <p:cond delay="0"/>
-                                  </p:stCondLst>
-                                  <p:childTnLst>
-                                    <p:set>
-                                      <p:cBhvr>
-                                        <p:cTn id="6" dur="1" fill="hold">
-                                          <p:stCondLst>
-                                            <p:cond delay="0"/>
-                                          </p:stCondLst>
-                                        </p:cTn>
-                                        <p:tgtEl>
-                                          <p:spTgt spid="4">
-                                            <p:txEl>
-                                              <p:pRg st="0" end="0"/>
-                                            </p:txEl>
-                                          </p:spTgt>
-                                        </p:tgtEl>
-                                        <p:attrNameLst>
-                                          <p:attrName>style.visibility</p:attrName>
-                                        </p:attrNameLst>
-                                      </p:cBhvr>
-                                      <p:to>
-                                        <p:strVal val="visible"/>
-                                      </p:to>
-                                    </p:set>
-                                  </p:childTnLst>
-                                </p:cTn>
-                              </p:par>
-                            </p:childTnLst>
-                          </p:cTn>
-                        </p:par>
-                      </p:childTnLst>
-                    </p:cTn>
-                  </p:par>
-                </p:childTnLst>
-              </p:cTn>
-              <p:prevCondLst>
-                <p:cond evt="onPrev" delay="0">
-                  <p:tgtEl>
-                    <p:sldTgt/>
-                  </p:tgtEl>
-                </p:cond>
-              </p:prevCondLst>
-              <p:nextCondLst>
-                <p:cond evt="onNext" delay="0">
-                  <p:tgtEl>
-                    <p:sldTgt/>
-                  </p:tgtEl>
-                </p:cond>
-              </p:nextCondLst>
-            </p:seq>
-          </p:childTnLst>
-        </p:cTn>
-      </p:par>
-    </p:tnLst>
-    <p:bldLst>
-      <p:bldP spid="4" grpId="0" build="p"/>
-    </p:bldLst>
-  </p:timing>
-</p:sld>
-</file>
-
-<file path=ppt/slides/slide30.xml><?xml version="1.0" encoding="utf-8"?>
+<file path=ppt/slides/slide27.xml><?xml version="1.0" encoding="utf-8"?>
 <p:sld xmlns:a="http://schemas.openxmlformats.org/drawingml/2006/main" xmlns:r="http://schemas.openxmlformats.org/officeDocument/2006/relationships" xmlns:p="http://schemas.openxmlformats.org/presentationml/2006/main">
   <p:cSld>
     <p:spTree>
@@ -15068,7 +14941,7 @@
 </p:sld>
 </file>
 
-<file path=ppt/slides/slide31.xml><?xml version="1.0" encoding="utf-8"?>
+<file path=ppt/slides/slide28.xml><?xml version="1.0" encoding="utf-8"?>
 <p:sld xmlns:a="http://schemas.openxmlformats.org/drawingml/2006/main" xmlns:r="http://schemas.openxmlformats.org/officeDocument/2006/relationships" xmlns:p="http://schemas.openxmlformats.org/presentationml/2006/main">
   <p:cSld>
     <p:spTree>
@@ -15409,7 +15282,7 @@
 </p:sld>
 </file>
 
-<file path=ppt/slides/slide32.xml><?xml version="1.0" encoding="utf-8"?>
+<file path=ppt/slides/slide29.xml><?xml version="1.0" encoding="utf-8"?>
 <p:sld xmlns:a="http://schemas.openxmlformats.org/drawingml/2006/main" xmlns:r="http://schemas.openxmlformats.org/officeDocument/2006/relationships" xmlns:p="http://schemas.openxmlformats.org/presentationml/2006/main">
   <p:cSld>
     <p:spTree>
@@ -15479,11 +15352,7 @@
             </a:r>
             <a:r>
               <a:rPr lang="ru-RU" dirty="0" smtClean="0"/>
-              <a:t> </a:t>
-            </a:r>
-            <a:r>
-              <a:rPr lang="ru-RU" dirty="0" smtClean="0"/>
-              <a:t>тестов в проекте </a:t>
+              <a:t> тестов в проекте </a:t>
             </a:r>
             <a:r>
               <a:rPr lang="en-US" dirty="0" smtClean="0"/>
@@ -15491,11 +15360,7 @@
             </a:r>
             <a:r>
               <a:rPr lang="ru-RU" dirty="0" smtClean="0"/>
-              <a:t>. </a:t>
-            </a:r>
-            <a:r>
-              <a:rPr lang="ru-RU" dirty="0" smtClean="0"/>
-              <a:t>Цели:</a:t>
+              <a:t>. Цели:</a:t>
             </a:r>
             <a:endParaRPr lang="ru-RU" dirty="0"/>
           </a:p>
@@ -15543,6 +15408,526 @@
     <p:extLst>
       <p:ext uri="{BB962C8B-B14F-4D97-AF65-F5344CB8AC3E}">
         <p14:creationId xmlns:p14="http://schemas.microsoft.com/office/powerpoint/2010/main" val="3496491581"/>
+      </p:ext>
+    </p:extLst>
+  </p:cSld>
+  <p:clrMapOvr>
+    <a:masterClrMapping/>
+  </p:clrMapOvr>
+  <p:timing>
+    <p:tnLst>
+      <p:par>
+        <p:cTn id="1" dur="indefinite" restart="never" nodeType="tmRoot"/>
+      </p:par>
+    </p:tnLst>
+  </p:timing>
+</p:sld>
+</file>
+
+<file path=ppt/slides/slide3.xml><?xml version="1.0" encoding="utf-8"?>
+<p:sld xmlns:a="http://schemas.openxmlformats.org/drawingml/2006/main" xmlns:r="http://schemas.openxmlformats.org/officeDocument/2006/relationships" xmlns:p="http://schemas.openxmlformats.org/presentationml/2006/main">
+  <p:cSld>
+    <p:spTree>
+      <p:nvGrpSpPr>
+        <p:cNvPr id="1" name=""/>
+        <p:cNvGrpSpPr/>
+        <p:nvPr/>
+      </p:nvGrpSpPr>
+      <p:grpSpPr>
+        <a:xfrm>
+          <a:off x="0" y="0"/>
+          <a:ext cx="0" cy="0"/>
+          <a:chOff x="0" y="0"/>
+          <a:chExt cx="0" cy="0"/>
+        </a:xfrm>
+      </p:grpSpPr>
+      <p:sp>
+        <p:nvSpPr>
+          <p:cNvPr id="2" name="Заголовок 1"/>
+          <p:cNvSpPr>
+            <a:spLocks noGrp="1"/>
+          </p:cNvSpPr>
+          <p:nvPr>
+            <p:ph type="title"/>
+          </p:nvPr>
+        </p:nvSpPr>
+        <p:spPr/>
+        <p:txBody>
+          <a:bodyPr>
+            <a:normAutofit/>
+          </a:bodyPr>
+          <a:lstStyle/>
+          <a:p>
+            <a:r>
+              <a:rPr lang="ru-RU" dirty="0" smtClean="0"/>
+              <a:t>Результаты анкеты</a:t>
+            </a:r>
+            <a:endParaRPr lang="ru-RU" dirty="0"/>
+          </a:p>
+        </p:txBody>
+      </p:sp>
+      <p:sp>
+        <p:nvSpPr>
+          <p:cNvPr id="4" name="Объект 3"/>
+          <p:cNvSpPr>
+            <a:spLocks noGrp="1"/>
+          </p:cNvSpPr>
+          <p:nvPr>
+            <p:ph idx="1"/>
+          </p:nvPr>
+        </p:nvSpPr>
+        <p:spPr>
+          <a:xfrm>
+            <a:off x="457200" y="1772816"/>
+            <a:ext cx="8229600" cy="4353347"/>
+          </a:xfrm>
+        </p:spPr>
+        <p:txBody>
+          <a:bodyPr/>
+          <a:lstStyle/>
+          <a:p>
+            <a:pPr marL="0" indent="0">
+              <a:buNone/>
+            </a:pPr>
+            <a:r>
+              <a:rPr lang="en-US" dirty="0">
+                <a:hlinkClick r:id="rId3"/>
+              </a:rPr>
+              <a:t>http://bit.ly/k-tests-res</a:t>
+            </a:r>
+            <a:endParaRPr lang="ru-RU" dirty="0"/>
+          </a:p>
+        </p:txBody>
+      </p:sp>
+    </p:spTree>
+    <p:extLst>
+      <p:ext uri="{BB962C8B-B14F-4D97-AF65-F5344CB8AC3E}">
+        <p14:creationId xmlns:p14="http://schemas.microsoft.com/office/powerpoint/2010/main" val="4144502769"/>
+      </p:ext>
+    </p:extLst>
+  </p:cSld>
+  <p:clrMapOvr>
+    <a:masterClrMapping/>
+  </p:clrMapOvr>
+  <p:timing>
+    <p:tnLst>
+      <p:par>
+        <p:cTn id="1" dur="indefinite" restart="never" nodeType="tmRoot">
+          <p:childTnLst>
+            <p:seq concurrent="1" nextAc="seek">
+              <p:cTn id="2" dur="indefinite" nodeType="mainSeq">
+                <p:childTnLst>
+                  <p:par>
+                    <p:cTn id="3" fill="hold">
+                      <p:stCondLst>
+                        <p:cond delay="indefinite"/>
+                      </p:stCondLst>
+                      <p:childTnLst>
+                        <p:par>
+                          <p:cTn id="4" fill="hold">
+                            <p:stCondLst>
+                              <p:cond delay="0"/>
+                            </p:stCondLst>
+                            <p:childTnLst>
+                              <p:par>
+                                <p:cTn id="5" presetID="1" presetClass="entr" presetSubtype="0" fill="hold" grpId="0" nodeType="clickEffect">
+                                  <p:stCondLst>
+                                    <p:cond delay="0"/>
+                                  </p:stCondLst>
+                                  <p:childTnLst>
+                                    <p:set>
+                                      <p:cBhvr>
+                                        <p:cTn id="6" dur="1" fill="hold">
+                                          <p:stCondLst>
+                                            <p:cond delay="0"/>
+                                          </p:stCondLst>
+                                        </p:cTn>
+                                        <p:tgtEl>
+                                          <p:spTgt spid="4">
+                                            <p:txEl>
+                                              <p:pRg st="0" end="0"/>
+                                            </p:txEl>
+                                          </p:spTgt>
+                                        </p:tgtEl>
+                                        <p:attrNameLst>
+                                          <p:attrName>style.visibility</p:attrName>
+                                        </p:attrNameLst>
+                                      </p:cBhvr>
+                                      <p:to>
+                                        <p:strVal val="visible"/>
+                                      </p:to>
+                                    </p:set>
+                                  </p:childTnLst>
+                                </p:cTn>
+                              </p:par>
+                            </p:childTnLst>
+                          </p:cTn>
+                        </p:par>
+                      </p:childTnLst>
+                    </p:cTn>
+                  </p:par>
+                </p:childTnLst>
+              </p:cTn>
+              <p:prevCondLst>
+                <p:cond evt="onPrev" delay="0">
+                  <p:tgtEl>
+                    <p:sldTgt/>
+                  </p:tgtEl>
+                </p:cond>
+              </p:prevCondLst>
+              <p:nextCondLst>
+                <p:cond evt="onNext" delay="0">
+                  <p:tgtEl>
+                    <p:sldTgt/>
+                  </p:tgtEl>
+                </p:cond>
+              </p:nextCondLst>
+            </p:seq>
+          </p:childTnLst>
+        </p:cTn>
+      </p:par>
+    </p:tnLst>
+    <p:bldLst>
+      <p:bldP spid="4" grpId="0" build="p"/>
+    </p:bldLst>
+  </p:timing>
+</p:sld>
+</file>
+
+<file path=ppt/slides/slide30.xml><?xml version="1.0" encoding="utf-8"?>
+<p:sld xmlns:a="http://schemas.openxmlformats.org/drawingml/2006/main" xmlns:r="http://schemas.openxmlformats.org/officeDocument/2006/relationships" xmlns:p="http://schemas.openxmlformats.org/presentationml/2006/main">
+  <p:cSld>
+    <p:spTree>
+      <p:nvGrpSpPr>
+        <p:cNvPr id="1" name=""/>
+        <p:cNvGrpSpPr/>
+        <p:nvPr/>
+      </p:nvGrpSpPr>
+      <p:grpSpPr>
+        <a:xfrm>
+          <a:off x="0" y="0"/>
+          <a:ext cx="0" cy="0"/>
+          <a:chOff x="0" y="0"/>
+          <a:chExt cx="0" cy="0"/>
+        </a:xfrm>
+      </p:grpSpPr>
+      <p:sp>
+        <p:nvSpPr>
+          <p:cNvPr id="2" name="Заголовок 1"/>
+          <p:cNvSpPr>
+            <a:spLocks noGrp="1"/>
+          </p:cNvSpPr>
+          <p:nvPr>
+            <p:ph type="title"/>
+          </p:nvPr>
+        </p:nvSpPr>
+        <p:spPr/>
+        <p:txBody>
+          <a:bodyPr/>
+          <a:lstStyle/>
+          <a:p>
+            <a:r>
+              <a:rPr lang="ru-RU" dirty="0" smtClean="0"/>
+              <a:t>Анализ задачи</a:t>
+            </a:r>
+            <a:endParaRPr lang="ru-RU" dirty="0"/>
+          </a:p>
+        </p:txBody>
+      </p:sp>
+      <p:sp>
+        <p:nvSpPr>
+          <p:cNvPr id="3" name="Объект 2"/>
+          <p:cNvSpPr>
+            <a:spLocks noGrp="1"/>
+          </p:cNvSpPr>
+          <p:nvPr>
+            <p:ph idx="1"/>
+          </p:nvPr>
+        </p:nvSpPr>
+        <p:spPr/>
+        <p:txBody>
+          <a:bodyPr/>
+          <a:lstStyle/>
+          <a:p>
+            <a:r>
+              <a:rPr lang="en-US" dirty="0" smtClean="0"/>
+              <a:t>Equals </a:t>
+            </a:r>
+            <a:r>
+              <a:rPr lang="ru-RU" dirty="0" smtClean="0"/>
+              <a:t>или </a:t>
+            </a:r>
+            <a:r>
+              <a:rPr lang="en-US" dirty="0" err="1" smtClean="0"/>
+              <a:t>ToString</a:t>
+            </a:r>
+            <a:r>
+              <a:rPr lang="en-US" dirty="0" smtClean="0"/>
+              <a:t> </a:t>
+            </a:r>
+            <a:r>
+              <a:rPr lang="ru-RU" dirty="0" smtClean="0"/>
+              <a:t>у </a:t>
+            </a:r>
+            <a:r>
+              <a:rPr lang="en-US" dirty="0" err="1" smtClean="0"/>
+              <a:t>TextDocument</a:t>
+            </a:r>
+            <a:r>
+              <a:rPr lang="ru-RU" dirty="0" smtClean="0"/>
+              <a:t> (</a:t>
+            </a:r>
+            <a:r>
+              <a:rPr lang="en-US" dirty="0" smtClean="0"/>
+              <a:t>DRY)</a:t>
+            </a:r>
+            <a:endParaRPr lang="ru-RU" dirty="0"/>
+          </a:p>
+          <a:p>
+            <a:r>
+              <a:rPr lang="ru-RU" dirty="0" smtClean="0"/>
+              <a:t>Убрать </a:t>
+            </a:r>
+            <a:r>
+              <a:rPr lang="en-US" dirty="0" err="1" smtClean="0"/>
+              <a:t>SetUp</a:t>
+            </a:r>
+            <a:r>
+              <a:rPr lang="ru-RU" dirty="0" smtClean="0"/>
+              <a:t> и константу (</a:t>
+            </a:r>
+            <a:r>
+              <a:rPr lang="en-US" dirty="0" smtClean="0"/>
+              <a:t>DUMP)</a:t>
+            </a:r>
+            <a:endParaRPr lang="ru-RU" dirty="0" smtClean="0"/>
+          </a:p>
+          <a:p>
+            <a:r>
+              <a:rPr lang="ru-RU" dirty="0" smtClean="0"/>
+              <a:t>Упростить </a:t>
+            </a:r>
+            <a:r>
+              <a:rPr lang="en-US" dirty="0" err="1" smtClean="0"/>
+              <a:t>MoreComplex</a:t>
+            </a:r>
+            <a:r>
+              <a:rPr lang="en-US" dirty="0" smtClean="0"/>
+              <a:t> (KISS)</a:t>
+            </a:r>
+            <a:endParaRPr lang="en-US" dirty="0"/>
+          </a:p>
+          <a:p>
+            <a:r>
+              <a:rPr lang="ru-RU" dirty="0" smtClean="0"/>
+              <a:t>Разбить </a:t>
+            </a:r>
+            <a:r>
+              <a:rPr lang="en-US" dirty="0" err="1" smtClean="0"/>
+              <a:t>TestUndo</a:t>
+            </a:r>
+            <a:r>
+              <a:rPr lang="en-US" dirty="0" smtClean="0"/>
+              <a:t> (AAA)</a:t>
+            </a:r>
+            <a:endParaRPr lang="ru-RU" dirty="0" smtClean="0"/>
+          </a:p>
+          <a:p>
+            <a:r>
+              <a:rPr lang="ru-RU" dirty="0" smtClean="0"/>
+              <a:t>Имена тестов</a:t>
+            </a:r>
+            <a:r>
+              <a:rPr lang="en-US" dirty="0" smtClean="0"/>
+              <a:t> (Tests as Specs)</a:t>
+            </a:r>
+            <a:endParaRPr lang="ru-RU" dirty="0" smtClean="0"/>
+          </a:p>
+          <a:p>
+            <a:endParaRPr lang="ru-RU" dirty="0" smtClean="0"/>
+          </a:p>
+          <a:p>
+            <a:pPr marL="0" indent="0">
+              <a:buNone/>
+            </a:pPr>
+            <a:endParaRPr lang="ru-RU" dirty="0"/>
+          </a:p>
+          <a:p>
+            <a:pPr marL="0" indent="0">
+              <a:buNone/>
+            </a:pPr>
+            <a:endParaRPr lang="ru-RU" dirty="0"/>
+          </a:p>
+        </p:txBody>
+      </p:sp>
+    </p:spTree>
+    <p:extLst>
+      <p:ext uri="{BB962C8B-B14F-4D97-AF65-F5344CB8AC3E}">
+        <p14:creationId xmlns:p14="http://schemas.microsoft.com/office/powerpoint/2010/main" val="3151332467"/>
+      </p:ext>
+    </p:extLst>
+  </p:cSld>
+  <p:clrMapOvr>
+    <a:masterClrMapping/>
+  </p:clrMapOvr>
+  <p:timing>
+    <p:tnLst>
+      <p:par>
+        <p:cTn id="1" dur="indefinite" restart="never" nodeType="tmRoot"/>
+      </p:par>
+    </p:tnLst>
+  </p:timing>
+</p:sld>
+</file>
+
+<file path=ppt/slides/slide31.xml><?xml version="1.0" encoding="utf-8"?>
+<p:sld xmlns:a="http://schemas.openxmlformats.org/drawingml/2006/main" xmlns:r="http://schemas.openxmlformats.org/officeDocument/2006/relationships" xmlns:p="http://schemas.openxmlformats.org/presentationml/2006/main">
+  <p:cSld>
+    <p:spTree>
+      <p:nvGrpSpPr>
+        <p:cNvPr id="1" name=""/>
+        <p:cNvGrpSpPr/>
+        <p:nvPr/>
+      </p:nvGrpSpPr>
+      <p:grpSpPr>
+        <a:xfrm>
+          <a:off x="0" y="0"/>
+          <a:ext cx="0" cy="0"/>
+          <a:chOff x="0" y="0"/>
+          <a:chExt cx="0" cy="0"/>
+        </a:xfrm>
+      </p:grpSpPr>
+      <p:sp>
+        <p:nvSpPr>
+          <p:cNvPr id="2" name="Заголовок 1"/>
+          <p:cNvSpPr>
+            <a:spLocks noGrp="1"/>
+          </p:cNvSpPr>
+          <p:nvPr>
+            <p:ph type="title"/>
+          </p:nvPr>
+        </p:nvSpPr>
+        <p:spPr/>
+        <p:txBody>
+          <a:bodyPr/>
+          <a:lstStyle/>
+          <a:p>
+            <a:r>
+              <a:rPr lang="en-US" dirty="0" smtClean="0"/>
+              <a:t>Test Driven Development</a:t>
+            </a:r>
+            <a:endParaRPr lang="ru-RU" dirty="0"/>
+          </a:p>
+        </p:txBody>
+      </p:sp>
+      <p:sp>
+        <p:nvSpPr>
+          <p:cNvPr id="4" name="Текст 3"/>
+          <p:cNvSpPr>
+            <a:spLocks noGrp="1"/>
+          </p:cNvSpPr>
+          <p:nvPr>
+            <p:ph type="body" idx="1"/>
+          </p:nvPr>
+        </p:nvSpPr>
+        <p:spPr/>
+        <p:txBody>
+          <a:bodyPr/>
+          <a:lstStyle/>
+          <a:p>
+            <a:endParaRPr lang="ru-RU"/>
+          </a:p>
+        </p:txBody>
+      </p:sp>
+    </p:spTree>
+    <p:extLst>
+      <p:ext uri="{BB962C8B-B14F-4D97-AF65-F5344CB8AC3E}">
+        <p14:creationId xmlns:p14="http://schemas.microsoft.com/office/powerpoint/2010/main" val="2103204031"/>
+      </p:ext>
+    </p:extLst>
+  </p:cSld>
+  <p:clrMapOvr>
+    <a:masterClrMapping/>
+  </p:clrMapOvr>
+  <p:timing>
+    <p:tnLst>
+      <p:par>
+        <p:cTn id="1" dur="indefinite" restart="never" nodeType="tmRoot"/>
+      </p:par>
+    </p:tnLst>
+  </p:timing>
+</p:sld>
+</file>
+
+<file path=ppt/slides/slide32.xml><?xml version="1.0" encoding="utf-8"?>
+<p:sld xmlns:a="http://schemas.openxmlformats.org/drawingml/2006/main" xmlns:r="http://schemas.openxmlformats.org/officeDocument/2006/relationships" xmlns:p="http://schemas.openxmlformats.org/presentationml/2006/main">
+  <p:cSld>
+    <p:spTree>
+      <p:nvGrpSpPr>
+        <p:cNvPr id="1" name=""/>
+        <p:cNvGrpSpPr/>
+        <p:nvPr/>
+      </p:nvGrpSpPr>
+      <p:grpSpPr>
+        <a:xfrm>
+          <a:off x="0" y="0"/>
+          <a:ext cx="0" cy="0"/>
+          <a:chOff x="0" y="0"/>
+          <a:chExt cx="0" cy="0"/>
+        </a:xfrm>
+      </p:grpSpPr>
+      <p:sp>
+        <p:nvSpPr>
+          <p:cNvPr id="2" name="Заголовок 1"/>
+          <p:cNvSpPr>
+            <a:spLocks noGrp="1"/>
+          </p:cNvSpPr>
+          <p:nvPr>
+            <p:ph type="title"/>
+          </p:nvPr>
+        </p:nvSpPr>
+        <p:spPr/>
+        <p:txBody>
+          <a:bodyPr>
+            <a:normAutofit/>
+          </a:bodyPr>
+          <a:lstStyle/>
+          <a:p>
+            <a:r>
+              <a:rPr lang="ru-RU" dirty="0" smtClean="0"/>
+              <a:t>Проблема</a:t>
+            </a:r>
+            <a:endParaRPr lang="ru-RU" dirty="0"/>
+          </a:p>
+        </p:txBody>
+      </p:sp>
+      <p:sp>
+        <p:nvSpPr>
+          <p:cNvPr id="4" name="Объект 3"/>
+          <p:cNvSpPr>
+            <a:spLocks noGrp="1"/>
+          </p:cNvSpPr>
+          <p:nvPr>
+            <p:ph idx="1"/>
+          </p:nvPr>
+        </p:nvSpPr>
+        <p:spPr/>
+        <p:txBody>
+          <a:bodyPr/>
+          <a:lstStyle/>
+          <a:p>
+            <a:r>
+              <a:rPr lang="ru-RU" dirty="0" smtClean="0"/>
+              <a:t>До тестов руки не дошли...</a:t>
+            </a:r>
+            <a:endParaRPr lang="ru-RU" dirty="0"/>
+          </a:p>
+        </p:txBody>
+      </p:sp>
+    </p:spTree>
+    <p:extLst>
+      <p:ext uri="{BB962C8B-B14F-4D97-AF65-F5344CB8AC3E}">
+        <p14:creationId xmlns:p14="http://schemas.microsoft.com/office/powerpoint/2010/main" val="2594183771"/>
       </p:ext>
     </p:extLst>
   </p:cSld>
@@ -15588,170 +15973,6 @@
         </p:nvSpPr>
         <p:spPr/>
         <p:txBody>
-          <a:bodyPr/>
-          <a:lstStyle/>
-          <a:p>
-            <a:r>
-              <a:rPr lang="en-US" dirty="0" smtClean="0"/>
-              <a:t>Test Driven Development</a:t>
-            </a:r>
-            <a:endParaRPr lang="ru-RU" dirty="0"/>
-          </a:p>
-        </p:txBody>
-      </p:sp>
-      <p:sp>
-        <p:nvSpPr>
-          <p:cNvPr id="4" name="Текст 3"/>
-          <p:cNvSpPr>
-            <a:spLocks noGrp="1"/>
-          </p:cNvSpPr>
-          <p:nvPr>
-            <p:ph type="body" idx="1"/>
-          </p:nvPr>
-        </p:nvSpPr>
-        <p:spPr/>
-        <p:txBody>
-          <a:bodyPr/>
-          <a:lstStyle/>
-          <a:p>
-            <a:endParaRPr lang="ru-RU"/>
-          </a:p>
-        </p:txBody>
-      </p:sp>
-    </p:spTree>
-    <p:extLst>
-      <p:ext uri="{BB962C8B-B14F-4D97-AF65-F5344CB8AC3E}">
-        <p14:creationId xmlns:p14="http://schemas.microsoft.com/office/powerpoint/2010/main" val="2103204031"/>
-      </p:ext>
-    </p:extLst>
-  </p:cSld>
-  <p:clrMapOvr>
-    <a:masterClrMapping/>
-  </p:clrMapOvr>
-  <p:timing>
-    <p:tnLst>
-      <p:par>
-        <p:cTn id="1" dur="indefinite" restart="never" nodeType="tmRoot"/>
-      </p:par>
-    </p:tnLst>
-  </p:timing>
-</p:sld>
-</file>
-
-<file path=ppt/slides/slide34.xml><?xml version="1.0" encoding="utf-8"?>
-<p:sld xmlns:a="http://schemas.openxmlformats.org/drawingml/2006/main" xmlns:r="http://schemas.openxmlformats.org/officeDocument/2006/relationships" xmlns:p="http://schemas.openxmlformats.org/presentationml/2006/main">
-  <p:cSld>
-    <p:spTree>
-      <p:nvGrpSpPr>
-        <p:cNvPr id="1" name=""/>
-        <p:cNvGrpSpPr/>
-        <p:nvPr/>
-      </p:nvGrpSpPr>
-      <p:grpSpPr>
-        <a:xfrm>
-          <a:off x="0" y="0"/>
-          <a:ext cx="0" cy="0"/>
-          <a:chOff x="0" y="0"/>
-          <a:chExt cx="0" cy="0"/>
-        </a:xfrm>
-      </p:grpSpPr>
-      <p:sp>
-        <p:nvSpPr>
-          <p:cNvPr id="2" name="Заголовок 1"/>
-          <p:cNvSpPr>
-            <a:spLocks noGrp="1"/>
-          </p:cNvSpPr>
-          <p:nvPr>
-            <p:ph type="title"/>
-          </p:nvPr>
-        </p:nvSpPr>
-        <p:spPr/>
-        <p:txBody>
-          <a:bodyPr>
-            <a:normAutofit/>
-          </a:bodyPr>
-          <a:lstStyle/>
-          <a:p>
-            <a:r>
-              <a:rPr lang="ru-RU" dirty="0" smtClean="0"/>
-              <a:t>Проблема</a:t>
-            </a:r>
-            <a:endParaRPr lang="ru-RU" dirty="0"/>
-          </a:p>
-        </p:txBody>
-      </p:sp>
-      <p:sp>
-        <p:nvSpPr>
-          <p:cNvPr id="4" name="Объект 3"/>
-          <p:cNvSpPr>
-            <a:spLocks noGrp="1"/>
-          </p:cNvSpPr>
-          <p:nvPr>
-            <p:ph idx="1"/>
-          </p:nvPr>
-        </p:nvSpPr>
-        <p:spPr/>
-        <p:txBody>
-          <a:bodyPr/>
-          <a:lstStyle/>
-          <a:p>
-            <a:r>
-              <a:rPr lang="ru-RU" dirty="0" smtClean="0"/>
-              <a:t>До тестов руки не дошли...</a:t>
-            </a:r>
-            <a:endParaRPr lang="ru-RU" dirty="0"/>
-          </a:p>
-        </p:txBody>
-      </p:sp>
-    </p:spTree>
-    <p:extLst>
-      <p:ext uri="{BB962C8B-B14F-4D97-AF65-F5344CB8AC3E}">
-        <p14:creationId xmlns:p14="http://schemas.microsoft.com/office/powerpoint/2010/main" val="2594183771"/>
-      </p:ext>
-    </p:extLst>
-  </p:cSld>
-  <p:clrMapOvr>
-    <a:masterClrMapping/>
-  </p:clrMapOvr>
-  <p:timing>
-    <p:tnLst>
-      <p:par>
-        <p:cTn id="1" dur="indefinite" restart="never" nodeType="tmRoot"/>
-      </p:par>
-    </p:tnLst>
-  </p:timing>
-</p:sld>
-</file>
-
-<file path=ppt/slides/slide35.xml><?xml version="1.0" encoding="utf-8"?>
-<p:sld xmlns:a="http://schemas.openxmlformats.org/drawingml/2006/main" xmlns:r="http://schemas.openxmlformats.org/officeDocument/2006/relationships" xmlns:p="http://schemas.openxmlformats.org/presentationml/2006/main">
-  <p:cSld>
-    <p:spTree>
-      <p:nvGrpSpPr>
-        <p:cNvPr id="1" name=""/>
-        <p:cNvGrpSpPr/>
-        <p:nvPr/>
-      </p:nvGrpSpPr>
-      <p:grpSpPr>
-        <a:xfrm>
-          <a:off x="0" y="0"/>
-          <a:ext cx="0" cy="0"/>
-          <a:chOff x="0" y="0"/>
-          <a:chExt cx="0" cy="0"/>
-        </a:xfrm>
-      </p:grpSpPr>
-      <p:sp>
-        <p:nvSpPr>
-          <p:cNvPr id="2" name="Заголовок 1"/>
-          <p:cNvSpPr>
-            <a:spLocks noGrp="1"/>
-          </p:cNvSpPr>
-          <p:nvPr>
-            <p:ph type="title"/>
-          </p:nvPr>
-        </p:nvSpPr>
-        <p:spPr/>
-        <p:txBody>
           <a:bodyPr>
             <a:normAutofit/>
           </a:bodyPr>
@@ -15807,7 +16028,7 @@
 </p:sld>
 </file>
 
-<file path=ppt/slides/slide36.xml><?xml version="1.0" encoding="utf-8"?>
+<file path=ppt/slides/slide34.xml><?xml version="1.0" encoding="utf-8"?>
 <p:sld xmlns:a="http://schemas.openxmlformats.org/drawingml/2006/main" xmlns:r="http://schemas.openxmlformats.org/officeDocument/2006/relationships" xmlns:p="http://schemas.openxmlformats.org/presentationml/2006/main">
   <p:cSld>
     <p:spTree>
@@ -16334,7 +16555,7 @@
 </p:sld>
 </file>
 
-<file path=ppt/slides/slide37.xml><?xml version="1.0" encoding="utf-8"?>
+<file path=ppt/slides/slide35.xml><?xml version="1.0" encoding="utf-8"?>
 <p:sld xmlns:a="http://schemas.openxmlformats.org/drawingml/2006/main" xmlns:r="http://schemas.openxmlformats.org/officeDocument/2006/relationships" xmlns:p="http://schemas.openxmlformats.org/presentationml/2006/main">
   <p:cSld>
     <p:spTree>
@@ -16416,7 +16637,7 @@
 </p:sld>
 </file>
 
-<file path=ppt/slides/slide38.xml><?xml version="1.0" encoding="utf-8"?>
+<file path=ppt/slides/slide36.xml><?xml version="1.0" encoding="utf-8"?>
 <p:sld xmlns:a="http://schemas.openxmlformats.org/drawingml/2006/main" xmlns:r="http://schemas.openxmlformats.org/officeDocument/2006/relationships" xmlns:p="http://schemas.openxmlformats.org/presentationml/2006/main">
   <p:cSld>
     <p:spTree>
@@ -16691,6 +16912,199 @@
 </p:sld>
 </file>
 
+<file path=ppt/slides/slide37.xml><?xml version="1.0" encoding="utf-8"?>
+<p:sld xmlns:a="http://schemas.openxmlformats.org/drawingml/2006/main" xmlns:r="http://schemas.openxmlformats.org/officeDocument/2006/relationships" xmlns:p="http://schemas.openxmlformats.org/presentationml/2006/main">
+  <p:cSld>
+    <p:spTree>
+      <p:nvGrpSpPr>
+        <p:cNvPr id="1" name=""/>
+        <p:cNvGrpSpPr/>
+        <p:nvPr/>
+      </p:nvGrpSpPr>
+      <p:grpSpPr>
+        <a:xfrm>
+          <a:off x="0" y="0"/>
+          <a:ext cx="0" cy="0"/>
+          <a:chOff x="0" y="0"/>
+          <a:chExt cx="0" cy="0"/>
+        </a:xfrm>
+      </p:grpSpPr>
+      <p:sp>
+        <p:nvSpPr>
+          <p:cNvPr id="2" name="Заголовок 1"/>
+          <p:cNvSpPr>
+            <a:spLocks noGrp="1"/>
+          </p:cNvSpPr>
+          <p:nvPr>
+            <p:ph type="title"/>
+          </p:nvPr>
+        </p:nvSpPr>
+        <p:spPr/>
+        <p:txBody>
+          <a:bodyPr/>
+          <a:lstStyle/>
+          <a:p>
+            <a:r>
+              <a:rPr lang="en-US" dirty="0" smtClean="0"/>
+              <a:t>TDD</a:t>
+            </a:r>
+            <a:r>
+              <a:rPr lang="ru-RU" dirty="0" smtClean="0"/>
+              <a:t> ваши возражения?</a:t>
+            </a:r>
+            <a:endParaRPr lang="ru-RU" dirty="0"/>
+          </a:p>
+        </p:txBody>
+      </p:sp>
+      <p:sp>
+        <p:nvSpPr>
+          <p:cNvPr id="3" name="Объект 2"/>
+          <p:cNvSpPr>
+            <a:spLocks noGrp="1"/>
+          </p:cNvSpPr>
+          <p:nvPr>
+            <p:ph idx="1"/>
+          </p:nvPr>
+        </p:nvSpPr>
+        <p:spPr/>
+        <p:txBody>
+          <a:bodyPr/>
+          <a:lstStyle/>
+          <a:p>
+            <a:pPr marL="0" indent="0">
+              <a:buNone/>
+            </a:pPr>
+            <a:r>
+              <a:rPr lang="ru-RU" dirty="0" smtClean="0"/>
+              <a:t>Слайд ответов на возражения</a:t>
+            </a:r>
+          </a:p>
+        </p:txBody>
+      </p:sp>
+    </p:spTree>
+    <p:extLst>
+      <p:ext uri="{BB962C8B-B14F-4D97-AF65-F5344CB8AC3E}">
+        <p14:creationId xmlns:p14="http://schemas.microsoft.com/office/powerpoint/2010/main" val="438521335"/>
+      </p:ext>
+    </p:extLst>
+  </p:cSld>
+  <p:clrMapOvr>
+    <a:masterClrMapping/>
+  </p:clrMapOvr>
+  <p:timing>
+    <p:tnLst>
+      <p:par>
+        <p:cTn id="1" dur="indefinite" restart="never" nodeType="tmRoot"/>
+      </p:par>
+    </p:tnLst>
+  </p:timing>
+</p:sld>
+</file>
+
+<file path=ppt/slides/slide38.xml><?xml version="1.0" encoding="utf-8"?>
+<p:sld xmlns:a="http://schemas.openxmlformats.org/drawingml/2006/main" xmlns:r="http://schemas.openxmlformats.org/officeDocument/2006/relationships" xmlns:p="http://schemas.openxmlformats.org/presentationml/2006/main">
+  <p:cSld>
+    <p:spTree>
+      <p:nvGrpSpPr>
+        <p:cNvPr id="1" name=""/>
+        <p:cNvGrpSpPr/>
+        <p:nvPr/>
+      </p:nvGrpSpPr>
+      <p:grpSpPr>
+        <a:xfrm>
+          <a:off x="0" y="0"/>
+          <a:ext cx="0" cy="0"/>
+          <a:chOff x="0" y="0"/>
+          <a:chExt cx="0" cy="0"/>
+        </a:xfrm>
+      </p:grpSpPr>
+      <p:sp>
+        <p:nvSpPr>
+          <p:cNvPr id="2" name="Заголовок 1"/>
+          <p:cNvSpPr>
+            <a:spLocks noGrp="1"/>
+          </p:cNvSpPr>
+          <p:nvPr>
+            <p:ph type="title"/>
+          </p:nvPr>
+        </p:nvSpPr>
+        <p:spPr/>
+        <p:txBody>
+          <a:bodyPr/>
+          <a:lstStyle/>
+          <a:p>
+            <a:r>
+              <a:rPr lang="ru-RU" dirty="0" smtClean="0"/>
+              <a:t>Парное </a:t>
+            </a:r>
+            <a:r>
+              <a:rPr lang="en-US" dirty="0" smtClean="0"/>
+              <a:t>TDD</a:t>
+            </a:r>
+            <a:endParaRPr lang="ru-RU" dirty="0"/>
+          </a:p>
+        </p:txBody>
+      </p:sp>
+      <p:sp>
+        <p:nvSpPr>
+          <p:cNvPr id="3" name="Объект 2"/>
+          <p:cNvSpPr>
+            <a:spLocks noGrp="1"/>
+          </p:cNvSpPr>
+          <p:nvPr>
+            <p:ph idx="1"/>
+          </p:nvPr>
+        </p:nvSpPr>
+        <p:spPr/>
+        <p:txBody>
+          <a:bodyPr/>
+          <a:lstStyle/>
+          <a:p>
+            <a:r>
+              <a:rPr lang="en-US" dirty="0" smtClean="0"/>
+              <a:t>Ping pong</a:t>
+            </a:r>
+          </a:p>
+          <a:p>
+            <a:r>
+              <a:rPr lang="en-US" dirty="0" smtClean="0"/>
+              <a:t>Devil's advocate</a:t>
+            </a:r>
+            <a:endParaRPr lang="ru-RU" dirty="0" smtClean="0"/>
+          </a:p>
+          <a:p>
+            <a:r>
+              <a:rPr lang="ru-RU" dirty="0" smtClean="0"/>
+              <a:t>3 </a:t>
+            </a:r>
+            <a:r>
+              <a:rPr lang="en-US" dirty="0" smtClean="0"/>
+              <a:t>min timeframe</a:t>
+            </a:r>
+            <a:endParaRPr lang="ru-RU" dirty="0"/>
+          </a:p>
+        </p:txBody>
+      </p:sp>
+    </p:spTree>
+    <p:extLst>
+      <p:ext uri="{BB962C8B-B14F-4D97-AF65-F5344CB8AC3E}">
+        <p14:creationId xmlns:p14="http://schemas.microsoft.com/office/powerpoint/2010/main" val="4076201943"/>
+      </p:ext>
+    </p:extLst>
+  </p:cSld>
+  <p:clrMapOvr>
+    <a:masterClrMapping/>
+  </p:clrMapOvr>
+  <p:timing>
+    <p:tnLst>
+      <p:par>
+        <p:cTn id="1" dur="indefinite" restart="never" nodeType="tmRoot"/>
+      </p:par>
+    </p:tnLst>
+  </p:timing>
+</p:sld>
+</file>
+
 <file path=ppt/slides/slide39.xml><?xml version="1.0" encoding="utf-8"?>
 <p:sld xmlns:a="http://schemas.openxmlformats.org/drawingml/2006/main" xmlns:r="http://schemas.openxmlformats.org/officeDocument/2006/relationships" xmlns:p="http://schemas.openxmlformats.org/presentationml/2006/main">
   <p:cSld>
@@ -16724,12 +17138,8 @@
           <a:lstStyle/>
           <a:p>
             <a:r>
-              <a:rPr lang="en-US" dirty="0" smtClean="0"/>
-              <a:t>TDD</a:t>
-            </a:r>
-            <a:r>
               <a:rPr lang="ru-RU" dirty="0" smtClean="0"/>
-              <a:t> ваши возражения?</a:t>
+              <a:t>Практика</a:t>
             </a:r>
             <a:endParaRPr lang="ru-RU" dirty="0"/>
           </a:p>
@@ -16745,25 +17155,33 @@
             <p:ph idx="1"/>
           </p:nvPr>
         </p:nvSpPr>
-        <p:spPr/>
+        <p:spPr>
+          <a:xfrm>
+            <a:off x="457200" y="2420888"/>
+            <a:ext cx="8229600" cy="3705275"/>
+          </a:xfrm>
+        </p:spPr>
         <p:txBody>
-          <a:bodyPr/>
+          <a:bodyPr>
+            <a:normAutofit/>
+          </a:bodyPr>
           <a:lstStyle/>
           <a:p>
-            <a:pPr marL="0" indent="0">
+            <a:pPr marL="0" indent="0" algn="ctr">
               <a:buNone/>
             </a:pPr>
             <a:r>
-              <a:rPr lang="ru-RU" dirty="0" smtClean="0"/>
-              <a:t>Слайд ответов на возражения</a:t>
-            </a:r>
+              <a:rPr lang="en-US" sz="6000" dirty="0" smtClean="0"/>
+              <a:t>Code-Kata</a:t>
+            </a:r>
+            <a:endParaRPr lang="ru-RU" sz="6000" dirty="0"/>
           </a:p>
         </p:txBody>
       </p:sp>
     </p:spTree>
     <p:extLst>
       <p:ext uri="{BB962C8B-B14F-4D97-AF65-F5344CB8AC3E}">
-        <p14:creationId xmlns:p14="http://schemas.microsoft.com/office/powerpoint/2010/main" val="438521335"/>
+        <p14:creationId xmlns:p14="http://schemas.microsoft.com/office/powerpoint/2010/main" val="3070989260"/>
       </p:ext>
     </p:extLst>
   </p:cSld>
@@ -16919,203 +17337,6 @@
       </p:grpSpPr>
       <p:sp>
         <p:nvSpPr>
-          <p:cNvPr id="2" name="Заголовок 1"/>
-          <p:cNvSpPr>
-            <a:spLocks noGrp="1"/>
-          </p:cNvSpPr>
-          <p:nvPr>
-            <p:ph type="title"/>
-          </p:nvPr>
-        </p:nvSpPr>
-        <p:spPr/>
-        <p:txBody>
-          <a:bodyPr/>
-          <a:lstStyle/>
-          <a:p>
-            <a:r>
-              <a:rPr lang="ru-RU" dirty="0" smtClean="0"/>
-              <a:t>Парное </a:t>
-            </a:r>
-            <a:r>
-              <a:rPr lang="en-US" dirty="0" smtClean="0"/>
-              <a:t>TDD</a:t>
-            </a:r>
-            <a:endParaRPr lang="ru-RU" dirty="0"/>
-          </a:p>
-        </p:txBody>
-      </p:sp>
-      <p:sp>
-        <p:nvSpPr>
-          <p:cNvPr id="3" name="Объект 2"/>
-          <p:cNvSpPr>
-            <a:spLocks noGrp="1"/>
-          </p:cNvSpPr>
-          <p:nvPr>
-            <p:ph idx="1"/>
-          </p:nvPr>
-        </p:nvSpPr>
-        <p:spPr/>
-        <p:txBody>
-          <a:bodyPr/>
-          <a:lstStyle/>
-          <a:p>
-            <a:r>
-              <a:rPr lang="en-US" dirty="0" smtClean="0"/>
-              <a:t>Ping pong</a:t>
-            </a:r>
-          </a:p>
-          <a:p>
-            <a:r>
-              <a:rPr lang="en-US" dirty="0" smtClean="0"/>
-              <a:t>Devil's advocate</a:t>
-            </a:r>
-            <a:endParaRPr lang="ru-RU" dirty="0" smtClean="0"/>
-          </a:p>
-          <a:p>
-            <a:r>
-              <a:rPr lang="ru-RU" dirty="0" smtClean="0"/>
-              <a:t>3 </a:t>
-            </a:r>
-            <a:r>
-              <a:rPr lang="en-US" dirty="0" smtClean="0"/>
-              <a:t>min timeframe</a:t>
-            </a:r>
-            <a:endParaRPr lang="ru-RU" dirty="0"/>
-          </a:p>
-        </p:txBody>
-      </p:sp>
-    </p:spTree>
-    <p:extLst>
-      <p:ext uri="{BB962C8B-B14F-4D97-AF65-F5344CB8AC3E}">
-        <p14:creationId xmlns:p14="http://schemas.microsoft.com/office/powerpoint/2010/main" val="4076201943"/>
-      </p:ext>
-    </p:extLst>
-  </p:cSld>
-  <p:clrMapOvr>
-    <a:masterClrMapping/>
-  </p:clrMapOvr>
-  <p:timing>
-    <p:tnLst>
-      <p:par>
-        <p:cTn id="1" dur="indefinite" restart="never" nodeType="tmRoot"/>
-      </p:par>
-    </p:tnLst>
-  </p:timing>
-</p:sld>
-</file>
-
-<file path=ppt/slides/slide41.xml><?xml version="1.0" encoding="utf-8"?>
-<p:sld xmlns:a="http://schemas.openxmlformats.org/drawingml/2006/main" xmlns:r="http://schemas.openxmlformats.org/officeDocument/2006/relationships" xmlns:p="http://schemas.openxmlformats.org/presentationml/2006/main">
-  <p:cSld>
-    <p:spTree>
-      <p:nvGrpSpPr>
-        <p:cNvPr id="1" name=""/>
-        <p:cNvGrpSpPr/>
-        <p:nvPr/>
-      </p:nvGrpSpPr>
-      <p:grpSpPr>
-        <a:xfrm>
-          <a:off x="0" y="0"/>
-          <a:ext cx="0" cy="0"/>
-          <a:chOff x="0" y="0"/>
-          <a:chExt cx="0" cy="0"/>
-        </a:xfrm>
-      </p:grpSpPr>
-      <p:sp>
-        <p:nvSpPr>
-          <p:cNvPr id="2" name="Заголовок 1"/>
-          <p:cNvSpPr>
-            <a:spLocks noGrp="1"/>
-          </p:cNvSpPr>
-          <p:nvPr>
-            <p:ph type="title"/>
-          </p:nvPr>
-        </p:nvSpPr>
-        <p:spPr/>
-        <p:txBody>
-          <a:bodyPr/>
-          <a:lstStyle/>
-          <a:p>
-            <a:r>
-              <a:rPr lang="ru-RU" dirty="0" smtClean="0"/>
-              <a:t>Практика</a:t>
-            </a:r>
-            <a:endParaRPr lang="ru-RU" dirty="0"/>
-          </a:p>
-        </p:txBody>
-      </p:sp>
-      <p:sp>
-        <p:nvSpPr>
-          <p:cNvPr id="3" name="Объект 2"/>
-          <p:cNvSpPr>
-            <a:spLocks noGrp="1"/>
-          </p:cNvSpPr>
-          <p:nvPr>
-            <p:ph idx="1"/>
-          </p:nvPr>
-        </p:nvSpPr>
-        <p:spPr>
-          <a:xfrm>
-            <a:off x="457200" y="2420888"/>
-            <a:ext cx="8229600" cy="3705275"/>
-          </a:xfrm>
-        </p:spPr>
-        <p:txBody>
-          <a:bodyPr>
-            <a:normAutofit/>
-          </a:bodyPr>
-          <a:lstStyle/>
-          <a:p>
-            <a:pPr marL="0" indent="0" algn="ctr">
-              <a:buNone/>
-            </a:pPr>
-            <a:r>
-              <a:rPr lang="en-US" sz="6000" dirty="0" smtClean="0"/>
-              <a:t>Code-Kata</a:t>
-            </a:r>
-            <a:endParaRPr lang="ru-RU" sz="6000" dirty="0"/>
-          </a:p>
-        </p:txBody>
-      </p:sp>
-    </p:spTree>
-    <p:extLst>
-      <p:ext uri="{BB962C8B-B14F-4D97-AF65-F5344CB8AC3E}">
-        <p14:creationId xmlns:p14="http://schemas.microsoft.com/office/powerpoint/2010/main" val="3070989260"/>
-      </p:ext>
-    </p:extLst>
-  </p:cSld>
-  <p:clrMapOvr>
-    <a:masterClrMapping/>
-  </p:clrMapOvr>
-  <p:timing>
-    <p:tnLst>
-      <p:par>
-        <p:cTn id="1" dur="indefinite" restart="never" nodeType="tmRoot"/>
-      </p:par>
-    </p:tnLst>
-  </p:timing>
-</p:sld>
-</file>
-
-<file path=ppt/slides/slide42.xml><?xml version="1.0" encoding="utf-8"?>
-<p:sld xmlns:a="http://schemas.openxmlformats.org/drawingml/2006/main" xmlns:r="http://schemas.openxmlformats.org/officeDocument/2006/relationships" xmlns:p="http://schemas.openxmlformats.org/presentationml/2006/main">
-  <p:cSld>
-    <p:spTree>
-      <p:nvGrpSpPr>
-        <p:cNvPr id="1" name=""/>
-        <p:cNvGrpSpPr/>
-        <p:nvPr/>
-      </p:nvGrpSpPr>
-      <p:grpSpPr>
-        <a:xfrm>
-          <a:off x="0" y="0"/>
-          <a:ext cx="0" cy="0"/>
-          <a:chOff x="0" y="0"/>
-          <a:chExt cx="0" cy="0"/>
-        </a:xfrm>
-      </p:grpSpPr>
-      <p:sp>
-        <p:nvSpPr>
           <p:cNvPr id="3074" name="Rectangle 2"/>
           <p:cNvSpPr>
             <a:spLocks noGrp="1" noChangeArrowheads="1"/>
@@ -17155,7 +17376,7 @@
           <a:graphicData uri="http://schemas.openxmlformats.org/presentationml/2006/ole">
             <mc:AlternateContent xmlns:mc="http://schemas.openxmlformats.org/markup-compatibility/2006">
               <mc:Choice xmlns:v="urn:schemas-microsoft-com:vml" Requires="v">
-                <p:oleObj spid="_x0000_s1051" name="VISIO" r:id="rId4" imgW="2544803" imgH="251238" progId="Visio.Drawing.5">
+                <p:oleObj spid="_x0000_s1053" name="VISIO" r:id="rId4" imgW="2544803" imgH="251238" progId="Visio.Drawing.5">
                   <p:embed/>
                 </p:oleObj>
               </mc:Choice>
@@ -17532,7 +17753,7 @@
 </p:sld>
 </file>
 
-<file path=ppt/slides/slide43.xml><?xml version="1.0" encoding="utf-8"?>
+<file path=ppt/slides/slide41.xml><?xml version="1.0" encoding="utf-8"?>
 <p:sld xmlns:a="http://schemas.openxmlformats.org/drawingml/2006/main" xmlns:r="http://schemas.openxmlformats.org/officeDocument/2006/relationships" xmlns:p="http://schemas.openxmlformats.org/presentationml/2006/main">
   <p:cSld>
     <p:spTree>
@@ -17710,7 +17931,7 @@
 </p:sld>
 </file>
 
-<file path=ppt/slides/slide44.xml><?xml version="1.0" encoding="utf-8"?>
+<file path=ppt/slides/slide42.xml><?xml version="1.0" encoding="utf-8"?>
 <p:sld xmlns:a="http://schemas.openxmlformats.org/drawingml/2006/main" xmlns:r="http://schemas.openxmlformats.org/officeDocument/2006/relationships" xmlns:p="http://schemas.openxmlformats.org/presentationml/2006/main">
   <p:cSld>
     <p:spTree>

--- a/day1.pptx
+++ b/day1.pptx
@@ -6298,7 +6298,7 @@
           <a:p>
             <a:fld id="{16E5F246-0B7D-44DF-8C1B-EDFCA5DA626A}" type="datetimeFigureOut">
               <a:rPr lang="ru-RU" smtClean="0"/>
-              <a:t>19.08.2015</a:t>
+              <a:t>20.08.2015</a:t>
             </a:fld>
             <a:endParaRPr lang="ru-RU"/>
           </a:p>
@@ -7671,7 +7671,7 @@
           <a:p>
             <a:fld id="{ED7A5A9E-355E-4F5A-82F5-195339D13266}" type="datetimeFigureOut">
               <a:rPr lang="ru-RU" smtClean="0"/>
-              <a:t>19.08.2015</a:t>
+              <a:t>20.08.2015</a:t>
             </a:fld>
             <a:endParaRPr lang="ru-RU"/>
           </a:p>
@@ -7841,7 +7841,7 @@
           <a:p>
             <a:fld id="{ED7A5A9E-355E-4F5A-82F5-195339D13266}" type="datetimeFigureOut">
               <a:rPr lang="ru-RU" smtClean="0"/>
-              <a:t>19.08.2015</a:t>
+              <a:t>20.08.2015</a:t>
             </a:fld>
             <a:endParaRPr lang="ru-RU"/>
           </a:p>
@@ -8021,7 +8021,7 @@
           <a:p>
             <a:fld id="{ED7A5A9E-355E-4F5A-82F5-195339D13266}" type="datetimeFigureOut">
               <a:rPr lang="ru-RU" smtClean="0"/>
-              <a:t>19.08.2015</a:t>
+              <a:t>20.08.2015</a:t>
             </a:fld>
             <a:endParaRPr lang="ru-RU"/>
           </a:p>
@@ -8191,7 +8191,7 @@
           <a:p>
             <a:fld id="{ED7A5A9E-355E-4F5A-82F5-195339D13266}" type="datetimeFigureOut">
               <a:rPr lang="ru-RU" smtClean="0"/>
-              <a:t>19.08.2015</a:t>
+              <a:t>20.08.2015</a:t>
             </a:fld>
             <a:endParaRPr lang="ru-RU"/>
           </a:p>
@@ -8437,7 +8437,7 @@
           <a:p>
             <a:fld id="{ED7A5A9E-355E-4F5A-82F5-195339D13266}" type="datetimeFigureOut">
               <a:rPr lang="ru-RU" smtClean="0"/>
-              <a:t>19.08.2015</a:t>
+              <a:t>20.08.2015</a:t>
             </a:fld>
             <a:endParaRPr lang="ru-RU"/>
           </a:p>
@@ -8725,7 +8725,7 @@
           <a:p>
             <a:fld id="{ED7A5A9E-355E-4F5A-82F5-195339D13266}" type="datetimeFigureOut">
               <a:rPr lang="ru-RU" smtClean="0"/>
-              <a:t>19.08.2015</a:t>
+              <a:t>20.08.2015</a:t>
             </a:fld>
             <a:endParaRPr lang="ru-RU"/>
           </a:p>
@@ -9147,7 +9147,7 @@
           <a:p>
             <a:fld id="{ED7A5A9E-355E-4F5A-82F5-195339D13266}" type="datetimeFigureOut">
               <a:rPr lang="ru-RU" smtClean="0"/>
-              <a:t>19.08.2015</a:t>
+              <a:t>20.08.2015</a:t>
             </a:fld>
             <a:endParaRPr lang="ru-RU"/>
           </a:p>
@@ -9265,7 +9265,7 @@
           <a:p>
             <a:fld id="{ED7A5A9E-355E-4F5A-82F5-195339D13266}" type="datetimeFigureOut">
               <a:rPr lang="ru-RU" smtClean="0"/>
-              <a:t>19.08.2015</a:t>
+              <a:t>20.08.2015</a:t>
             </a:fld>
             <a:endParaRPr lang="ru-RU"/>
           </a:p>
@@ -9360,7 +9360,7 @@
           <a:p>
             <a:fld id="{ED7A5A9E-355E-4F5A-82F5-195339D13266}" type="datetimeFigureOut">
               <a:rPr lang="ru-RU" smtClean="0"/>
-              <a:t>19.08.2015</a:t>
+              <a:t>20.08.2015</a:t>
             </a:fld>
             <a:endParaRPr lang="ru-RU"/>
           </a:p>
@@ -9637,7 +9637,7 @@
           <a:p>
             <a:fld id="{ED7A5A9E-355E-4F5A-82F5-195339D13266}" type="datetimeFigureOut">
               <a:rPr lang="ru-RU" smtClean="0"/>
-              <a:t>19.08.2015</a:t>
+              <a:t>20.08.2015</a:t>
             </a:fld>
             <a:endParaRPr lang="ru-RU"/>
           </a:p>
@@ -9890,7 +9890,7 @@
           <a:p>
             <a:fld id="{ED7A5A9E-355E-4F5A-82F5-195339D13266}" type="datetimeFigureOut">
               <a:rPr lang="ru-RU" smtClean="0"/>
-              <a:t>19.08.2015</a:t>
+              <a:t>20.08.2015</a:t>
             </a:fld>
             <a:endParaRPr lang="ru-RU"/>
           </a:p>
@@ -10103,7 +10103,7 @@
           <a:p>
             <a:fld id="{ED7A5A9E-355E-4F5A-82F5-195339D13266}" type="datetimeFigureOut">
               <a:rPr lang="ru-RU" smtClean="0"/>
-              <a:t>19.08.2015</a:t>
+              <a:t>20.08.2015</a:t>
             </a:fld>
             <a:endParaRPr lang="ru-RU"/>
           </a:p>
@@ -17376,7 +17376,7 @@
           <a:graphicData uri="http://schemas.openxmlformats.org/presentationml/2006/ole">
             <mc:AlternateContent xmlns:mc="http://schemas.openxmlformats.org/markup-compatibility/2006">
               <mc:Choice xmlns:v="urn:schemas-microsoft-com:vml" Requires="v">
-                <p:oleObj spid="_x0000_s1053" name="VISIO" r:id="rId4" imgW="2544803" imgH="251238" progId="Visio.Drawing.5">
+                <p:oleObj spid="_x0000_s1056" name="VISIO" r:id="rId4" imgW="2544803" imgH="251238" progId="Visio.Drawing.5">
                   <p:embed/>
                 </p:oleObj>
               </mc:Choice>
@@ -18167,7 +18167,9 @@
         </p:nvSpPr>
         <p:spPr/>
         <p:txBody>
-          <a:bodyPr/>
+          <a:bodyPr>
+            <a:normAutofit lnSpcReduction="10000"/>
+          </a:bodyPr>
           <a:lstStyle/>
           <a:p>
             <a:pPr marL="0" indent="0">
@@ -18233,8 +18235,31 @@
             </a:r>
             <a:r>
               <a:rPr lang="en-US" dirty="0" smtClean="0"/>
-              <a:t> — Test</a:t>
-            </a:r>
+              <a:t> — </a:t>
+            </a:r>
+            <a:r>
+              <a:rPr lang="en-US" dirty="0" smtClean="0"/>
+              <a:t>Test</a:t>
+            </a:r>
+            <a:endParaRPr lang="ru-RU" dirty="0" smtClean="0"/>
+          </a:p>
+          <a:p>
+            <a:pPr marL="0" indent="0">
+              <a:buNone/>
+            </a:pPr>
+            <a:r>
+              <a:rPr lang="en-US" dirty="0" err="1" smtClean="0"/>
+              <a:t>su</a:t>
+            </a:r>
+            <a:r>
+              <a:rPr lang="en-US" dirty="0" smtClean="0"/>
+              <a:t> — </a:t>
+            </a:r>
+            <a:r>
+              <a:rPr lang="en-US" dirty="0" err="1" smtClean="0"/>
+              <a:t>SetUp</a:t>
+            </a:r>
+            <a:endParaRPr lang="en-US" dirty="0" smtClean="0"/>
           </a:p>
           <a:p>
             <a:pPr marL="0" indent="0">
@@ -18358,19 +18383,61 @@
           <a:lstStyle/>
           <a:p>
             <a:r>
+              <a:rPr lang="en-US" dirty="0" err="1" smtClean="0"/>
+              <a:t>Ctrl+T+L</a:t>
+            </a:r>
+            <a:r>
+              <a:rPr lang="en-US" dirty="0" smtClean="0"/>
+              <a:t> — </a:t>
+            </a:r>
+            <a:r>
+              <a:rPr lang="ru-RU" dirty="0" smtClean="0"/>
+              <a:t>все тесты в </a:t>
+            </a:r>
+            <a:r>
+              <a:rPr lang="ru-RU" dirty="0" err="1" smtClean="0"/>
+              <a:t>солюшене</a:t>
+            </a:r>
+            <a:r>
+              <a:rPr lang="ru-RU" dirty="0" smtClean="0"/>
+              <a:t>, </a:t>
+            </a:r>
+          </a:p>
+          <a:p>
+            <a:r>
+              <a:rPr lang="en-US" dirty="0" err="1" smtClean="0"/>
+              <a:t>Ctrl+T+R</a:t>
+            </a:r>
+            <a:r>
+              <a:rPr lang="ru-RU" dirty="0" smtClean="0"/>
+              <a:t>, </a:t>
+            </a:r>
+            <a:r>
+              <a:rPr lang="en-US" dirty="0" err="1" smtClean="0"/>
+              <a:t>Ctrl+T+T</a:t>
+            </a:r>
+            <a:endParaRPr lang="ru-RU" dirty="0"/>
+          </a:p>
+          <a:p>
+            <a:r>
               <a:rPr lang="en-US" dirty="0" smtClean="0"/>
               <a:t>TeamCity</a:t>
             </a:r>
+            <a:endParaRPr lang="ru-RU" dirty="0" smtClean="0"/>
           </a:p>
           <a:p>
             <a:r>
               <a:rPr lang="en-US" dirty="0" smtClean="0"/>
-              <a:t>Run after build:</a:t>
-            </a:r>
-          </a:p>
-          <a:p>
-            <a:pPr marL="971550" lvl="1" indent="-514350">
-              <a:buAutoNum type="arabicPeriod"/>
+              <a:t>Run </a:t>
+            </a:r>
+            <a:r>
+              <a:rPr lang="en-US" dirty="0" smtClean="0"/>
+              <a:t>after build:</a:t>
+            </a:r>
+          </a:p>
+          <a:p>
+            <a:pPr marL="457200" lvl="1" indent="0">
+              <a:buNone/>
             </a:pPr>
             <a:r>
               <a:rPr lang="en-US" sz="2400" dirty="0" smtClean="0">
@@ -18474,43 +18541,10 @@
               </a:rPr>
               <a:t>nodots</a:t>
             </a:r>
-            <a:endParaRPr lang="en-US" sz="2400" dirty="0" smtClean="0">
+            <a:endParaRPr lang="ru-RU" sz="2400" dirty="0" smtClean="0">
               <a:latin typeface="Consolas" panose="020B0609020204030204" pitchFamily="49" charset="0"/>
               <a:cs typeface="Consolas" panose="020B0609020204030204" pitchFamily="49" charset="0"/>
             </a:endParaRPr>
-          </a:p>
-          <a:p>
-            <a:pPr marL="971550" lvl="1" indent="-514350">
-              <a:buAutoNum type="arabicPeriod"/>
-            </a:pPr>
-            <a:r>
-              <a:rPr lang="en-US" dirty="0" smtClean="0"/>
-              <a:t>TEST → Test Settings → Run Tests After Build</a:t>
-            </a:r>
-            <a:r>
-              <a:rPr lang="ru-RU" dirty="0" smtClean="0"/>
-              <a:t/>
-            </a:r>
-            <a:br>
-              <a:rPr lang="ru-RU" dirty="0" smtClean="0"/>
-            </a:br>
-            <a:r>
-              <a:rPr lang="ru-RU" dirty="0" smtClean="0"/>
-              <a:t>(+</a:t>
-            </a:r>
-            <a:r>
-              <a:rPr lang="en-US" dirty="0" smtClean="0"/>
-              <a:t> </a:t>
-            </a:r>
-            <a:r>
-              <a:rPr lang="en-US" dirty="0" err="1" smtClean="0"/>
-              <a:t>NUnit</a:t>
-            </a:r>
-            <a:r>
-              <a:rPr lang="en-US" dirty="0" smtClean="0"/>
-              <a:t> Test adapter)</a:t>
-            </a:r>
-            <a:endParaRPr lang="ru-RU" dirty="0" smtClean="0"/>
           </a:p>
         </p:txBody>
       </p:sp>
@@ -18708,6 +18742,55 @@
                                           <p:spTgt spid="3">
                                             <p:txEl>
                                               <p:pRg st="3" end="3"/>
+                                            </p:txEl>
+                                          </p:spTgt>
+                                        </p:tgtEl>
+                                        <p:attrNameLst>
+                                          <p:attrName>style.visibility</p:attrName>
+                                        </p:attrNameLst>
+                                      </p:cBhvr>
+                                      <p:to>
+                                        <p:strVal val="visible"/>
+                                      </p:to>
+                                    </p:set>
+                                  </p:childTnLst>
+                                </p:cTn>
+                              </p:par>
+                            </p:childTnLst>
+                          </p:cTn>
+                        </p:par>
+                      </p:childTnLst>
+                    </p:cTn>
+                  </p:par>
+                  <p:par>
+                    <p:cTn id="19" fill="hold">
+                      <p:stCondLst>
+                        <p:cond delay="indefinite"/>
+                      </p:stCondLst>
+                      <p:childTnLst>
+                        <p:par>
+                          <p:cTn id="20" fill="hold">
+                            <p:stCondLst>
+                              <p:cond delay="0"/>
+                            </p:stCondLst>
+                            <p:childTnLst>
+                              <p:par>
+                                <p:cTn id="21" presetID="1" presetClass="entr" presetSubtype="0" fill="hold" grpId="0" nodeType="clickEffect">
+                                  <p:stCondLst>
+                                    <p:cond delay="0"/>
+                                  </p:stCondLst>
+                                  <p:childTnLst>
+                                    <p:set>
+                                      <p:cBhvr>
+                                        <p:cTn id="22" dur="1" fill="hold">
+                                          <p:stCondLst>
+                                            <p:cond delay="0"/>
+                                          </p:stCondLst>
+                                        </p:cTn>
+                                        <p:tgtEl>
+                                          <p:spTgt spid="3">
+                                            <p:txEl>
+                                              <p:pRg st="4" end="4"/>
                                             </p:txEl>
                                           </p:spTgt>
                                         </p:tgtEl>
